--- a/presentations/example13.pptx
+++ b/presentations/example13.pptx
@@ -107,6 +107,11 @@
       </a:defRPr>
     </a:lvl9pPr>
   </p:defaultTextStyle>
+  <p:extLst>
+    <p:ext uri="{EFAFB233-063F-42B5-8137-9DF3F51BA10A}">
+      <p15:sldGuideLst xmlns:p15="http://schemas.microsoft.com/office/powerpoint/2012/main"/>
+    </p:ext>
+  </p:extLst>
 </p:presentation>
 </file>
 
@@ -152,10 +157,9 @@
           </a:lstStyle>
           <a:p>
             <a:r>
-              <a:rPr lang="en-US" smtClean="0"/>
+              <a:rPr lang="en-US"/>
               <a:t>Click to edit Master title style</a:t>
             </a:r>
-            <a:endParaRPr lang="en-US"/>
           </a:p>
         </p:txBody>
       </p:sp>
@@ -217,10 +221,9 @@
           </a:lstStyle>
           <a:p>
             <a:r>
-              <a:rPr lang="en-US" smtClean="0"/>
+              <a:rPr lang="en-US"/>
               <a:t>Click to edit Master subtitle style</a:t>
             </a:r>
-            <a:endParaRPr lang="en-US"/>
           </a:p>
         </p:txBody>
       </p:sp>
@@ -241,7 +244,7 @@
           <a:p>
             <a:fld id="{74A6B15C-ADB0-4957-B33F-4CF21949A72A}" type="datetimeFigureOut">
               <a:rPr lang="en-US" smtClean="0"/>
-              <a:t>5/6/2021</a:t>
+              <a:t>5/8/2021</a:t>
             </a:fld>
             <a:endParaRPr lang="en-US"/>
           </a:p>
@@ -335,10 +338,9 @@
           <a:lstStyle/>
           <a:p>
             <a:r>
-              <a:rPr lang="en-US" smtClean="0"/>
+              <a:rPr lang="en-US"/>
               <a:t>Click to edit Master title style</a:t>
             </a:r>
-            <a:endParaRPr lang="en-US"/>
           </a:p>
         </p:txBody>
       </p:sp>
@@ -359,38 +361,37 @@
           <a:p>
             <a:pPr lvl="0"/>
             <a:r>
-              <a:rPr lang="en-US" smtClean="0"/>
+              <a:rPr lang="en-US"/>
               <a:t>Edit Master text styles</a:t>
             </a:r>
           </a:p>
           <a:p>
             <a:pPr lvl="1"/>
             <a:r>
-              <a:rPr lang="en-US" smtClean="0"/>
+              <a:rPr lang="en-US"/>
               <a:t>Second level</a:t>
             </a:r>
           </a:p>
           <a:p>
             <a:pPr lvl="2"/>
             <a:r>
-              <a:rPr lang="en-US" smtClean="0"/>
+              <a:rPr lang="en-US"/>
               <a:t>Third level</a:t>
             </a:r>
           </a:p>
           <a:p>
             <a:pPr lvl="3"/>
             <a:r>
-              <a:rPr lang="en-US" smtClean="0"/>
+              <a:rPr lang="en-US"/>
               <a:t>Fourth level</a:t>
             </a:r>
           </a:p>
           <a:p>
             <a:pPr lvl="4"/>
             <a:r>
-              <a:rPr lang="en-US" smtClean="0"/>
+              <a:rPr lang="en-US"/>
               <a:t>Fifth level</a:t>
             </a:r>
-            <a:endParaRPr lang="en-US"/>
           </a:p>
         </p:txBody>
       </p:sp>
@@ -411,7 +412,7 @@
           <a:p>
             <a:fld id="{74A6B15C-ADB0-4957-B33F-4CF21949A72A}" type="datetimeFigureOut">
               <a:rPr lang="en-US" smtClean="0"/>
-              <a:t>5/6/2021</a:t>
+              <a:t>5/8/2021</a:t>
             </a:fld>
             <a:endParaRPr lang="en-US"/>
           </a:p>
@@ -510,10 +511,9 @@
           <a:lstStyle/>
           <a:p>
             <a:r>
-              <a:rPr lang="en-US" smtClean="0"/>
+              <a:rPr lang="en-US"/>
               <a:t>Click to edit Master title style</a:t>
             </a:r>
-            <a:endParaRPr lang="en-US"/>
           </a:p>
         </p:txBody>
       </p:sp>
@@ -539,38 +539,37 @@
           <a:p>
             <a:pPr lvl="0"/>
             <a:r>
-              <a:rPr lang="en-US" smtClean="0"/>
+              <a:rPr lang="en-US"/>
               <a:t>Edit Master text styles</a:t>
             </a:r>
           </a:p>
           <a:p>
             <a:pPr lvl="1"/>
             <a:r>
-              <a:rPr lang="en-US" smtClean="0"/>
+              <a:rPr lang="en-US"/>
               <a:t>Second level</a:t>
             </a:r>
           </a:p>
           <a:p>
             <a:pPr lvl="2"/>
             <a:r>
-              <a:rPr lang="en-US" smtClean="0"/>
+              <a:rPr lang="en-US"/>
               <a:t>Third level</a:t>
             </a:r>
           </a:p>
           <a:p>
             <a:pPr lvl="3"/>
             <a:r>
-              <a:rPr lang="en-US" smtClean="0"/>
+              <a:rPr lang="en-US"/>
               <a:t>Fourth level</a:t>
             </a:r>
           </a:p>
           <a:p>
             <a:pPr lvl="4"/>
             <a:r>
-              <a:rPr lang="en-US" smtClean="0"/>
+              <a:rPr lang="en-US"/>
               <a:t>Fifth level</a:t>
             </a:r>
-            <a:endParaRPr lang="en-US"/>
           </a:p>
         </p:txBody>
       </p:sp>
@@ -591,7 +590,7 @@
           <a:p>
             <a:fld id="{74A6B15C-ADB0-4957-B33F-4CF21949A72A}" type="datetimeFigureOut">
               <a:rPr lang="en-US" smtClean="0"/>
-              <a:t>5/6/2021</a:t>
+              <a:t>5/8/2021</a:t>
             </a:fld>
             <a:endParaRPr lang="en-US"/>
           </a:p>
@@ -685,10 +684,9 @@
           <a:lstStyle/>
           <a:p>
             <a:r>
-              <a:rPr lang="en-US" smtClean="0"/>
+              <a:rPr lang="en-US"/>
               <a:t>Click to edit Master title style</a:t>
             </a:r>
-            <a:endParaRPr lang="en-US"/>
           </a:p>
         </p:txBody>
       </p:sp>
@@ -709,38 +707,37 @@
           <a:p>
             <a:pPr lvl="0"/>
             <a:r>
-              <a:rPr lang="en-US" smtClean="0"/>
+              <a:rPr lang="en-US"/>
               <a:t>Edit Master text styles</a:t>
             </a:r>
           </a:p>
           <a:p>
             <a:pPr lvl="1"/>
             <a:r>
-              <a:rPr lang="en-US" smtClean="0"/>
+              <a:rPr lang="en-US"/>
               <a:t>Second level</a:t>
             </a:r>
           </a:p>
           <a:p>
             <a:pPr lvl="2"/>
             <a:r>
-              <a:rPr lang="en-US" smtClean="0"/>
+              <a:rPr lang="en-US"/>
               <a:t>Third level</a:t>
             </a:r>
           </a:p>
           <a:p>
             <a:pPr lvl="3"/>
             <a:r>
-              <a:rPr lang="en-US" smtClean="0"/>
+              <a:rPr lang="en-US"/>
               <a:t>Fourth level</a:t>
             </a:r>
           </a:p>
           <a:p>
             <a:pPr lvl="4"/>
             <a:r>
-              <a:rPr lang="en-US" smtClean="0"/>
+              <a:rPr lang="en-US"/>
               <a:t>Fifth level</a:t>
             </a:r>
-            <a:endParaRPr lang="en-US"/>
           </a:p>
         </p:txBody>
       </p:sp>
@@ -761,7 +758,7 @@
           <a:p>
             <a:fld id="{74A6B15C-ADB0-4957-B33F-4CF21949A72A}" type="datetimeFigureOut">
               <a:rPr lang="en-US" smtClean="0"/>
-              <a:t>5/6/2021</a:t>
+              <a:t>5/8/2021</a:t>
             </a:fld>
             <a:endParaRPr lang="en-US"/>
           </a:p>
@@ -864,10 +861,9 @@
           </a:lstStyle>
           <a:p>
             <a:r>
-              <a:rPr lang="en-US" smtClean="0"/>
+              <a:rPr lang="en-US"/>
               <a:t>Click to edit Master title style</a:t>
             </a:r>
-            <a:endParaRPr lang="en-US"/>
           </a:p>
         </p:txBody>
       </p:sp>
@@ -984,7 +980,7 @@
           <a:p>
             <a:pPr lvl="0"/>
             <a:r>
-              <a:rPr lang="en-US" smtClean="0"/>
+              <a:rPr lang="en-US"/>
               <a:t>Edit Master text styles</a:t>
             </a:r>
           </a:p>
@@ -1007,7 +1003,7 @@
           <a:p>
             <a:fld id="{74A6B15C-ADB0-4957-B33F-4CF21949A72A}" type="datetimeFigureOut">
               <a:rPr lang="en-US" smtClean="0"/>
-              <a:t>5/6/2021</a:t>
+              <a:t>5/8/2021</a:t>
             </a:fld>
             <a:endParaRPr lang="en-US"/>
           </a:p>
@@ -1101,10 +1097,9 @@
           <a:lstStyle/>
           <a:p>
             <a:r>
-              <a:rPr lang="en-US" smtClean="0"/>
+              <a:rPr lang="en-US"/>
               <a:t>Click to edit Master title style</a:t>
             </a:r>
-            <a:endParaRPr lang="en-US"/>
           </a:p>
         </p:txBody>
       </p:sp>
@@ -1130,38 +1125,37 @@
           <a:p>
             <a:pPr lvl="0"/>
             <a:r>
-              <a:rPr lang="en-US" smtClean="0"/>
+              <a:rPr lang="en-US"/>
               <a:t>Edit Master text styles</a:t>
             </a:r>
           </a:p>
           <a:p>
             <a:pPr lvl="1"/>
             <a:r>
-              <a:rPr lang="en-US" smtClean="0"/>
+              <a:rPr lang="en-US"/>
               <a:t>Second level</a:t>
             </a:r>
           </a:p>
           <a:p>
             <a:pPr lvl="2"/>
             <a:r>
-              <a:rPr lang="en-US" smtClean="0"/>
+              <a:rPr lang="en-US"/>
               <a:t>Third level</a:t>
             </a:r>
           </a:p>
           <a:p>
             <a:pPr lvl="3"/>
             <a:r>
-              <a:rPr lang="en-US" smtClean="0"/>
+              <a:rPr lang="en-US"/>
               <a:t>Fourth level</a:t>
             </a:r>
           </a:p>
           <a:p>
             <a:pPr lvl="4"/>
             <a:r>
-              <a:rPr lang="en-US" smtClean="0"/>
+              <a:rPr lang="en-US"/>
               <a:t>Fifth level</a:t>
             </a:r>
-            <a:endParaRPr lang="en-US"/>
           </a:p>
         </p:txBody>
       </p:sp>
@@ -1187,38 +1181,37 @@
           <a:p>
             <a:pPr lvl="0"/>
             <a:r>
-              <a:rPr lang="en-US" smtClean="0"/>
+              <a:rPr lang="en-US"/>
               <a:t>Edit Master text styles</a:t>
             </a:r>
           </a:p>
           <a:p>
             <a:pPr lvl="1"/>
             <a:r>
-              <a:rPr lang="en-US" smtClean="0"/>
+              <a:rPr lang="en-US"/>
               <a:t>Second level</a:t>
             </a:r>
           </a:p>
           <a:p>
             <a:pPr lvl="2"/>
             <a:r>
-              <a:rPr lang="en-US" smtClean="0"/>
+              <a:rPr lang="en-US"/>
               <a:t>Third level</a:t>
             </a:r>
           </a:p>
           <a:p>
             <a:pPr lvl="3"/>
             <a:r>
-              <a:rPr lang="en-US" smtClean="0"/>
+              <a:rPr lang="en-US"/>
               <a:t>Fourth level</a:t>
             </a:r>
           </a:p>
           <a:p>
             <a:pPr lvl="4"/>
             <a:r>
-              <a:rPr lang="en-US" smtClean="0"/>
+              <a:rPr lang="en-US"/>
               <a:t>Fifth level</a:t>
             </a:r>
-            <a:endParaRPr lang="en-US"/>
           </a:p>
         </p:txBody>
       </p:sp>
@@ -1239,7 +1232,7 @@
           <a:p>
             <a:fld id="{74A6B15C-ADB0-4957-B33F-4CF21949A72A}" type="datetimeFigureOut">
               <a:rPr lang="en-US" smtClean="0"/>
-              <a:t>5/6/2021</a:t>
+              <a:t>5/8/2021</a:t>
             </a:fld>
             <a:endParaRPr lang="en-US"/>
           </a:p>
@@ -1338,10 +1331,9 @@
           <a:lstStyle/>
           <a:p>
             <a:r>
-              <a:rPr lang="en-US" smtClean="0"/>
+              <a:rPr lang="en-US"/>
               <a:t>Click to edit Master title style</a:t>
             </a:r>
-            <a:endParaRPr lang="en-US"/>
           </a:p>
         </p:txBody>
       </p:sp>
@@ -1404,7 +1396,7 @@
           <a:p>
             <a:pPr lvl="0"/>
             <a:r>
-              <a:rPr lang="en-US" smtClean="0"/>
+              <a:rPr lang="en-US"/>
               <a:t>Edit Master text styles</a:t>
             </a:r>
           </a:p>
@@ -1432,38 +1424,37 @@
           <a:p>
             <a:pPr lvl="0"/>
             <a:r>
-              <a:rPr lang="en-US" smtClean="0"/>
+              <a:rPr lang="en-US"/>
               <a:t>Edit Master text styles</a:t>
             </a:r>
           </a:p>
           <a:p>
             <a:pPr lvl="1"/>
             <a:r>
-              <a:rPr lang="en-US" smtClean="0"/>
+              <a:rPr lang="en-US"/>
               <a:t>Second level</a:t>
             </a:r>
           </a:p>
           <a:p>
             <a:pPr lvl="2"/>
             <a:r>
-              <a:rPr lang="en-US" smtClean="0"/>
+              <a:rPr lang="en-US"/>
               <a:t>Third level</a:t>
             </a:r>
           </a:p>
           <a:p>
             <a:pPr lvl="3"/>
             <a:r>
-              <a:rPr lang="en-US" smtClean="0"/>
+              <a:rPr lang="en-US"/>
               <a:t>Fourth level</a:t>
             </a:r>
           </a:p>
           <a:p>
             <a:pPr lvl="4"/>
             <a:r>
-              <a:rPr lang="en-US" smtClean="0"/>
+              <a:rPr lang="en-US"/>
               <a:t>Fifth level</a:t>
             </a:r>
-            <a:endParaRPr lang="en-US"/>
           </a:p>
         </p:txBody>
       </p:sp>
@@ -1526,7 +1517,7 @@
           <a:p>
             <a:pPr lvl="0"/>
             <a:r>
-              <a:rPr lang="en-US" smtClean="0"/>
+              <a:rPr lang="en-US"/>
               <a:t>Edit Master text styles</a:t>
             </a:r>
           </a:p>
@@ -1554,38 +1545,37 @@
           <a:p>
             <a:pPr lvl="0"/>
             <a:r>
-              <a:rPr lang="en-US" smtClean="0"/>
+              <a:rPr lang="en-US"/>
               <a:t>Edit Master text styles</a:t>
             </a:r>
           </a:p>
           <a:p>
             <a:pPr lvl="1"/>
             <a:r>
-              <a:rPr lang="en-US" smtClean="0"/>
+              <a:rPr lang="en-US"/>
               <a:t>Second level</a:t>
             </a:r>
           </a:p>
           <a:p>
             <a:pPr lvl="2"/>
             <a:r>
-              <a:rPr lang="en-US" smtClean="0"/>
+              <a:rPr lang="en-US"/>
               <a:t>Third level</a:t>
             </a:r>
           </a:p>
           <a:p>
             <a:pPr lvl="3"/>
             <a:r>
-              <a:rPr lang="en-US" smtClean="0"/>
+              <a:rPr lang="en-US"/>
               <a:t>Fourth level</a:t>
             </a:r>
           </a:p>
           <a:p>
             <a:pPr lvl="4"/>
             <a:r>
-              <a:rPr lang="en-US" smtClean="0"/>
+              <a:rPr lang="en-US"/>
               <a:t>Fifth level</a:t>
             </a:r>
-            <a:endParaRPr lang="en-US"/>
           </a:p>
         </p:txBody>
       </p:sp>
@@ -1606,7 +1596,7 @@
           <a:p>
             <a:fld id="{74A6B15C-ADB0-4957-B33F-4CF21949A72A}" type="datetimeFigureOut">
               <a:rPr lang="en-US" smtClean="0"/>
-              <a:t>5/6/2021</a:t>
+              <a:t>5/8/2021</a:t>
             </a:fld>
             <a:endParaRPr lang="en-US"/>
           </a:p>
@@ -1700,10 +1690,9 @@
           <a:lstStyle/>
           <a:p>
             <a:r>
-              <a:rPr lang="en-US" smtClean="0"/>
+              <a:rPr lang="en-US"/>
               <a:t>Click to edit Master title style</a:t>
             </a:r>
-            <a:endParaRPr lang="en-US"/>
           </a:p>
         </p:txBody>
       </p:sp>
@@ -1724,7 +1713,7 @@
           <a:p>
             <a:fld id="{74A6B15C-ADB0-4957-B33F-4CF21949A72A}" type="datetimeFigureOut">
               <a:rPr lang="en-US" smtClean="0"/>
-              <a:t>5/6/2021</a:t>
+              <a:t>5/8/2021</a:t>
             </a:fld>
             <a:endParaRPr lang="en-US"/>
           </a:p>
@@ -1819,7 +1808,7 @@
           <a:p>
             <a:fld id="{74A6B15C-ADB0-4957-B33F-4CF21949A72A}" type="datetimeFigureOut">
               <a:rPr lang="en-US" smtClean="0"/>
-              <a:t>5/6/2021</a:t>
+              <a:t>5/8/2021</a:t>
             </a:fld>
             <a:endParaRPr lang="en-US"/>
           </a:p>
@@ -1922,10 +1911,9 @@
           </a:lstStyle>
           <a:p>
             <a:r>
-              <a:rPr lang="en-US" smtClean="0"/>
+              <a:rPr lang="en-US"/>
               <a:t>Click to edit Master title style</a:t>
             </a:r>
-            <a:endParaRPr lang="en-US"/>
           </a:p>
         </p:txBody>
       </p:sp>
@@ -1979,38 +1967,37 @@
           <a:p>
             <a:pPr lvl="0"/>
             <a:r>
-              <a:rPr lang="en-US" smtClean="0"/>
+              <a:rPr lang="en-US"/>
               <a:t>Edit Master text styles</a:t>
             </a:r>
           </a:p>
           <a:p>
             <a:pPr lvl="1"/>
             <a:r>
-              <a:rPr lang="en-US" smtClean="0"/>
+              <a:rPr lang="en-US"/>
               <a:t>Second level</a:t>
             </a:r>
           </a:p>
           <a:p>
             <a:pPr lvl="2"/>
             <a:r>
-              <a:rPr lang="en-US" smtClean="0"/>
+              <a:rPr lang="en-US"/>
               <a:t>Third level</a:t>
             </a:r>
           </a:p>
           <a:p>
             <a:pPr lvl="3"/>
             <a:r>
-              <a:rPr lang="en-US" smtClean="0"/>
+              <a:rPr lang="en-US"/>
               <a:t>Fourth level</a:t>
             </a:r>
           </a:p>
           <a:p>
             <a:pPr lvl="4"/>
             <a:r>
-              <a:rPr lang="en-US" smtClean="0"/>
+              <a:rPr lang="en-US"/>
               <a:t>Fifth level</a:t>
             </a:r>
-            <a:endParaRPr lang="en-US"/>
           </a:p>
         </p:txBody>
       </p:sp>
@@ -2073,7 +2060,7 @@
           <a:p>
             <a:pPr lvl="0"/>
             <a:r>
-              <a:rPr lang="en-US" smtClean="0"/>
+              <a:rPr lang="en-US"/>
               <a:t>Edit Master text styles</a:t>
             </a:r>
           </a:p>
@@ -2096,7 +2083,7 @@
           <a:p>
             <a:fld id="{74A6B15C-ADB0-4957-B33F-4CF21949A72A}" type="datetimeFigureOut">
               <a:rPr lang="en-US" smtClean="0"/>
-              <a:t>5/6/2021</a:t>
+              <a:t>5/8/2021</a:t>
             </a:fld>
             <a:endParaRPr lang="en-US"/>
           </a:p>
@@ -2199,10 +2186,9 @@
           </a:lstStyle>
           <a:p>
             <a:r>
-              <a:rPr lang="en-US" smtClean="0"/>
+              <a:rPr lang="en-US"/>
               <a:t>Click to edit Master title style</a:t>
             </a:r>
-            <a:endParaRPr lang="en-US"/>
           </a:p>
         </p:txBody>
       </p:sp>
@@ -2326,7 +2312,7 @@
           <a:p>
             <a:pPr lvl="0"/>
             <a:r>
-              <a:rPr lang="en-US" smtClean="0"/>
+              <a:rPr lang="en-US"/>
               <a:t>Edit Master text styles</a:t>
             </a:r>
           </a:p>
@@ -2349,7 +2335,7 @@
           <a:p>
             <a:fld id="{74A6B15C-ADB0-4957-B33F-4CF21949A72A}" type="datetimeFigureOut">
               <a:rPr lang="en-US" smtClean="0"/>
-              <a:t>5/6/2021</a:t>
+              <a:t>5/8/2021</a:t>
             </a:fld>
             <a:endParaRPr lang="en-US"/>
           </a:p>
@@ -2458,10 +2444,9 @@
           <a:lstStyle/>
           <a:p>
             <a:r>
-              <a:rPr lang="en-US" smtClean="0"/>
+              <a:rPr lang="en-US"/>
               <a:t>Click to edit Master title style</a:t>
             </a:r>
-            <a:endParaRPr lang="en-US"/>
           </a:p>
         </p:txBody>
       </p:sp>
@@ -2492,38 +2477,37 @@
           <a:p>
             <a:pPr lvl="0"/>
             <a:r>
-              <a:rPr lang="en-US" smtClean="0"/>
+              <a:rPr lang="en-US"/>
               <a:t>Edit Master text styles</a:t>
             </a:r>
           </a:p>
           <a:p>
             <a:pPr lvl="1"/>
             <a:r>
-              <a:rPr lang="en-US" smtClean="0"/>
+              <a:rPr lang="en-US"/>
               <a:t>Second level</a:t>
             </a:r>
           </a:p>
           <a:p>
             <a:pPr lvl="2"/>
             <a:r>
-              <a:rPr lang="en-US" smtClean="0"/>
+              <a:rPr lang="en-US"/>
               <a:t>Third level</a:t>
             </a:r>
           </a:p>
           <a:p>
             <a:pPr lvl="3"/>
             <a:r>
-              <a:rPr lang="en-US" smtClean="0"/>
+              <a:rPr lang="en-US"/>
               <a:t>Fourth level</a:t>
             </a:r>
           </a:p>
           <a:p>
             <a:pPr lvl="4"/>
             <a:r>
-              <a:rPr lang="en-US" smtClean="0"/>
+              <a:rPr lang="en-US"/>
               <a:t>Fifth level</a:t>
             </a:r>
-            <a:endParaRPr lang="en-US"/>
           </a:p>
         </p:txBody>
       </p:sp>
@@ -2562,7 +2546,7 @@
           <a:p>
             <a:fld id="{74A6B15C-ADB0-4957-B33F-4CF21949A72A}" type="datetimeFigureOut">
               <a:rPr lang="en-US" smtClean="0"/>
-              <a:t>5/6/2021</a:t>
+              <a:t>5/8/2021</a:t>
             </a:fld>
             <a:endParaRPr lang="en-US"/>
           </a:p>
@@ -2983,15 +2967,15 @@
           <a:lstStyle/>
           <a:p>
             <a:r>
-              <a:rPr lang="en-US" dirty="0" err="1" smtClean="0"/>
+              <a:rPr lang="en-US" dirty="0" err="1"/>
               <a:t>Autowiring</a:t>
             </a:r>
             <a:r>
-              <a:rPr lang="en-US" dirty="0" smtClean="0"/>
+              <a:rPr lang="en-US" dirty="0"/>
               <a:t> - </a:t>
             </a:r>
             <a:r>
-              <a:rPr lang="ru-RU" dirty="0" smtClean="0"/>
+              <a:rPr lang="ru-RU" dirty="0"/>
               <a:t>автоматическое связывание.</a:t>
             </a:r>
             <a:endParaRPr lang="en-US" dirty="0"/>
@@ -3010,18 +2994,20 @@
         </p:nvSpPr>
         <p:spPr/>
         <p:txBody>
-          <a:bodyPr/>
+          <a:bodyPr>
+            <a:normAutofit/>
+          </a:bodyPr>
           <a:lstStyle/>
           <a:p>
             <a:pPr marL="0" indent="0">
               <a:buNone/>
             </a:pPr>
             <a:r>
-              <a:rPr lang="ru-RU" dirty="0" err="1" smtClean="0"/>
+              <a:rPr lang="ru-RU" dirty="0" err="1"/>
               <a:t>Спринг</a:t>
             </a:r>
             <a:r>
-              <a:rPr lang="ru-RU" dirty="0" smtClean="0"/>
+              <a:rPr lang="ru-RU" dirty="0"/>
               <a:t> способен определять и добавлять зависимости автоматически, что может значительно уменьшить объём конфигураций(написанного кода), но в то же время делает более затруднительнее чтение и проверку зависимостей.</a:t>
             </a:r>
           </a:p>
@@ -3030,67 +3016,160 @@
               <a:buNone/>
             </a:pPr>
             <a:r>
-              <a:rPr lang="ru-RU" dirty="0" smtClean="0"/>
+              <a:rPr lang="ru-RU" dirty="0"/>
               <a:t>Существует три типа </a:t>
             </a:r>
             <a:r>
-              <a:rPr lang="ru-RU" dirty="0" err="1" smtClean="0"/>
+              <a:rPr lang="ru-RU" dirty="0" err="1"/>
               <a:t>автосвязывания</a:t>
             </a:r>
             <a:r>
-              <a:rPr lang="ru-RU" dirty="0" smtClean="0"/>
+              <a:rPr lang="ru-RU" dirty="0"/>
               <a:t>:</a:t>
             </a:r>
           </a:p>
           <a:p>
             <a:r>
-              <a:rPr lang="ru-RU" dirty="0" err="1" smtClean="0"/>
+              <a:rPr lang="ru-RU" dirty="0" err="1"/>
               <a:t>byName</a:t>
             </a:r>
             <a:r>
-              <a:rPr lang="ru-RU" dirty="0" smtClean="0"/>
+              <a:rPr lang="ru-RU" dirty="0"/>
               <a:t>: контейнер ищет бин с  </a:t>
             </a:r>
             <a:r>
-              <a:rPr lang="en-US" dirty="0" smtClean="0"/>
+              <a:rPr lang="en-US" dirty="0"/>
               <a:t>ID </a:t>
             </a:r>
             <a:r>
-              <a:rPr lang="ru-RU" dirty="0" smtClean="0"/>
+              <a:rPr lang="ru-RU" dirty="0"/>
               <a:t>идентичным указанному. Если такой бин не находится, то связывания не происходит.</a:t>
             </a:r>
           </a:p>
           <a:p>
             <a:r>
-              <a:rPr lang="ru-RU" dirty="0" err="1" smtClean="0"/>
+              <a:rPr lang="ru-RU" dirty="0" err="1"/>
               <a:t>byType</a:t>
             </a:r>
             <a:r>
-              <a:rPr lang="ru-RU" dirty="0" smtClean="0"/>
+              <a:rPr lang="ru-RU" dirty="0"/>
               <a:t>:  контейнер ищет бин определённого класса , работает если существует только 1 бин типа, указанного в </a:t>
             </a:r>
             <a:r>
-              <a:rPr lang="ru-RU" dirty="0" err="1" smtClean="0"/>
+              <a:rPr lang="ru-RU" dirty="0" err="1"/>
               <a:t>property</a:t>
             </a:r>
             <a:r>
-              <a:rPr lang="ru-RU" dirty="0" smtClean="0"/>
+              <a:rPr lang="ru-RU" dirty="0"/>
               <a:t>, иначе выбрасывается </a:t>
             </a:r>
             <a:r>
-              <a:rPr lang="ru-RU" dirty="0" err="1" smtClean="0"/>
+              <a:rPr lang="ru-RU" dirty="0" err="1"/>
               <a:t>UnsatisfiedDependencyException</a:t>
             </a:r>
             <a:r>
-              <a:rPr lang="ru-RU" dirty="0" smtClean="0"/>
+              <a:rPr lang="ru-RU" dirty="0"/>
               <a:t>.</a:t>
             </a:r>
           </a:p>
           <a:p>
-            <a:endParaRPr lang="ru-RU" dirty="0" smtClean="0"/>
-          </a:p>
-          <a:p>
+            <a:pPr marL="0" indent="0">
+              <a:buNone/>
+            </a:pPr>
             <a:endParaRPr lang="en-US" dirty="0"/>
+          </a:p>
+        </p:txBody>
+      </p:sp>
+      <p:sp>
+        <p:nvSpPr>
+          <p:cNvPr id="4" name="TextBox 3">
+            <a:extLst>
+              <a:ext uri="{FF2B5EF4-FFF2-40B4-BE49-F238E27FC236}">
+                <a16:creationId xmlns:a16="http://schemas.microsoft.com/office/drawing/2014/main" id="{A81AF648-8A37-4F97-A8E8-A3BC76120E52}"/>
+              </a:ext>
+            </a:extLst>
+          </p:cNvPr>
+          <p:cNvSpPr txBox="1"/>
+          <p:nvPr/>
+        </p:nvSpPr>
+        <p:spPr>
+          <a:xfrm>
+            <a:off x="-186266" y="6176963"/>
+            <a:ext cx="12747272" cy="646331"/>
+          </a:xfrm>
+          <a:prstGeom prst="rect">
+            <a:avLst/>
+          </a:prstGeom>
+          <a:noFill/>
+        </p:spPr>
+        <p:txBody>
+          <a:bodyPr wrap="none" rtlCol="0">
+            <a:spAutoFit/>
+          </a:bodyPr>
+          <a:lstStyle/>
+          <a:p>
+            <a:r>
+              <a:rPr lang="en-CA" dirty="0"/>
+              <a:t>(</a:t>
+            </a:r>
+            <a:r>
+              <a:rPr lang="ru-RU" dirty="0"/>
+              <a:t>Тут лучше расписать конкретно, как работает,</a:t>
+            </a:r>
+            <a:r>
+              <a:rPr lang="en-CA" dirty="0"/>
+              <a:t> </a:t>
+            </a:r>
+            <a:r>
+              <a:rPr lang="en-CA" dirty="0" err="1"/>
+              <a:t>byName</a:t>
+            </a:r>
+            <a:r>
+              <a:rPr lang="en-CA" dirty="0"/>
+              <a:t>, </a:t>
+            </a:r>
+            <a:r>
+              <a:rPr lang="ru-RU" dirty="0"/>
+              <a:t>к примеру. При создании класса</a:t>
+            </a:r>
+            <a:r>
+              <a:rPr lang="en-CA" dirty="0"/>
+              <a:t> </a:t>
+            </a:r>
+            <a:r>
+              <a:rPr lang="en-CA" dirty="0" err="1"/>
+              <a:t>petPerson</a:t>
+            </a:r>
+            <a:r>
+              <a:rPr lang="ru-RU" dirty="0"/>
+              <a:t>, смотрит на имя переменной</a:t>
+            </a:r>
+          </a:p>
+          <a:p>
+            <a:r>
+              <a:rPr lang="en-CA" dirty="0"/>
+              <a:t>Animal</a:t>
+            </a:r>
+            <a:r>
+              <a:rPr lang="ru-RU" dirty="0"/>
+              <a:t>, находит </a:t>
+            </a:r>
+            <a:r>
+              <a:rPr lang="en-CA" dirty="0"/>
+              <a:t>animal </a:t>
+            </a:r>
+            <a:r>
+              <a:rPr lang="ru-RU" dirty="0"/>
+              <a:t>бин, и подставляет его по имени</a:t>
+            </a:r>
+            <a:r>
+              <a:rPr lang="en-CA" dirty="0"/>
+              <a:t>)</a:t>
+            </a:r>
+            <a:r>
+              <a:rPr lang="ru-RU" dirty="0"/>
+              <a:t> </a:t>
+            </a:r>
           </a:p>
         </p:txBody>
       </p:sp>
@@ -3141,118 +3220,231 @@
           </a:xfrm>
         </p:spPr>
         <p:txBody>
-          <a:bodyPr/>
-          <a:lstStyle/>
-          <a:p>
-            <a:r>
-              <a:rPr lang="ru-RU" dirty="0" err="1" smtClean="0"/>
+          <a:bodyPr>
+            <a:normAutofit fontScale="92500" lnSpcReduction="10000"/>
+          </a:bodyPr>
+          <a:lstStyle/>
+          <a:p>
+            <a:r>
+              <a:rPr lang="ru-RU" dirty="0" err="1"/>
               <a:t>constructor</a:t>
             </a:r>
             <a:r>
-              <a:rPr lang="ru-RU" dirty="0" smtClean="0"/>
+              <a:rPr lang="ru-RU" dirty="0"/>
               <a:t>: создаёт объект, используя конструктор, использует </a:t>
             </a:r>
             <a:r>
-              <a:rPr lang="ru-RU" dirty="0" err="1" smtClean="0"/>
+              <a:rPr lang="ru-RU" dirty="0" err="1"/>
               <a:t>byType</a:t>
             </a:r>
             <a:r>
-              <a:rPr lang="ru-RU" dirty="0" smtClean="0"/>
+              <a:rPr lang="ru-RU" dirty="0"/>
               <a:t> режим.</a:t>
             </a:r>
           </a:p>
           <a:p>
             <a:r>
-              <a:rPr lang="ru-RU" dirty="0" smtClean="0"/>
+              <a:rPr lang="ru-RU" dirty="0"/>
               <a:t>Для использования </a:t>
             </a:r>
             <a:r>
-              <a:rPr lang="ru-RU" dirty="0" err="1" smtClean="0"/>
+              <a:rPr lang="ru-RU" dirty="0" err="1"/>
               <a:t>автосвязывания</a:t>
             </a:r>
             <a:r>
-              <a:rPr lang="ru-RU" dirty="0" smtClean="0"/>
+              <a:rPr lang="ru-RU" dirty="0"/>
               <a:t> надо указать в </a:t>
             </a:r>
             <a:r>
-              <a:rPr lang="ru-RU" dirty="0" err="1" smtClean="0"/>
+              <a:rPr lang="ru-RU" dirty="0" err="1"/>
               <a:t>бине</a:t>
             </a:r>
-            <a:endParaRPr lang="en-US" dirty="0" smtClean="0"/>
+            <a:endParaRPr lang="en-US" dirty="0"/>
           </a:p>
           <a:p>
             <a:pPr marL="0" indent="0">
               <a:buNone/>
             </a:pPr>
             <a:r>
-              <a:rPr lang="ru-RU" dirty="0" smtClean="0"/>
-              <a:t>И указать тип связывания. </a:t>
-            </a:r>
-          </a:p>
-          <a:p>
-            <a:r>
-              <a:rPr lang="ru-RU" dirty="0" smtClean="0"/>
-              <a:t>В нашем примере имеем интерфейс </a:t>
-            </a:r>
-            <a:r>
-              <a:rPr lang="en-US" dirty="0" smtClean="0"/>
+              <a:rPr lang="ru-RU" dirty="0"/>
+              <a:t>И указать тип связывания.</a:t>
+            </a:r>
+          </a:p>
+          <a:p>
+            <a:pPr marL="0" indent="0">
+              <a:buNone/>
+            </a:pPr>
+            <a:r>
+              <a:rPr lang="ru-RU" dirty="0"/>
+              <a:t> </a:t>
+            </a:r>
+          </a:p>
+          <a:p>
+            <a:pPr marL="0" indent="0">
+              <a:buNone/>
+            </a:pPr>
+            <a:r>
+              <a:rPr lang="ru-RU" dirty="0"/>
+              <a:t>В нашем примере имеем </a:t>
+            </a:r>
+          </a:p>
+          <a:p>
+            <a:r>
+              <a:rPr lang="ru-RU" dirty="0"/>
+              <a:t>интерфейс </a:t>
+            </a:r>
+            <a:r>
+              <a:rPr lang="en-US" dirty="0"/>
               <a:t>Animal (</a:t>
             </a:r>
             <a:r>
-              <a:rPr lang="ru-RU" dirty="0" smtClean="0"/>
+              <a:rPr lang="ru-RU" dirty="0"/>
               <a:t>животное</a:t>
             </a:r>
             <a:r>
-              <a:rPr lang="en-US" dirty="0" smtClean="0"/>
+              <a:rPr lang="en-US" dirty="0"/>
               <a:t>)</a:t>
             </a:r>
             <a:r>
-              <a:rPr lang="ru-RU" dirty="0" smtClean="0"/>
+              <a:rPr lang="ru-RU" dirty="0"/>
               <a:t>, три класса его реализующие: </a:t>
             </a:r>
             <a:r>
-              <a:rPr lang="en-US" dirty="0" smtClean="0"/>
+              <a:rPr lang="en-US" dirty="0"/>
               <a:t>Cat, Dog </a:t>
             </a:r>
             <a:r>
-              <a:rPr lang="ru-RU" dirty="0" smtClean="0"/>
+              <a:rPr lang="ru-RU" dirty="0"/>
               <a:t>и </a:t>
             </a:r>
             <a:r>
-              <a:rPr lang="en-US" dirty="0" smtClean="0"/>
+              <a:rPr lang="en-US" dirty="0"/>
               <a:t>Parrot(</a:t>
             </a:r>
             <a:r>
-              <a:rPr lang="ru-RU" dirty="0" smtClean="0"/>
+              <a:rPr lang="ru-RU" dirty="0"/>
               <a:t>кот, собака, попугай</a:t>
             </a:r>
             <a:r>
-              <a:rPr lang="en-US" dirty="0" smtClean="0"/>
+              <a:rPr lang="en-US" dirty="0"/>
               <a:t>)</a:t>
             </a:r>
-            <a:r>
-              <a:rPr lang="ru-RU" dirty="0" smtClean="0"/>
-              <a:t>, а так же три класса, которые зависимы или от интерфейса, или от конкретной реализации.</a:t>
-            </a:r>
-            <a:r>
-              <a:rPr lang="en-US" dirty="0" smtClean="0"/>
+          </a:p>
+          <a:p>
+            <a:r>
+              <a:rPr lang="ru-RU" dirty="0"/>
+              <a:t>Три класса – содержащих в себе эти </a:t>
+            </a:r>
+            <a:r>
+              <a:rPr lang="ru-RU" dirty="0" err="1"/>
+              <a:t>бины</a:t>
+            </a:r>
+            <a:r>
+              <a:rPr lang="ru-RU" dirty="0"/>
+              <a:t> (</a:t>
+            </a:r>
+            <a:r>
+              <a:rPr lang="en-CA" dirty="0" err="1"/>
+              <a:t>AnimalShelter</a:t>
+            </a:r>
+            <a:r>
+              <a:rPr lang="en-CA" dirty="0"/>
+              <a:t>, </a:t>
+            </a:r>
+            <a:r>
+              <a:rPr lang="en-CA" dirty="0" err="1"/>
+              <a:t>CatPerson</a:t>
+            </a:r>
+            <a:r>
+              <a:rPr lang="en-CA" dirty="0"/>
+              <a:t>, </a:t>
+            </a:r>
+            <a:r>
+              <a:rPr lang="en-CA" dirty="0" err="1"/>
+              <a:t>PetPerson</a:t>
+            </a:r>
+            <a:r>
+              <a:rPr lang="ru-RU" dirty="0"/>
+              <a:t>).</a:t>
+            </a:r>
+          </a:p>
+          <a:p>
+            <a:r>
+              <a:rPr lang="en-US" dirty="0"/>
               <a:t> </a:t>
             </a:r>
             <a:r>
-              <a:rPr lang="ru-RU" dirty="0" smtClean="0"/>
+              <a:rPr lang="ru-RU" dirty="0"/>
               <a:t>Два файла с контекстами – с </a:t>
             </a:r>
             <a:r>
-              <a:rPr lang="ru-RU" dirty="0" err="1" smtClean="0"/>
+              <a:rPr lang="ru-RU" dirty="0" err="1"/>
               <a:t>автосвязыванием</a:t>
             </a:r>
             <a:r>
-              <a:rPr lang="ru-RU" dirty="0" smtClean="0"/>
-              <a:t> и без него.</a:t>
+              <a:rPr lang="ru-RU" dirty="0"/>
+              <a:t> и без него</a:t>
+            </a:r>
+            <a:r>
+              <a:rPr lang="en-CA" dirty="0"/>
+              <a:t> </a:t>
+            </a:r>
+            <a:r>
+              <a:rPr lang="ru-RU" dirty="0"/>
+              <a:t>(задаём зависимости старым добрым </a:t>
+            </a:r>
+            <a:r>
+              <a:rPr lang="en-CA" dirty="0"/>
+              <a:t>ref</a:t>
+            </a:r>
+            <a:r>
+              <a:rPr lang="ru-RU" dirty="0"/>
+              <a:t>).</a:t>
             </a:r>
           </a:p>
           <a:p>
             <a:endParaRPr lang="en-US" dirty="0"/>
+          </a:p>
+          <a:p>
+            <a:pPr marL="0" indent="0">
+              <a:buNone/>
+            </a:pPr>
+            <a:r>
+              <a:rPr lang="en-US" dirty="0"/>
+              <a:t>(</a:t>
+            </a:r>
+            <a:r>
+              <a:rPr lang="ru-RU" dirty="0"/>
+              <a:t>зачем </a:t>
+            </a:r>
+            <a:r>
+              <a:rPr lang="en-CA" dirty="0" err="1"/>
+              <a:t>hashCode</a:t>
+            </a:r>
+            <a:r>
+              <a:rPr lang="en-CA" dirty="0"/>
+              <a:t>() </a:t>
+            </a:r>
+            <a:r>
+              <a:rPr lang="ru-RU" dirty="0"/>
+              <a:t>в </a:t>
+            </a:r>
+            <a:r>
+              <a:rPr lang="en-CA" dirty="0"/>
+              <a:t>main?</a:t>
+            </a:r>
+            <a:r>
+              <a:rPr lang="ru-RU" dirty="0"/>
+              <a:t> И зачем попугай, если его нигде не </a:t>
+            </a:r>
+            <a:r>
+              <a:rPr lang="ru-RU" dirty="0" err="1"/>
+              <a:t>юзаем</a:t>
+            </a:r>
+            <a:r>
+              <a:rPr lang="en-US" dirty="0"/>
+              <a:t>)</a:t>
+            </a:r>
           </a:p>
         </p:txBody>
       </p:sp>
@@ -3327,7 +3519,7 @@
               <a:tabLst/>
             </a:pPr>
             <a:r>
-              <a:rPr kumimoji="0" lang="en-US" altLang="en-US" sz="2000" b="0" i="0" u="none" strike="noStrike" cap="none" normalizeH="0" baseline="0" dirty="0" err="1" smtClean="0">
+              <a:rPr kumimoji="0" lang="en-US" altLang="en-US" sz="2000" b="0" i="0" u="none" strike="noStrike" cap="none" normalizeH="0" baseline="0" dirty="0" err="1">
                 <a:ln>
                   <a:noFill/>
                 </a:ln>
@@ -3340,7 +3532,7 @@
               <a:t>autowire</a:t>
             </a:r>
             <a:r>
-              <a:rPr kumimoji="0" lang="en-US" altLang="en-US" sz="2000" b="0" i="0" u="none" strike="noStrike" cap="none" normalizeH="0" baseline="0" dirty="0" smtClean="0">
+              <a:rPr kumimoji="0" lang="en-US" altLang="en-US" sz="2000" b="0" i="0" u="none" strike="noStrike" cap="none" normalizeH="0" baseline="0" dirty="0">
                 <a:ln>
                   <a:noFill/>
                 </a:ln>
@@ -3352,7 +3544,7 @@
               </a:rPr>
               <a:t>=</a:t>
             </a:r>
-            <a:endParaRPr kumimoji="0" lang="en-US" altLang="en-US" sz="2000" b="0" i="0" u="none" strike="noStrike" cap="none" normalizeH="0" baseline="0" dirty="0" smtClean="0">
+            <a:endParaRPr kumimoji="0" lang="en-US" altLang="en-US" sz="2000" b="0" i="0" u="none" strike="noStrike" cap="none" normalizeH="0" baseline="0" dirty="0">
               <a:ln>
                 <a:noFill/>
               </a:ln>
@@ -3416,33 +3608,33 @@
           <a:lstStyle/>
           <a:p>
             <a:r>
-              <a:rPr lang="ru-RU" dirty="0" err="1" smtClean="0"/>
+              <a:rPr lang="ru-RU" dirty="0" err="1"/>
               <a:t>Сравнивните</a:t>
             </a:r>
             <a:r>
-              <a:rPr lang="ru-RU" dirty="0" smtClean="0"/>
+              <a:rPr lang="ru-RU" dirty="0"/>
               <a:t> </a:t>
             </a:r>
             <a:r>
-              <a:rPr lang="en-US" dirty="0" smtClean="0"/>
+              <a:rPr lang="en-US" dirty="0"/>
               <a:t>XML </a:t>
             </a:r>
             <a:r>
-              <a:rPr lang="ru-RU" dirty="0" smtClean="0"/>
+              <a:rPr lang="ru-RU" dirty="0"/>
               <a:t>файлы с использованием </a:t>
             </a:r>
             <a:r>
-              <a:rPr lang="ru-RU" dirty="0" err="1" smtClean="0"/>
+              <a:rPr lang="ru-RU" dirty="0" err="1"/>
               <a:t>автосвязывания</a:t>
             </a:r>
             <a:r>
-              <a:rPr lang="ru-RU" dirty="0" smtClean="0"/>
+              <a:rPr lang="ru-RU" dirty="0"/>
               <a:t> и без.</a:t>
             </a:r>
           </a:p>
           <a:p>
             <a:r>
-              <a:rPr lang="ru-RU" dirty="0" smtClean="0"/>
+              <a:rPr lang="ru-RU" dirty="0"/>
               <a:t>Запустите программу с обоими вариантами.</a:t>
             </a:r>
           </a:p>
@@ -3451,55 +3643,47 @@
               <a:buAutoNum type="arabicPeriod"/>
             </a:pPr>
             <a:r>
-              <a:rPr lang="ru-RU" dirty="0" smtClean="0"/>
+              <a:rPr lang="ru-RU" dirty="0"/>
               <a:t>В </a:t>
             </a:r>
             <a:r>
-              <a:rPr lang="en-US" dirty="0" smtClean="0"/>
+              <a:rPr lang="en-US" dirty="0"/>
               <a:t>XML </a:t>
             </a:r>
             <a:r>
-              <a:rPr lang="ru-RU" dirty="0" smtClean="0"/>
-              <a:t>файле с </a:t>
-            </a:r>
-            <a:r>
-              <a:rPr lang="ru-RU" dirty="0" smtClean="0"/>
-              <a:t>использованием </a:t>
-            </a:r>
-            <a:r>
-              <a:rPr lang="ru-RU" dirty="0" err="1" smtClean="0"/>
+              <a:rPr lang="ru-RU" dirty="0"/>
+              <a:t>файле с использованием </a:t>
+            </a:r>
+            <a:r>
+              <a:rPr lang="ru-RU" dirty="0" err="1"/>
               <a:t>автосвязывания</a:t>
             </a:r>
             <a:r>
-              <a:rPr lang="ru-RU" dirty="0" smtClean="0"/>
+              <a:rPr lang="ru-RU" dirty="0"/>
               <a:t> </a:t>
             </a:r>
             <a:r>
-              <a:rPr lang="ru-RU" dirty="0" err="1" smtClean="0"/>
+              <a:rPr lang="ru-RU" dirty="0" err="1"/>
               <a:t>расскоментируйте</a:t>
             </a:r>
             <a:r>
-              <a:rPr lang="ru-RU" dirty="0" smtClean="0"/>
+              <a:rPr lang="ru-RU" dirty="0"/>
               <a:t> бин </a:t>
             </a:r>
             <a:r>
-              <a:rPr lang="en-US" dirty="0" smtClean="0"/>
+              <a:rPr lang="en-US" dirty="0"/>
               <a:t>animal1 </a:t>
             </a:r>
             <a:r>
-              <a:rPr lang="ru-RU" dirty="0" smtClean="0"/>
+              <a:rPr lang="ru-RU" dirty="0"/>
               <a:t>и оставьте бин </a:t>
             </a:r>
             <a:r>
-              <a:rPr lang="en-US" dirty="0" smtClean="0"/>
-              <a:t>ani</a:t>
-            </a:r>
-            <a:r>
-              <a:rPr lang="en-US" dirty="0" smtClean="0"/>
-              <a:t>mal</a:t>
-            </a:r>
-            <a:r>
-              <a:rPr lang="ru-RU" dirty="0" smtClean="0"/>
+              <a:rPr lang="en-US" dirty="0"/>
+              <a:t>animal</a:t>
+            </a:r>
+            <a:r>
+              <a:rPr lang="ru-RU" dirty="0"/>
               <a:t>. Выброситься ошибка. Почему?</a:t>
             </a:r>
             <a:endParaRPr lang="en-US" dirty="0"/>
@@ -3509,58 +3693,58 @@
               <a:buAutoNum type="arabicPeriod"/>
             </a:pPr>
             <a:r>
-              <a:rPr lang="ru-RU" dirty="0" smtClean="0"/>
+              <a:rPr lang="ru-RU" dirty="0"/>
               <a:t>Если </a:t>
             </a:r>
             <a:r>
-              <a:rPr lang="ru-RU" dirty="0" err="1" smtClean="0"/>
+              <a:rPr lang="ru-RU" dirty="0" err="1"/>
               <a:t>раскомментить</a:t>
             </a:r>
             <a:r>
-              <a:rPr lang="ru-RU" dirty="0" smtClean="0"/>
+              <a:rPr lang="ru-RU" dirty="0"/>
               <a:t> этот бин </a:t>
             </a:r>
             <a:r>
-              <a:rPr lang="en-US" dirty="0" smtClean="0"/>
+              <a:rPr lang="en-US" dirty="0"/>
               <a:t>aminal1</a:t>
             </a:r>
             <a:r>
-              <a:rPr lang="ru-RU" dirty="0" smtClean="0"/>
+              <a:rPr lang="ru-RU" dirty="0"/>
               <a:t> и </a:t>
             </a:r>
             <a:r>
-              <a:rPr lang="ru-RU" dirty="0" err="1" smtClean="0"/>
+              <a:rPr lang="ru-RU" dirty="0" err="1"/>
               <a:t>закомментить</a:t>
             </a:r>
             <a:r>
-              <a:rPr lang="ru-RU" dirty="0" smtClean="0"/>
+              <a:rPr lang="ru-RU" dirty="0"/>
               <a:t> </a:t>
             </a:r>
             <a:r>
-              <a:rPr lang="ru-RU" dirty="0" err="1" smtClean="0"/>
+              <a:rPr lang="ru-RU" dirty="0" err="1"/>
               <a:t>animal</a:t>
             </a:r>
             <a:r>
-              <a:rPr lang="ru-RU" dirty="0" smtClean="0"/>
+              <a:rPr lang="ru-RU" dirty="0"/>
               <a:t> бин, то </a:t>
             </a:r>
             <a:r>
-              <a:rPr lang="ru-RU" dirty="0" err="1" smtClean="0"/>
+              <a:rPr lang="ru-RU" dirty="0" err="1"/>
               <a:t>автосвязывания</a:t>
             </a:r>
             <a:r>
-              <a:rPr lang="ru-RU" dirty="0" smtClean="0"/>
+              <a:rPr lang="ru-RU" dirty="0"/>
               <a:t> </a:t>
             </a:r>
             <a:r>
-              <a:rPr lang="ru-RU" dirty="0" err="1" smtClean="0"/>
+              <a:rPr lang="ru-RU" dirty="0" err="1"/>
               <a:t>byName</a:t>
             </a:r>
             <a:r>
-              <a:rPr lang="ru-RU" dirty="0" smtClean="0"/>
+              <a:rPr lang="ru-RU" dirty="0"/>
               <a:t> не произойдёт. Почему?</a:t>
             </a:r>
-            <a:endParaRPr lang="en-US" dirty="0" smtClean="0"/>
+            <a:endParaRPr lang="en-US" dirty="0"/>
           </a:p>
           <a:p>
             <a:pPr marL="0" indent="0">
@@ -3624,101 +3808,101 @@
               <a:buAutoNum type="arabicPeriod"/>
             </a:pPr>
             <a:r>
-              <a:rPr lang="ru-RU" dirty="0" smtClean="0"/>
+              <a:rPr lang="ru-RU" dirty="0"/>
               <a:t>Оба </a:t>
             </a:r>
             <a:r>
-              <a:rPr lang="ru-RU" dirty="0" err="1" smtClean="0"/>
+              <a:rPr lang="ru-RU" dirty="0" err="1"/>
               <a:t>бина</a:t>
             </a:r>
             <a:r>
-              <a:rPr lang="ru-RU" dirty="0" smtClean="0"/>
+              <a:rPr lang="ru-RU" dirty="0"/>
               <a:t> одного типа С</a:t>
             </a:r>
             <a:r>
-              <a:rPr lang="en-US" dirty="0" smtClean="0"/>
+              <a:rPr lang="en-US" dirty="0"/>
               <a:t>at, </a:t>
             </a:r>
             <a:r>
-              <a:rPr lang="ru-RU" dirty="0" smtClean="0"/>
+              <a:rPr lang="ru-RU" dirty="0"/>
               <a:t>поэтому </a:t>
             </a:r>
             <a:r>
-              <a:rPr lang="ru-RU" dirty="0" err="1" smtClean="0"/>
+              <a:rPr lang="ru-RU" dirty="0" err="1"/>
               <a:t>автосвязывание</a:t>
             </a:r>
             <a:r>
-              <a:rPr lang="ru-RU" dirty="0" smtClean="0"/>
+              <a:rPr lang="ru-RU" dirty="0"/>
               <a:t> по типу невозможно.</a:t>
             </a:r>
-            <a:endParaRPr lang="en-US" dirty="0" smtClean="0"/>
+            <a:endParaRPr lang="en-US" dirty="0"/>
           </a:p>
           <a:p>
             <a:pPr marL="514350" indent="-514350">
               <a:buAutoNum type="arabicPeriod"/>
             </a:pPr>
             <a:r>
-              <a:rPr lang="ru-RU" dirty="0" smtClean="0"/>
+              <a:rPr lang="ru-RU" dirty="0"/>
               <a:t>Имена «</a:t>
             </a:r>
             <a:r>
-              <a:rPr lang="en-US" dirty="0" smtClean="0"/>
+              <a:rPr lang="en-US" dirty="0"/>
               <a:t>animal1</a:t>
             </a:r>
             <a:r>
-              <a:rPr lang="ru-RU" dirty="0" smtClean="0"/>
+              <a:rPr lang="ru-RU" dirty="0"/>
               <a:t>»</a:t>
             </a:r>
             <a:r>
-              <a:rPr lang="en-US" dirty="0" smtClean="0"/>
+              <a:rPr lang="en-US" dirty="0"/>
               <a:t> (</a:t>
             </a:r>
             <a:r>
-              <a:rPr lang="ru-RU" dirty="0" err="1" smtClean="0"/>
+              <a:rPr lang="ru-RU" dirty="0" err="1"/>
               <a:t>бина</a:t>
             </a:r>
             <a:r>
-              <a:rPr lang="ru-RU" dirty="0" smtClean="0"/>
+              <a:rPr lang="ru-RU" dirty="0"/>
               <a:t> класса </a:t>
             </a:r>
             <a:r>
-              <a:rPr lang="en-US" dirty="0" smtClean="0"/>
+              <a:rPr lang="en-US" dirty="0"/>
               <a:t>Cat) </a:t>
             </a:r>
             <a:r>
-              <a:rPr lang="ru-RU" dirty="0" smtClean="0"/>
+              <a:rPr lang="ru-RU" dirty="0"/>
               <a:t>и зависимости </a:t>
             </a:r>
             <a:r>
-              <a:rPr lang="ru-RU" dirty="0" err="1" smtClean="0"/>
+              <a:rPr lang="ru-RU" dirty="0" err="1"/>
               <a:t>бина</a:t>
             </a:r>
             <a:r>
-              <a:rPr lang="ru-RU" dirty="0" smtClean="0"/>
+              <a:rPr lang="ru-RU" dirty="0"/>
               <a:t> </a:t>
             </a:r>
             <a:r>
-              <a:rPr lang="en-US" dirty="0" err="1" smtClean="0"/>
+              <a:rPr lang="en-US" dirty="0" err="1"/>
               <a:t>animalShelter</a:t>
             </a:r>
             <a:r>
-              <a:rPr lang="ru-RU" dirty="0" smtClean="0"/>
+              <a:rPr lang="ru-RU" dirty="0"/>
               <a:t> «</a:t>
             </a:r>
             <a:r>
-              <a:rPr lang="en-US" dirty="0" smtClean="0"/>
+              <a:rPr lang="en-US" dirty="0"/>
               <a:t>animal</a:t>
             </a:r>
             <a:r>
-              <a:rPr lang="ru-RU" dirty="0" smtClean="0"/>
+              <a:rPr lang="ru-RU" dirty="0"/>
               <a:t>»</a:t>
             </a:r>
             <a:r>
-              <a:rPr lang="en-US" dirty="0" smtClean="0"/>
+              <a:rPr lang="en-US" dirty="0"/>
               <a:t> </a:t>
             </a:r>
             <a:r>
-              <a:rPr lang="ru-RU" dirty="0" smtClean="0"/>
+              <a:rPr lang="ru-RU" dirty="0"/>
               <a:t> - разные, поэтому связывания не произойдёт.</a:t>
             </a:r>
           </a:p>

--- a/presentations/example13.pptx
+++ b/presentations/example13.pptx
@@ -9,6 +9,7 @@
     <p:sldId id="258" r:id="rId3"/>
     <p:sldId id="259" r:id="rId4"/>
     <p:sldId id="260" r:id="rId5"/>
+    <p:sldId id="261" r:id="rId6"/>
   </p:sldIdLst>
   <p:sldSz cx="12192000" cy="6858000"/>
   <p:notesSz cx="6858000" cy="9144000"/>
@@ -244,7 +245,7 @@
           <a:p>
             <a:fld id="{74A6B15C-ADB0-4957-B33F-4CF21949A72A}" type="datetimeFigureOut">
               <a:rPr lang="en-US" smtClean="0"/>
-              <a:t>5/8/2021</a:t>
+              <a:t>5/10/2021</a:t>
             </a:fld>
             <a:endParaRPr lang="en-US"/>
           </a:p>
@@ -412,7 +413,7 @@
           <a:p>
             <a:fld id="{74A6B15C-ADB0-4957-B33F-4CF21949A72A}" type="datetimeFigureOut">
               <a:rPr lang="en-US" smtClean="0"/>
-              <a:t>5/8/2021</a:t>
+              <a:t>5/10/2021</a:t>
             </a:fld>
             <a:endParaRPr lang="en-US"/>
           </a:p>
@@ -590,7 +591,7 @@
           <a:p>
             <a:fld id="{74A6B15C-ADB0-4957-B33F-4CF21949A72A}" type="datetimeFigureOut">
               <a:rPr lang="en-US" smtClean="0"/>
-              <a:t>5/8/2021</a:t>
+              <a:t>5/10/2021</a:t>
             </a:fld>
             <a:endParaRPr lang="en-US"/>
           </a:p>
@@ -758,7 +759,7 @@
           <a:p>
             <a:fld id="{74A6B15C-ADB0-4957-B33F-4CF21949A72A}" type="datetimeFigureOut">
               <a:rPr lang="en-US" smtClean="0"/>
-              <a:t>5/8/2021</a:t>
+              <a:t>5/10/2021</a:t>
             </a:fld>
             <a:endParaRPr lang="en-US"/>
           </a:p>
@@ -1003,7 +1004,7 @@
           <a:p>
             <a:fld id="{74A6B15C-ADB0-4957-B33F-4CF21949A72A}" type="datetimeFigureOut">
               <a:rPr lang="en-US" smtClean="0"/>
-              <a:t>5/8/2021</a:t>
+              <a:t>5/10/2021</a:t>
             </a:fld>
             <a:endParaRPr lang="en-US"/>
           </a:p>
@@ -1232,7 +1233,7 @@
           <a:p>
             <a:fld id="{74A6B15C-ADB0-4957-B33F-4CF21949A72A}" type="datetimeFigureOut">
               <a:rPr lang="en-US" smtClean="0"/>
-              <a:t>5/8/2021</a:t>
+              <a:t>5/10/2021</a:t>
             </a:fld>
             <a:endParaRPr lang="en-US"/>
           </a:p>
@@ -1596,7 +1597,7 @@
           <a:p>
             <a:fld id="{74A6B15C-ADB0-4957-B33F-4CF21949A72A}" type="datetimeFigureOut">
               <a:rPr lang="en-US" smtClean="0"/>
-              <a:t>5/8/2021</a:t>
+              <a:t>5/10/2021</a:t>
             </a:fld>
             <a:endParaRPr lang="en-US"/>
           </a:p>
@@ -1713,7 +1714,7 @@
           <a:p>
             <a:fld id="{74A6B15C-ADB0-4957-B33F-4CF21949A72A}" type="datetimeFigureOut">
               <a:rPr lang="en-US" smtClean="0"/>
-              <a:t>5/8/2021</a:t>
+              <a:t>5/10/2021</a:t>
             </a:fld>
             <a:endParaRPr lang="en-US"/>
           </a:p>
@@ -1808,7 +1809,7 @@
           <a:p>
             <a:fld id="{74A6B15C-ADB0-4957-B33F-4CF21949A72A}" type="datetimeFigureOut">
               <a:rPr lang="en-US" smtClean="0"/>
-              <a:t>5/8/2021</a:t>
+              <a:t>5/10/2021</a:t>
             </a:fld>
             <a:endParaRPr lang="en-US"/>
           </a:p>
@@ -2083,7 +2084,7 @@
           <a:p>
             <a:fld id="{74A6B15C-ADB0-4957-B33F-4CF21949A72A}" type="datetimeFigureOut">
               <a:rPr lang="en-US" smtClean="0"/>
-              <a:t>5/8/2021</a:t>
+              <a:t>5/10/2021</a:t>
             </a:fld>
             <a:endParaRPr lang="en-US"/>
           </a:p>
@@ -2335,7 +2336,7 @@
           <a:p>
             <a:fld id="{74A6B15C-ADB0-4957-B33F-4CF21949A72A}" type="datetimeFigureOut">
               <a:rPr lang="en-US" smtClean="0"/>
-              <a:t>5/8/2021</a:t>
+              <a:t>5/10/2021</a:t>
             </a:fld>
             <a:endParaRPr lang="en-US"/>
           </a:p>
@@ -2546,7 +2547,7 @@
           <a:p>
             <a:fld id="{74A6B15C-ADB0-4957-B33F-4CF21949A72A}" type="datetimeFigureOut">
               <a:rPr lang="en-US" smtClean="0"/>
-              <a:t>5/8/2021</a:t>
+              <a:t>5/10/2021</a:t>
             </a:fld>
             <a:endParaRPr lang="en-US"/>
           </a:p>
@@ -2992,7 +2993,12 @@
             <p:ph idx="1"/>
           </p:nvPr>
         </p:nvSpPr>
-        <p:spPr/>
+        <p:spPr>
+          <a:xfrm>
+            <a:off x="838200" y="1690688"/>
+            <a:ext cx="10515600" cy="4351338"/>
+          </a:xfrm>
+        </p:spPr>
         <p:txBody>
           <a:bodyPr>
             <a:normAutofit/>
@@ -3008,7 +3014,15 @@
             </a:r>
             <a:r>
               <a:rPr lang="ru-RU" dirty="0"/>
-              <a:t> способен определять и добавлять зависимости автоматически, что может значительно уменьшить объём конфигураций(написанного кода), но в то же время делает более затруднительнее чтение и проверку зависимостей.</a:t>
+              <a:t> способен определять и добавлять зависимости автоматически, что может значительно уменьшить объём конфигураций(написанного кода), но в то же время делает </a:t>
+            </a:r>
+            <a:r>
+              <a:rPr lang="ru-RU" dirty="0" smtClean="0"/>
+              <a:t>затруднительнее </a:t>
+            </a:r>
+            <a:r>
+              <a:rPr lang="ru-RU" dirty="0"/>
+              <a:t>чтение и проверку зависимостей.</a:t>
             </a:r>
           </a:p>
           <a:p>
@@ -3077,99 +3091,6 @@
               <a:buNone/>
             </a:pPr>
             <a:endParaRPr lang="en-US" dirty="0"/>
-          </a:p>
-        </p:txBody>
-      </p:sp>
-      <p:sp>
-        <p:nvSpPr>
-          <p:cNvPr id="4" name="TextBox 3">
-            <a:extLst>
-              <a:ext uri="{FF2B5EF4-FFF2-40B4-BE49-F238E27FC236}">
-                <a16:creationId xmlns:a16="http://schemas.microsoft.com/office/drawing/2014/main" id="{A81AF648-8A37-4F97-A8E8-A3BC76120E52}"/>
-              </a:ext>
-            </a:extLst>
-          </p:cNvPr>
-          <p:cNvSpPr txBox="1"/>
-          <p:nvPr/>
-        </p:nvSpPr>
-        <p:spPr>
-          <a:xfrm>
-            <a:off x="-186266" y="6176963"/>
-            <a:ext cx="12747272" cy="646331"/>
-          </a:xfrm>
-          <a:prstGeom prst="rect">
-            <a:avLst/>
-          </a:prstGeom>
-          <a:noFill/>
-        </p:spPr>
-        <p:txBody>
-          <a:bodyPr wrap="none" rtlCol="0">
-            <a:spAutoFit/>
-          </a:bodyPr>
-          <a:lstStyle/>
-          <a:p>
-            <a:r>
-              <a:rPr lang="en-CA" dirty="0"/>
-              <a:t>(</a:t>
-            </a:r>
-            <a:r>
-              <a:rPr lang="ru-RU" dirty="0"/>
-              <a:t>Тут лучше расписать конкретно, как работает,</a:t>
-            </a:r>
-            <a:r>
-              <a:rPr lang="en-CA" dirty="0"/>
-              <a:t> </a:t>
-            </a:r>
-            <a:r>
-              <a:rPr lang="en-CA" dirty="0" err="1"/>
-              <a:t>byName</a:t>
-            </a:r>
-            <a:r>
-              <a:rPr lang="en-CA" dirty="0"/>
-              <a:t>, </a:t>
-            </a:r>
-            <a:r>
-              <a:rPr lang="ru-RU" dirty="0"/>
-              <a:t>к примеру. При создании класса</a:t>
-            </a:r>
-            <a:r>
-              <a:rPr lang="en-CA" dirty="0"/>
-              <a:t> </a:t>
-            </a:r>
-            <a:r>
-              <a:rPr lang="en-CA" dirty="0" err="1"/>
-              <a:t>petPerson</a:t>
-            </a:r>
-            <a:r>
-              <a:rPr lang="ru-RU" dirty="0"/>
-              <a:t>, смотрит на имя переменной</a:t>
-            </a:r>
-          </a:p>
-          <a:p>
-            <a:r>
-              <a:rPr lang="en-CA" dirty="0"/>
-              <a:t>Animal</a:t>
-            </a:r>
-            <a:r>
-              <a:rPr lang="ru-RU" dirty="0"/>
-              <a:t>, находит </a:t>
-            </a:r>
-            <a:r>
-              <a:rPr lang="en-CA" dirty="0"/>
-              <a:t>animal </a:t>
-            </a:r>
-            <a:r>
-              <a:rPr lang="ru-RU" dirty="0"/>
-              <a:t>бин, и подставляет его по имени</a:t>
-            </a:r>
-            <a:r>
-              <a:rPr lang="en-CA" dirty="0"/>
-              <a:t>)</a:t>
-            </a:r>
-            <a:r>
-              <a:rPr lang="ru-RU" dirty="0"/>
-              <a:t> </a:t>
-            </a:r>
           </a:p>
         </p:txBody>
       </p:sp>
@@ -3903,7 +3824,15 @@
             </a:r>
             <a:r>
               <a:rPr lang="ru-RU" dirty="0"/>
-              <a:t> - разные, поэтому связывания не произойдёт.</a:t>
+              <a:t> - разные, поэтому связывания не произойдёт</a:t>
+            </a:r>
+            <a:r>
+              <a:rPr lang="ru-RU" dirty="0" smtClean="0"/>
+              <a:t>.</a:t>
+            </a:r>
+            <a:r>
+              <a:rPr lang="en-US" dirty="0" smtClean="0"/>
+              <a:t> </a:t>
             </a:r>
           </a:p>
           <a:p>
@@ -3912,12 +3841,1110 @@
             </a:pPr>
             <a:endParaRPr lang="en-US" dirty="0"/>
           </a:p>
+          <a:p>
+            <a:pPr marL="514350" indent="-514350">
+              <a:buAutoNum type="arabicPeriod"/>
+            </a:pPr>
+            <a:endParaRPr lang="en-US" dirty="0" smtClean="0"/>
+          </a:p>
+          <a:p>
+            <a:pPr marL="514350" indent="-514350">
+              <a:buAutoNum type="arabicPeriod"/>
+            </a:pPr>
+            <a:endParaRPr lang="en-US" dirty="0"/>
+          </a:p>
+          <a:p>
+            <a:pPr marL="0" indent="0">
+              <a:buNone/>
+            </a:pPr>
+            <a:r>
+              <a:rPr lang="ru-RU" dirty="0" smtClean="0"/>
+              <a:t>При создании</a:t>
+            </a:r>
+            <a:r>
+              <a:rPr lang="ru-RU" dirty="0"/>
+              <a:t> </a:t>
+            </a:r>
+            <a:r>
+              <a:rPr lang="ru-RU" dirty="0" smtClean="0"/>
+              <a:t>класса</a:t>
+            </a:r>
+            <a:r>
+              <a:rPr lang="en-CA" dirty="0" smtClean="0"/>
+              <a:t> </a:t>
+            </a:r>
+            <a:r>
+              <a:rPr lang="en-CA" dirty="0" err="1"/>
+              <a:t>petPerson</a:t>
+            </a:r>
+            <a:r>
+              <a:rPr lang="ru-RU" dirty="0"/>
+              <a:t>, </a:t>
+            </a:r>
+            <a:r>
+              <a:rPr lang="ru-RU" dirty="0" smtClean="0"/>
+              <a:t>контейнер «смотрит» </a:t>
+            </a:r>
+            <a:r>
+              <a:rPr lang="ru-RU" dirty="0"/>
+              <a:t>на </a:t>
+            </a:r>
+            <a:r>
+              <a:rPr lang="ru-RU" dirty="0" smtClean="0"/>
+              <a:t>класс(тип) поля (в нашем случае </a:t>
+            </a:r>
+            <a:r>
+              <a:rPr lang="en-CA" dirty="0" smtClean="0"/>
+              <a:t>Animal</a:t>
+            </a:r>
+            <a:r>
+              <a:rPr lang="ru-RU" dirty="0"/>
+              <a:t>)</a:t>
+            </a:r>
+            <a:r>
+              <a:rPr lang="ru-RU" dirty="0" smtClean="0"/>
+              <a:t>, </a:t>
+            </a:r>
+            <a:r>
+              <a:rPr lang="ru-RU" dirty="0"/>
+              <a:t>находит </a:t>
+            </a:r>
+            <a:r>
+              <a:rPr lang="en-CA" dirty="0"/>
+              <a:t>animal </a:t>
+            </a:r>
+            <a:r>
+              <a:rPr lang="ru-RU" dirty="0"/>
+              <a:t>бин, и подставляет его по </a:t>
+            </a:r>
+            <a:r>
+              <a:rPr lang="ru-RU" dirty="0" smtClean="0"/>
+              <a:t>имени.</a:t>
+            </a:r>
+            <a:endParaRPr lang="ru-RU" dirty="0"/>
+          </a:p>
+          <a:p>
+            <a:pPr marL="514350" indent="-514350">
+              <a:buAutoNum type="arabicPeriod"/>
+            </a:pPr>
+            <a:endParaRPr lang="en-US" dirty="0"/>
+          </a:p>
+        </p:txBody>
+      </p:sp>
+      <p:sp>
+        <p:nvSpPr>
+          <p:cNvPr id="2" name="Rectangle 1"/>
+          <p:cNvSpPr>
+            <a:spLocks noChangeArrowheads="1"/>
+          </p:cNvSpPr>
+          <p:nvPr/>
+        </p:nvSpPr>
+        <p:spPr bwMode="auto">
+          <a:xfrm>
+            <a:off x="1247775" y="2991212"/>
+            <a:ext cx="2935419" cy="707886"/>
+          </a:xfrm>
+          <a:prstGeom prst="rect">
+            <a:avLst/>
+          </a:prstGeom>
+          <a:solidFill>
+            <a:srgbClr val="2B2B2B"/>
+          </a:solidFill>
+          <a:ln>
+            <a:noFill/>
+          </a:ln>
+          <a:effectLst/>
+          <a:extLst>
+            <a:ext uri="{91240B29-F687-4F45-9708-019B960494DF}">
+              <a14:hiddenLine xmlns:a14="http://schemas.microsoft.com/office/drawing/2010/main" w="9525">
+                <a:solidFill>
+                  <a:schemeClr val="tx1"/>
+                </a:solidFill>
+                <a:miter lim="800000"/>
+                <a:headEnd/>
+                <a:tailEnd/>
+              </a14:hiddenLine>
+            </a:ext>
+            <a:ext uri="{AF507438-7753-43E0-B8FC-AC1667EBCBE1}">
+              <a14:hiddenEffects xmlns:a14="http://schemas.microsoft.com/office/drawing/2010/main">
+                <a:effectLst>
+                  <a:outerShdw dist="35921" dir="2700000" algn="ctr" rotWithShape="0">
+                    <a:schemeClr val="bg2"/>
+                  </a:outerShdw>
+                </a:effectLst>
+              </a14:hiddenEffects>
+            </a:ext>
+          </a:extLst>
+        </p:spPr>
+        <p:txBody>
+          <a:bodyPr vert="horz" wrap="none" lIns="91440" tIns="45720" rIns="91440" bIns="45720" numCol="1" anchor="ctr" anchorCtr="0" compatLnSpc="1">
+            <a:prstTxWarp prst="textNoShape">
+              <a:avLst/>
+            </a:prstTxWarp>
+            <a:spAutoFit/>
+          </a:bodyPr>
+          <a:lstStyle/>
+          <a:p>
+            <a:pPr marL="0" marR="0" lvl="0" indent="0" algn="l" defTabSz="914400" rtl="0" eaLnBrk="0" fontAlgn="base" latinLnBrk="0" hangingPunct="0">
+              <a:lnSpc>
+                <a:spcPct val="100000"/>
+              </a:lnSpc>
+              <a:spcBef>
+                <a:spcPct val="0"/>
+              </a:spcBef>
+              <a:spcAft>
+                <a:spcPct val="0"/>
+              </a:spcAft>
+              <a:buClrTx/>
+              <a:buSzTx/>
+              <a:buFontTx/>
+              <a:buNone/>
+              <a:tabLst/>
+            </a:pPr>
+            <a:r>
+              <a:rPr kumimoji="0" lang="en-US" altLang="en-US" sz="2000" b="0" i="0" u="none" strike="noStrike" cap="none" normalizeH="0" baseline="0" dirty="0" smtClean="0">
+                <a:ln>
+                  <a:noFill/>
+                </a:ln>
+                <a:solidFill>
+                  <a:srgbClr val="CC7832"/>
+                </a:solidFill>
+                <a:effectLst/>
+                <a:latin typeface="JetBrains Mono"/>
+              </a:rPr>
+              <a:t>public class </a:t>
+            </a:r>
+            <a:r>
+              <a:rPr kumimoji="0" lang="en-US" altLang="en-US" sz="2000" b="0" i="0" u="none" strike="noStrike" cap="none" normalizeH="0" baseline="0" dirty="0" err="1" smtClean="0">
+                <a:ln>
+                  <a:noFill/>
+                </a:ln>
+                <a:solidFill>
+                  <a:srgbClr val="A9B7C6"/>
+                </a:solidFill>
+                <a:effectLst/>
+                <a:latin typeface="JetBrains Mono"/>
+              </a:rPr>
+              <a:t>PetPerson</a:t>
+            </a:r>
+            <a:r>
+              <a:rPr kumimoji="0" lang="en-US" altLang="en-US" sz="2000" b="0" i="0" u="none" strike="noStrike" cap="none" normalizeH="0" baseline="0" dirty="0" smtClean="0">
+                <a:ln>
+                  <a:noFill/>
+                </a:ln>
+                <a:solidFill>
+                  <a:srgbClr val="A9B7C6"/>
+                </a:solidFill>
+                <a:effectLst/>
+                <a:latin typeface="JetBrains Mono"/>
+              </a:rPr>
+              <a:t> {</a:t>
+            </a:r>
+            <a:br>
+              <a:rPr kumimoji="0" lang="en-US" altLang="en-US" sz="2000" b="0" i="0" u="none" strike="noStrike" cap="none" normalizeH="0" baseline="0" dirty="0" smtClean="0">
+                <a:ln>
+                  <a:noFill/>
+                </a:ln>
+                <a:solidFill>
+                  <a:srgbClr val="A9B7C6"/>
+                </a:solidFill>
+                <a:effectLst/>
+                <a:latin typeface="JetBrains Mono"/>
+              </a:rPr>
+            </a:br>
+            <a:r>
+              <a:rPr kumimoji="0" lang="en-US" altLang="en-US" sz="2000" b="0" i="0" u="none" strike="noStrike" cap="none" normalizeH="0" baseline="0" dirty="0" smtClean="0">
+                <a:ln>
+                  <a:noFill/>
+                </a:ln>
+                <a:solidFill>
+                  <a:srgbClr val="A9B7C6"/>
+                </a:solidFill>
+                <a:effectLst/>
+                <a:latin typeface="JetBrains Mono"/>
+              </a:rPr>
+              <a:t>    Animal </a:t>
+            </a:r>
+            <a:r>
+              <a:rPr kumimoji="0" lang="en-US" altLang="en-US" sz="2000" b="0" i="0" u="none" strike="noStrike" cap="none" normalizeH="0" baseline="0" dirty="0" err="1" smtClean="0">
+                <a:ln>
+                  <a:noFill/>
+                </a:ln>
+                <a:solidFill>
+                  <a:srgbClr val="9876AA"/>
+                </a:solidFill>
+                <a:effectLst/>
+                <a:latin typeface="JetBrains Mono"/>
+              </a:rPr>
+              <a:t>animal</a:t>
+            </a:r>
+            <a:r>
+              <a:rPr kumimoji="0" lang="en-US" altLang="en-US" sz="2000" b="0" i="0" u="none" strike="noStrike" cap="none" normalizeH="0" baseline="0" dirty="0" smtClean="0">
+                <a:ln>
+                  <a:noFill/>
+                </a:ln>
+                <a:solidFill>
+                  <a:srgbClr val="CC7832"/>
+                </a:solidFill>
+                <a:effectLst/>
+                <a:latin typeface="JetBrains Mono"/>
+              </a:rPr>
+              <a:t>;</a:t>
+            </a:r>
+            <a:endParaRPr kumimoji="0" lang="en-US" altLang="en-US" sz="2000" b="0" i="0" u="none" strike="noStrike" cap="none" normalizeH="0" baseline="0" dirty="0" smtClean="0">
+              <a:ln>
+                <a:noFill/>
+              </a:ln>
+              <a:solidFill>
+                <a:schemeClr val="tx1"/>
+              </a:solidFill>
+              <a:effectLst/>
+              <a:latin typeface="Arial" panose="020B0604020202020204" pitchFamily="34" charset="0"/>
+            </a:endParaRPr>
+          </a:p>
+        </p:txBody>
+      </p:sp>
+      <p:sp>
+        <p:nvSpPr>
+          <p:cNvPr id="4" name="Rectangle 2"/>
+          <p:cNvSpPr>
+            <a:spLocks noChangeArrowheads="1"/>
+          </p:cNvSpPr>
+          <p:nvPr/>
+        </p:nvSpPr>
+        <p:spPr bwMode="auto">
+          <a:xfrm>
+            <a:off x="5183195" y="2375659"/>
+            <a:ext cx="6037255" cy="1323439"/>
+          </a:xfrm>
+          <a:prstGeom prst="rect">
+            <a:avLst/>
+          </a:prstGeom>
+          <a:solidFill>
+            <a:srgbClr val="2B2B2B"/>
+          </a:solidFill>
+          <a:ln>
+            <a:noFill/>
+          </a:ln>
+          <a:effectLst/>
+          <a:extLst>
+            <a:ext uri="{91240B29-F687-4F45-9708-019B960494DF}">
+              <a14:hiddenLine xmlns:a14="http://schemas.microsoft.com/office/drawing/2010/main" w="9525">
+                <a:solidFill>
+                  <a:schemeClr val="tx1"/>
+                </a:solidFill>
+                <a:miter lim="800000"/>
+                <a:headEnd/>
+                <a:tailEnd/>
+              </a14:hiddenLine>
+            </a:ext>
+            <a:ext uri="{AF507438-7753-43E0-B8FC-AC1667EBCBE1}">
+              <a14:hiddenEffects xmlns:a14="http://schemas.microsoft.com/office/drawing/2010/main">
+                <a:effectLst>
+                  <a:outerShdw dist="35921" dir="2700000" algn="ctr" rotWithShape="0">
+                    <a:schemeClr val="bg2"/>
+                  </a:outerShdw>
+                </a:effectLst>
+              </a14:hiddenEffects>
+            </a:ext>
+          </a:extLst>
+        </p:spPr>
+        <p:txBody>
+          <a:bodyPr vert="horz" wrap="square" lIns="91440" tIns="45720" rIns="91440" bIns="45720" numCol="1" anchor="ctr" anchorCtr="0" compatLnSpc="1">
+            <a:prstTxWarp prst="textNoShape">
+              <a:avLst/>
+            </a:prstTxWarp>
+            <a:spAutoFit/>
+          </a:bodyPr>
+          <a:lstStyle/>
+          <a:p>
+            <a:pPr marL="0" marR="0" lvl="0" indent="0" algn="l" defTabSz="914400" rtl="0" eaLnBrk="0" fontAlgn="base" latinLnBrk="0" hangingPunct="0">
+              <a:lnSpc>
+                <a:spcPct val="100000"/>
+              </a:lnSpc>
+              <a:spcBef>
+                <a:spcPct val="0"/>
+              </a:spcBef>
+              <a:spcAft>
+                <a:spcPct val="0"/>
+              </a:spcAft>
+              <a:buClrTx/>
+              <a:buSzTx/>
+              <a:buFontTx/>
+              <a:buNone/>
+              <a:tabLst/>
+            </a:pPr>
+            <a:r>
+              <a:rPr kumimoji="0" lang="en-US" altLang="en-US" sz="2000" b="0" i="0" u="none" strike="noStrike" cap="none" normalizeH="0" baseline="0" dirty="0" smtClean="0">
+                <a:ln>
+                  <a:noFill/>
+                </a:ln>
+                <a:solidFill>
+                  <a:srgbClr val="E8BF6A"/>
+                </a:solidFill>
+                <a:effectLst/>
+                <a:latin typeface="JetBrains Mono"/>
+              </a:rPr>
+              <a:t>&lt;bean </a:t>
+            </a:r>
+            <a:r>
+              <a:rPr kumimoji="0" lang="en-US" altLang="en-US" sz="2000" b="0" i="0" u="none" strike="noStrike" cap="none" normalizeH="0" baseline="0" dirty="0" smtClean="0">
+                <a:ln>
+                  <a:noFill/>
+                </a:ln>
+                <a:solidFill>
+                  <a:srgbClr val="BABABA"/>
+                </a:solidFill>
+                <a:effectLst/>
+                <a:latin typeface="JetBrains Mono"/>
+              </a:rPr>
+              <a:t>id</a:t>
+            </a:r>
+            <a:r>
+              <a:rPr kumimoji="0" lang="en-US" altLang="en-US" sz="2000" b="0" i="0" u="none" strike="noStrike" cap="none" normalizeH="0" baseline="0" dirty="0" smtClean="0">
+                <a:ln>
+                  <a:noFill/>
+                </a:ln>
+                <a:solidFill>
+                  <a:srgbClr val="6A8759"/>
+                </a:solidFill>
+                <a:effectLst/>
+                <a:latin typeface="JetBrains Mono"/>
+              </a:rPr>
+              <a:t>="</a:t>
+            </a:r>
+            <a:r>
+              <a:rPr kumimoji="0" lang="en-US" altLang="en-US" sz="2000" b="0" i="0" u="none" strike="noStrike" cap="none" normalizeH="0" baseline="0" dirty="0" err="1" smtClean="0">
+                <a:ln>
+                  <a:noFill/>
+                </a:ln>
+                <a:solidFill>
+                  <a:srgbClr val="6A8759"/>
+                </a:solidFill>
+                <a:effectLst/>
+                <a:latin typeface="JetBrains Mono"/>
+              </a:rPr>
+              <a:t>petPerson</a:t>
+            </a:r>
+            <a:r>
+              <a:rPr kumimoji="0" lang="en-US" altLang="en-US" sz="2000" b="0" i="0" u="none" strike="noStrike" cap="none" normalizeH="0" baseline="0" dirty="0" smtClean="0">
+                <a:ln>
+                  <a:noFill/>
+                </a:ln>
+                <a:solidFill>
+                  <a:srgbClr val="6A8759"/>
+                </a:solidFill>
+                <a:effectLst/>
+                <a:latin typeface="JetBrains Mono"/>
+              </a:rPr>
+              <a:t>" </a:t>
+            </a:r>
+            <a:r>
+              <a:rPr kumimoji="0" lang="en-US" altLang="en-US" sz="2000" b="0" i="0" u="none" strike="noStrike" cap="none" normalizeH="0" baseline="0" dirty="0" smtClean="0">
+                <a:ln>
+                  <a:noFill/>
+                </a:ln>
+                <a:solidFill>
+                  <a:srgbClr val="BABABA"/>
+                </a:solidFill>
+                <a:effectLst/>
+                <a:latin typeface="JetBrains Mono"/>
+              </a:rPr>
+              <a:t>class</a:t>
+            </a:r>
+            <a:r>
+              <a:rPr kumimoji="0" lang="en-US" altLang="en-US" sz="2000" b="0" i="0" u="none" strike="noStrike" cap="none" normalizeH="0" baseline="0" dirty="0" smtClean="0">
+                <a:ln>
+                  <a:noFill/>
+                </a:ln>
+                <a:solidFill>
+                  <a:srgbClr val="6A8759"/>
+                </a:solidFill>
+                <a:effectLst/>
+                <a:latin typeface="JetBrains Mono"/>
+              </a:rPr>
+              <a:t>="com.volkov.IoC.example13.PetPerson"</a:t>
+            </a:r>
+            <a:br>
+              <a:rPr kumimoji="0" lang="en-US" altLang="en-US" sz="2000" b="0" i="0" u="none" strike="noStrike" cap="none" normalizeH="0" baseline="0" dirty="0" smtClean="0">
+                <a:ln>
+                  <a:noFill/>
+                </a:ln>
+                <a:solidFill>
+                  <a:srgbClr val="6A8759"/>
+                </a:solidFill>
+                <a:effectLst/>
+                <a:latin typeface="JetBrains Mono"/>
+              </a:rPr>
+            </a:br>
+            <a:r>
+              <a:rPr kumimoji="0" lang="en-US" altLang="en-US" sz="2000" b="0" i="0" u="none" strike="noStrike" cap="none" normalizeH="0" baseline="0" dirty="0" smtClean="0">
+                <a:ln>
+                  <a:noFill/>
+                </a:ln>
+                <a:solidFill>
+                  <a:srgbClr val="6A8759"/>
+                </a:solidFill>
+                <a:effectLst/>
+                <a:latin typeface="JetBrains Mono"/>
+              </a:rPr>
+              <a:t>    </a:t>
+            </a:r>
+            <a:r>
+              <a:rPr kumimoji="0" lang="en-US" altLang="en-US" sz="2000" b="0" i="0" u="none" strike="noStrike" cap="none" normalizeH="0" baseline="0" dirty="0" err="1" smtClean="0">
+                <a:ln>
+                  <a:noFill/>
+                </a:ln>
+                <a:solidFill>
+                  <a:srgbClr val="BABABA"/>
+                </a:solidFill>
+                <a:effectLst/>
+                <a:latin typeface="JetBrains Mono"/>
+              </a:rPr>
+              <a:t>autowire</a:t>
+            </a:r>
+            <a:r>
+              <a:rPr kumimoji="0" lang="en-US" altLang="en-US" sz="2000" b="0" i="0" u="none" strike="noStrike" cap="none" normalizeH="0" baseline="0" dirty="0" smtClean="0">
+                <a:ln>
+                  <a:noFill/>
+                </a:ln>
+                <a:solidFill>
+                  <a:srgbClr val="6A8759"/>
+                </a:solidFill>
+                <a:effectLst/>
+                <a:latin typeface="JetBrains Mono"/>
+              </a:rPr>
+              <a:t>="</a:t>
+            </a:r>
+            <a:r>
+              <a:rPr kumimoji="0" lang="en-US" altLang="en-US" sz="2000" b="0" i="0" u="none" strike="noStrike" cap="none" normalizeH="0" baseline="0" dirty="0" err="1" smtClean="0">
+                <a:ln>
+                  <a:noFill/>
+                </a:ln>
+                <a:solidFill>
+                  <a:srgbClr val="6A8759"/>
+                </a:solidFill>
+                <a:effectLst/>
+                <a:latin typeface="JetBrains Mono"/>
+              </a:rPr>
+              <a:t>byName</a:t>
+            </a:r>
+            <a:r>
+              <a:rPr kumimoji="0" lang="en-US" altLang="en-US" sz="2000" b="0" i="0" u="none" strike="noStrike" cap="none" normalizeH="0" baseline="0" dirty="0" smtClean="0">
+                <a:ln>
+                  <a:noFill/>
+                </a:ln>
+                <a:solidFill>
+                  <a:srgbClr val="6A8759"/>
+                </a:solidFill>
+                <a:effectLst/>
+                <a:latin typeface="JetBrains Mono"/>
+              </a:rPr>
+              <a:t>"</a:t>
+            </a:r>
+            <a:r>
+              <a:rPr kumimoji="0" lang="en-US" altLang="en-US" sz="2000" b="0" i="0" u="none" strike="noStrike" cap="none" normalizeH="0" baseline="0" dirty="0" smtClean="0">
+                <a:ln>
+                  <a:noFill/>
+                </a:ln>
+                <a:solidFill>
+                  <a:srgbClr val="E8BF6A"/>
+                </a:solidFill>
+                <a:effectLst/>
+                <a:latin typeface="JetBrains Mono"/>
+              </a:rPr>
+              <a:t>&gt;</a:t>
+            </a:r>
+            <a:br>
+              <a:rPr kumimoji="0" lang="en-US" altLang="en-US" sz="2000" b="0" i="0" u="none" strike="noStrike" cap="none" normalizeH="0" baseline="0" dirty="0" smtClean="0">
+                <a:ln>
+                  <a:noFill/>
+                </a:ln>
+                <a:solidFill>
+                  <a:srgbClr val="E8BF6A"/>
+                </a:solidFill>
+                <a:effectLst/>
+                <a:latin typeface="JetBrains Mono"/>
+              </a:rPr>
+            </a:br>
+            <a:r>
+              <a:rPr kumimoji="0" lang="en-US" altLang="en-US" sz="2000" b="0" i="0" u="none" strike="noStrike" cap="none" normalizeH="0" baseline="0" dirty="0" smtClean="0">
+                <a:ln>
+                  <a:noFill/>
+                </a:ln>
+                <a:solidFill>
+                  <a:srgbClr val="E8BF6A"/>
+                </a:solidFill>
+                <a:effectLst/>
+                <a:latin typeface="JetBrains Mono"/>
+              </a:rPr>
+              <a:t>&lt;/bean&gt;</a:t>
+            </a:r>
+            <a:endParaRPr kumimoji="0" lang="en-US" altLang="en-US" sz="2000" b="0" i="0" u="none" strike="noStrike" cap="none" normalizeH="0" baseline="0" dirty="0" smtClean="0">
+              <a:ln>
+                <a:noFill/>
+              </a:ln>
+              <a:solidFill>
+                <a:schemeClr val="tx1"/>
+              </a:solidFill>
+              <a:effectLst/>
+              <a:latin typeface="Arial" panose="020B0604020202020204" pitchFamily="34" charset="0"/>
+            </a:endParaRPr>
+          </a:p>
         </p:txBody>
       </p:sp>
     </p:spTree>
     <p:extLst>
       <p:ext uri="{BB962C8B-B14F-4D97-AF65-F5344CB8AC3E}">
         <p14:creationId xmlns:p14="http://schemas.microsoft.com/office/powerpoint/2010/main" val="2083790997"/>
+      </p:ext>
+    </p:extLst>
+  </p:cSld>
+  <p:clrMapOvr>
+    <a:masterClrMapping/>
+  </p:clrMapOvr>
+</p:sld>
+</file>
+
+<file path=ppt/slides/slide5.xml><?xml version="1.0" encoding="utf-8"?>
+<p:sld xmlns:a="http://schemas.openxmlformats.org/drawingml/2006/main" xmlns:r="http://schemas.openxmlformats.org/officeDocument/2006/relationships" xmlns:p="http://schemas.openxmlformats.org/presentationml/2006/main">
+  <p:cSld>
+    <p:spTree>
+      <p:nvGrpSpPr>
+        <p:cNvPr id="1" name=""/>
+        <p:cNvGrpSpPr/>
+        <p:nvPr/>
+      </p:nvGrpSpPr>
+      <p:grpSpPr>
+        <a:xfrm>
+          <a:off x="0" y="0"/>
+          <a:ext cx="0" cy="0"/>
+          <a:chOff x="0" y="0"/>
+          <a:chExt cx="0" cy="0"/>
+        </a:xfrm>
+      </p:grpSpPr>
+      <p:sp>
+        <p:nvSpPr>
+          <p:cNvPr id="3" name="Content Placeholder 2"/>
+          <p:cNvSpPr>
+            <a:spLocks noGrp="1"/>
+          </p:cNvSpPr>
+          <p:nvPr>
+            <p:ph idx="1"/>
+          </p:nvPr>
+        </p:nvSpPr>
+        <p:spPr>
+          <a:xfrm>
+            <a:off x="838200" y="619125"/>
+            <a:ext cx="10515600" cy="5557838"/>
+          </a:xfrm>
+        </p:spPr>
+        <p:txBody>
+          <a:bodyPr/>
+          <a:lstStyle/>
+          <a:p>
+            <a:pPr marL="0" indent="0">
+              <a:buNone/>
+            </a:pPr>
+            <a:r>
+              <a:rPr lang="ru-RU" dirty="0" smtClean="0"/>
+              <a:t>Т.е. если мы поменяем имя переменной на </a:t>
+            </a:r>
+            <a:r>
+              <a:rPr lang="en-US" dirty="0" smtClean="0"/>
+              <a:t>animal1</a:t>
+            </a:r>
+          </a:p>
+          <a:p>
+            <a:endParaRPr lang="en-US" dirty="0"/>
+          </a:p>
+          <a:p>
+            <a:endParaRPr lang="en-US" dirty="0" smtClean="0"/>
+          </a:p>
+          <a:p>
+            <a:endParaRPr lang="en-US" dirty="0"/>
+          </a:p>
+          <a:p>
+            <a:endParaRPr lang="en-US" dirty="0" smtClean="0"/>
+          </a:p>
+          <a:p>
+            <a:pPr marL="0" indent="0">
+              <a:buNone/>
+            </a:pPr>
+            <a:r>
+              <a:rPr lang="ru-RU" dirty="0" smtClean="0"/>
+              <a:t>Связывания всё равно не произойдёт, потому что имя = названию класса (только с маленькой буквы).</a:t>
+            </a:r>
+            <a:endParaRPr lang="en-US" dirty="0"/>
+          </a:p>
+        </p:txBody>
+      </p:sp>
+      <p:sp>
+        <p:nvSpPr>
+          <p:cNvPr id="4" name="Rectangle 1"/>
+          <p:cNvSpPr>
+            <a:spLocks noChangeArrowheads="1"/>
+          </p:cNvSpPr>
+          <p:nvPr/>
+        </p:nvSpPr>
+        <p:spPr bwMode="auto">
+          <a:xfrm>
+            <a:off x="838200" y="1284357"/>
+            <a:ext cx="2935419" cy="707886"/>
+          </a:xfrm>
+          <a:prstGeom prst="rect">
+            <a:avLst/>
+          </a:prstGeom>
+          <a:solidFill>
+            <a:srgbClr val="2B2B2B"/>
+          </a:solidFill>
+          <a:ln>
+            <a:noFill/>
+          </a:ln>
+          <a:effectLst/>
+          <a:extLst>
+            <a:ext uri="{91240B29-F687-4F45-9708-019B960494DF}">
+              <a14:hiddenLine xmlns:a14="http://schemas.microsoft.com/office/drawing/2010/main" w="9525">
+                <a:solidFill>
+                  <a:schemeClr val="tx1"/>
+                </a:solidFill>
+                <a:miter lim="800000"/>
+                <a:headEnd/>
+                <a:tailEnd/>
+              </a14:hiddenLine>
+            </a:ext>
+            <a:ext uri="{AF507438-7753-43E0-B8FC-AC1667EBCBE1}">
+              <a14:hiddenEffects xmlns:a14="http://schemas.microsoft.com/office/drawing/2010/main">
+                <a:effectLst>
+                  <a:outerShdw dist="35921" dir="2700000" algn="ctr" rotWithShape="0">
+                    <a:schemeClr val="bg2"/>
+                  </a:outerShdw>
+                </a:effectLst>
+              </a14:hiddenEffects>
+            </a:ext>
+          </a:extLst>
+        </p:spPr>
+        <p:txBody>
+          <a:bodyPr vert="horz" wrap="none" lIns="91440" tIns="45720" rIns="91440" bIns="45720" numCol="1" anchor="ctr" anchorCtr="0" compatLnSpc="1">
+            <a:prstTxWarp prst="textNoShape">
+              <a:avLst/>
+            </a:prstTxWarp>
+            <a:spAutoFit/>
+          </a:bodyPr>
+          <a:lstStyle/>
+          <a:p>
+            <a:pPr marL="0" marR="0" lvl="0" indent="0" algn="l" defTabSz="914400" rtl="0" eaLnBrk="0" fontAlgn="base" latinLnBrk="0" hangingPunct="0">
+              <a:lnSpc>
+                <a:spcPct val="100000"/>
+              </a:lnSpc>
+              <a:spcBef>
+                <a:spcPct val="0"/>
+              </a:spcBef>
+              <a:spcAft>
+                <a:spcPct val="0"/>
+              </a:spcAft>
+              <a:buClrTx/>
+              <a:buSzTx/>
+              <a:buFontTx/>
+              <a:buNone/>
+              <a:tabLst/>
+            </a:pPr>
+            <a:r>
+              <a:rPr kumimoji="0" lang="en-US" altLang="en-US" sz="2000" b="0" i="0" u="none" strike="noStrike" cap="none" normalizeH="0" baseline="0" dirty="0" smtClean="0">
+                <a:ln>
+                  <a:noFill/>
+                </a:ln>
+                <a:solidFill>
+                  <a:srgbClr val="CC7832"/>
+                </a:solidFill>
+                <a:effectLst/>
+                <a:latin typeface="JetBrains Mono"/>
+              </a:rPr>
+              <a:t>public class </a:t>
+            </a:r>
+            <a:r>
+              <a:rPr kumimoji="0" lang="en-US" altLang="en-US" sz="2000" b="0" i="0" u="none" strike="noStrike" cap="none" normalizeH="0" baseline="0" dirty="0" err="1" smtClean="0">
+                <a:ln>
+                  <a:noFill/>
+                </a:ln>
+                <a:solidFill>
+                  <a:srgbClr val="A9B7C6"/>
+                </a:solidFill>
+                <a:effectLst/>
+                <a:latin typeface="JetBrains Mono"/>
+              </a:rPr>
+              <a:t>PetPerson</a:t>
+            </a:r>
+            <a:r>
+              <a:rPr kumimoji="0" lang="en-US" altLang="en-US" sz="2000" b="0" i="0" u="none" strike="noStrike" cap="none" normalizeH="0" baseline="0" dirty="0" smtClean="0">
+                <a:ln>
+                  <a:noFill/>
+                </a:ln>
+                <a:solidFill>
+                  <a:srgbClr val="A9B7C6"/>
+                </a:solidFill>
+                <a:effectLst/>
+                <a:latin typeface="JetBrains Mono"/>
+              </a:rPr>
+              <a:t> {</a:t>
+            </a:r>
+            <a:br>
+              <a:rPr kumimoji="0" lang="en-US" altLang="en-US" sz="2000" b="0" i="0" u="none" strike="noStrike" cap="none" normalizeH="0" baseline="0" dirty="0" smtClean="0">
+                <a:ln>
+                  <a:noFill/>
+                </a:ln>
+                <a:solidFill>
+                  <a:srgbClr val="A9B7C6"/>
+                </a:solidFill>
+                <a:effectLst/>
+                <a:latin typeface="JetBrains Mono"/>
+              </a:rPr>
+            </a:br>
+            <a:r>
+              <a:rPr kumimoji="0" lang="en-US" altLang="en-US" sz="2000" b="0" i="0" u="none" strike="noStrike" cap="none" normalizeH="0" baseline="0" dirty="0" smtClean="0">
+                <a:ln>
+                  <a:noFill/>
+                </a:ln>
+                <a:solidFill>
+                  <a:srgbClr val="A9B7C6"/>
+                </a:solidFill>
+                <a:effectLst/>
+                <a:latin typeface="JetBrains Mono"/>
+              </a:rPr>
+              <a:t>    Animal </a:t>
+            </a:r>
+            <a:r>
+              <a:rPr kumimoji="0" lang="en-US" altLang="en-US" sz="2000" b="0" i="0" u="none" strike="noStrike" cap="none" normalizeH="0" baseline="0" dirty="0" smtClean="0">
+                <a:ln>
+                  <a:noFill/>
+                </a:ln>
+                <a:solidFill>
+                  <a:srgbClr val="9876AA"/>
+                </a:solidFill>
+                <a:effectLst/>
+                <a:latin typeface="JetBrains Mono"/>
+              </a:rPr>
+              <a:t>animal1</a:t>
+            </a:r>
+            <a:r>
+              <a:rPr kumimoji="0" lang="en-US" altLang="en-US" sz="2000" b="0" i="0" u="none" strike="noStrike" cap="none" normalizeH="0" baseline="0" dirty="0" smtClean="0">
+                <a:ln>
+                  <a:noFill/>
+                </a:ln>
+                <a:solidFill>
+                  <a:srgbClr val="CC7832"/>
+                </a:solidFill>
+                <a:effectLst/>
+                <a:latin typeface="JetBrains Mono"/>
+              </a:rPr>
+              <a:t>;</a:t>
+            </a:r>
+            <a:endParaRPr kumimoji="0" lang="en-US" altLang="en-US" sz="2000" b="0" i="0" u="none" strike="noStrike" cap="none" normalizeH="0" baseline="0" dirty="0" smtClean="0">
+              <a:ln>
+                <a:noFill/>
+              </a:ln>
+              <a:solidFill>
+                <a:schemeClr val="tx1"/>
+              </a:solidFill>
+              <a:effectLst/>
+              <a:latin typeface="Arial" panose="020B0604020202020204" pitchFamily="34" charset="0"/>
+            </a:endParaRPr>
+          </a:p>
+        </p:txBody>
+      </p:sp>
+      <p:sp>
+        <p:nvSpPr>
+          <p:cNvPr id="5" name="Rectangle 2"/>
+          <p:cNvSpPr>
+            <a:spLocks noChangeArrowheads="1"/>
+          </p:cNvSpPr>
+          <p:nvPr/>
+        </p:nvSpPr>
+        <p:spPr bwMode="auto">
+          <a:xfrm>
+            <a:off x="4524375" y="1284357"/>
+            <a:ext cx="5762625" cy="1323439"/>
+          </a:xfrm>
+          <a:prstGeom prst="rect">
+            <a:avLst/>
+          </a:prstGeom>
+          <a:solidFill>
+            <a:srgbClr val="2B2B2B"/>
+          </a:solidFill>
+          <a:ln>
+            <a:noFill/>
+          </a:ln>
+          <a:effectLst/>
+          <a:extLst>
+            <a:ext uri="{91240B29-F687-4F45-9708-019B960494DF}">
+              <a14:hiddenLine xmlns:a14="http://schemas.microsoft.com/office/drawing/2010/main" w="9525">
+                <a:solidFill>
+                  <a:schemeClr val="tx1"/>
+                </a:solidFill>
+                <a:miter lim="800000"/>
+                <a:headEnd/>
+                <a:tailEnd/>
+              </a14:hiddenLine>
+            </a:ext>
+            <a:ext uri="{AF507438-7753-43E0-B8FC-AC1667EBCBE1}">
+              <a14:hiddenEffects xmlns:a14="http://schemas.microsoft.com/office/drawing/2010/main">
+                <a:effectLst>
+                  <a:outerShdw dist="35921" dir="2700000" algn="ctr" rotWithShape="0">
+                    <a:schemeClr val="bg2"/>
+                  </a:outerShdw>
+                </a:effectLst>
+              </a14:hiddenEffects>
+            </a:ext>
+          </a:extLst>
+        </p:spPr>
+        <p:txBody>
+          <a:bodyPr vert="horz" wrap="square" lIns="91440" tIns="45720" rIns="91440" bIns="45720" numCol="1" anchor="ctr" anchorCtr="0" compatLnSpc="1">
+            <a:prstTxWarp prst="textNoShape">
+              <a:avLst/>
+            </a:prstTxWarp>
+            <a:spAutoFit/>
+          </a:bodyPr>
+          <a:lstStyle/>
+          <a:p>
+            <a:pPr marL="0" marR="0" lvl="0" indent="0" algn="l" defTabSz="914400" rtl="0" eaLnBrk="0" fontAlgn="base" latinLnBrk="0" hangingPunct="0">
+              <a:lnSpc>
+                <a:spcPct val="100000"/>
+              </a:lnSpc>
+              <a:spcBef>
+                <a:spcPct val="0"/>
+              </a:spcBef>
+              <a:spcAft>
+                <a:spcPct val="0"/>
+              </a:spcAft>
+              <a:buClrTx/>
+              <a:buSzTx/>
+              <a:buFontTx/>
+              <a:buNone/>
+              <a:tabLst/>
+            </a:pPr>
+            <a:r>
+              <a:rPr kumimoji="0" lang="en-US" altLang="en-US" sz="2000" b="0" i="0" u="none" strike="noStrike" cap="none" normalizeH="0" baseline="0" dirty="0" smtClean="0">
+                <a:ln>
+                  <a:noFill/>
+                </a:ln>
+                <a:solidFill>
+                  <a:srgbClr val="E8BF6A"/>
+                </a:solidFill>
+                <a:effectLst/>
+                <a:latin typeface="JetBrains Mono"/>
+              </a:rPr>
+              <a:t>&lt;bean </a:t>
+            </a:r>
+            <a:r>
+              <a:rPr kumimoji="0" lang="en-US" altLang="en-US" sz="2000" b="0" i="0" u="none" strike="noStrike" cap="none" normalizeH="0" baseline="0" dirty="0" smtClean="0">
+                <a:ln>
+                  <a:noFill/>
+                </a:ln>
+                <a:solidFill>
+                  <a:srgbClr val="BABABA"/>
+                </a:solidFill>
+                <a:effectLst/>
+                <a:latin typeface="JetBrains Mono"/>
+              </a:rPr>
+              <a:t>id</a:t>
+            </a:r>
+            <a:r>
+              <a:rPr kumimoji="0" lang="en-US" altLang="en-US" sz="2000" b="0" i="0" u="none" strike="noStrike" cap="none" normalizeH="0" baseline="0" dirty="0" smtClean="0">
+                <a:ln>
+                  <a:noFill/>
+                </a:ln>
+                <a:solidFill>
+                  <a:srgbClr val="6A8759"/>
+                </a:solidFill>
+                <a:effectLst/>
+                <a:latin typeface="JetBrains Mono"/>
+              </a:rPr>
+              <a:t>="</a:t>
+            </a:r>
+            <a:r>
+              <a:rPr kumimoji="0" lang="en-US" altLang="en-US" sz="2000" b="0" i="0" u="none" strike="noStrike" cap="none" normalizeH="0" baseline="0" dirty="0" err="1" smtClean="0">
+                <a:ln>
+                  <a:noFill/>
+                </a:ln>
+                <a:solidFill>
+                  <a:srgbClr val="6A8759"/>
+                </a:solidFill>
+                <a:effectLst/>
+                <a:latin typeface="JetBrains Mono"/>
+              </a:rPr>
+              <a:t>petPerson</a:t>
+            </a:r>
+            <a:r>
+              <a:rPr kumimoji="0" lang="en-US" altLang="en-US" sz="2000" b="0" i="0" u="none" strike="noStrike" cap="none" normalizeH="0" baseline="0" dirty="0" smtClean="0">
+                <a:ln>
+                  <a:noFill/>
+                </a:ln>
+                <a:solidFill>
+                  <a:srgbClr val="6A8759"/>
+                </a:solidFill>
+                <a:effectLst/>
+                <a:latin typeface="JetBrains Mono"/>
+              </a:rPr>
+              <a:t>" </a:t>
+            </a:r>
+            <a:r>
+              <a:rPr kumimoji="0" lang="en-US" altLang="en-US" sz="2000" b="0" i="0" u="none" strike="noStrike" cap="none" normalizeH="0" baseline="0" dirty="0" smtClean="0">
+                <a:ln>
+                  <a:noFill/>
+                </a:ln>
+                <a:solidFill>
+                  <a:srgbClr val="BABABA"/>
+                </a:solidFill>
+                <a:effectLst/>
+                <a:latin typeface="JetBrains Mono"/>
+              </a:rPr>
+              <a:t>class</a:t>
+            </a:r>
+            <a:r>
+              <a:rPr kumimoji="0" lang="en-US" altLang="en-US" sz="2000" b="0" i="0" u="none" strike="noStrike" cap="none" normalizeH="0" baseline="0" dirty="0" smtClean="0">
+                <a:ln>
+                  <a:noFill/>
+                </a:ln>
+                <a:solidFill>
+                  <a:srgbClr val="6A8759"/>
+                </a:solidFill>
+                <a:effectLst/>
+                <a:latin typeface="JetBrains Mono"/>
+              </a:rPr>
+              <a:t>="com.volkov.IoC.example13.PetPerson"</a:t>
+            </a:r>
+            <a:br>
+              <a:rPr kumimoji="0" lang="en-US" altLang="en-US" sz="2000" b="0" i="0" u="none" strike="noStrike" cap="none" normalizeH="0" baseline="0" dirty="0" smtClean="0">
+                <a:ln>
+                  <a:noFill/>
+                </a:ln>
+                <a:solidFill>
+                  <a:srgbClr val="6A8759"/>
+                </a:solidFill>
+                <a:effectLst/>
+                <a:latin typeface="JetBrains Mono"/>
+              </a:rPr>
+            </a:br>
+            <a:r>
+              <a:rPr kumimoji="0" lang="en-US" altLang="en-US" sz="2000" b="0" i="0" u="none" strike="noStrike" cap="none" normalizeH="0" baseline="0" dirty="0" smtClean="0">
+                <a:ln>
+                  <a:noFill/>
+                </a:ln>
+                <a:solidFill>
+                  <a:srgbClr val="6A8759"/>
+                </a:solidFill>
+                <a:effectLst/>
+                <a:latin typeface="JetBrains Mono"/>
+              </a:rPr>
+              <a:t>    </a:t>
+            </a:r>
+            <a:r>
+              <a:rPr kumimoji="0" lang="en-US" altLang="en-US" sz="2000" b="0" i="0" u="none" strike="noStrike" cap="none" normalizeH="0" baseline="0" dirty="0" err="1" smtClean="0">
+                <a:ln>
+                  <a:noFill/>
+                </a:ln>
+                <a:solidFill>
+                  <a:srgbClr val="BABABA"/>
+                </a:solidFill>
+                <a:effectLst/>
+                <a:latin typeface="JetBrains Mono"/>
+              </a:rPr>
+              <a:t>autowire</a:t>
+            </a:r>
+            <a:r>
+              <a:rPr kumimoji="0" lang="en-US" altLang="en-US" sz="2000" b="0" i="0" u="none" strike="noStrike" cap="none" normalizeH="0" baseline="0" dirty="0" smtClean="0">
+                <a:ln>
+                  <a:noFill/>
+                </a:ln>
+                <a:solidFill>
+                  <a:srgbClr val="6A8759"/>
+                </a:solidFill>
+                <a:effectLst/>
+                <a:latin typeface="JetBrains Mono"/>
+              </a:rPr>
+              <a:t>="</a:t>
+            </a:r>
+            <a:r>
+              <a:rPr kumimoji="0" lang="en-US" altLang="en-US" sz="2000" b="0" i="0" u="none" strike="noStrike" cap="none" normalizeH="0" baseline="0" dirty="0" err="1" smtClean="0">
+                <a:ln>
+                  <a:noFill/>
+                </a:ln>
+                <a:solidFill>
+                  <a:srgbClr val="6A8759"/>
+                </a:solidFill>
+                <a:effectLst/>
+                <a:latin typeface="JetBrains Mono"/>
+              </a:rPr>
+              <a:t>byName</a:t>
+            </a:r>
+            <a:r>
+              <a:rPr kumimoji="0" lang="en-US" altLang="en-US" sz="2000" b="0" i="0" u="none" strike="noStrike" cap="none" normalizeH="0" baseline="0" dirty="0" smtClean="0">
+                <a:ln>
+                  <a:noFill/>
+                </a:ln>
+                <a:solidFill>
+                  <a:srgbClr val="6A8759"/>
+                </a:solidFill>
+                <a:effectLst/>
+                <a:latin typeface="JetBrains Mono"/>
+              </a:rPr>
+              <a:t>"</a:t>
+            </a:r>
+            <a:r>
+              <a:rPr kumimoji="0" lang="en-US" altLang="en-US" sz="2000" b="0" i="0" u="none" strike="noStrike" cap="none" normalizeH="0" baseline="0" dirty="0" smtClean="0">
+                <a:ln>
+                  <a:noFill/>
+                </a:ln>
+                <a:solidFill>
+                  <a:srgbClr val="E8BF6A"/>
+                </a:solidFill>
+                <a:effectLst/>
+                <a:latin typeface="JetBrains Mono"/>
+              </a:rPr>
+              <a:t>&gt;</a:t>
+            </a:r>
+            <a:br>
+              <a:rPr kumimoji="0" lang="en-US" altLang="en-US" sz="2000" b="0" i="0" u="none" strike="noStrike" cap="none" normalizeH="0" baseline="0" dirty="0" smtClean="0">
+                <a:ln>
+                  <a:noFill/>
+                </a:ln>
+                <a:solidFill>
+                  <a:srgbClr val="E8BF6A"/>
+                </a:solidFill>
+                <a:effectLst/>
+                <a:latin typeface="JetBrains Mono"/>
+              </a:rPr>
+            </a:br>
+            <a:r>
+              <a:rPr kumimoji="0" lang="en-US" altLang="en-US" sz="2000" b="0" i="0" u="none" strike="noStrike" cap="none" normalizeH="0" baseline="0" dirty="0" smtClean="0">
+                <a:ln>
+                  <a:noFill/>
+                </a:ln>
+                <a:solidFill>
+                  <a:srgbClr val="E8BF6A"/>
+                </a:solidFill>
+                <a:effectLst/>
+                <a:latin typeface="JetBrains Mono"/>
+              </a:rPr>
+              <a:t>&lt;/bean&gt;</a:t>
+            </a:r>
+            <a:endParaRPr kumimoji="0" lang="en-US" altLang="en-US" sz="2000" b="0" i="0" u="none" strike="noStrike" cap="none" normalizeH="0" baseline="0" dirty="0" smtClean="0">
+              <a:ln>
+                <a:noFill/>
+              </a:ln>
+              <a:solidFill>
+                <a:schemeClr val="tx1"/>
+              </a:solidFill>
+              <a:effectLst/>
+              <a:latin typeface="Arial" panose="020B0604020202020204" pitchFamily="34" charset="0"/>
+            </a:endParaRPr>
+          </a:p>
+        </p:txBody>
+      </p:sp>
+    </p:spTree>
+    <p:extLst>
+      <p:ext uri="{BB962C8B-B14F-4D97-AF65-F5344CB8AC3E}">
+        <p14:creationId xmlns:p14="http://schemas.microsoft.com/office/powerpoint/2010/main" val="3025374423"/>
       </p:ext>
     </p:extLst>
   </p:cSld>

--- a/presentations/example13.pptx
+++ b/presentations/example13.pptx
@@ -9,7 +9,6 @@
     <p:sldId id="258" r:id="rId3"/>
     <p:sldId id="259" r:id="rId4"/>
     <p:sldId id="260" r:id="rId5"/>
-    <p:sldId id="261" r:id="rId6"/>
   </p:sldIdLst>
   <p:sldSz cx="12192000" cy="6858000"/>
   <p:notesSz cx="6858000" cy="9144000"/>
@@ -243,7 +242,7 @@
           <a:bodyPr/>
           <a:lstStyle/>
           <a:p>
-            <a:fld id="{74A6B15C-ADB0-4957-B33F-4CF21949A72A}" type="datetimeFigureOut">
+            <a:fld id="{33009927-3AFC-4AC0-8CA7-253C44623B33}" type="datetimeFigureOut">
               <a:rPr lang="en-US" smtClean="0"/>
               <a:t>5/10/2021</a:t>
             </a:fld>
@@ -285,7 +284,7 @@
           <a:bodyPr/>
           <a:lstStyle/>
           <a:p>
-            <a:fld id="{A982C6C7-0552-4040-A3D6-3C62EF181577}" type="slidenum">
+            <a:fld id="{4D9A63F3-2183-4A32-AD5F-C286D7C49CD2}" type="slidenum">
               <a:rPr lang="en-US" smtClean="0"/>
               <a:t>‹#›</a:t>
             </a:fld>
@@ -296,7 +295,7 @@
     </p:spTree>
     <p:extLst>
       <p:ext uri="{BB962C8B-B14F-4D97-AF65-F5344CB8AC3E}">
-        <p14:creationId xmlns:p14="http://schemas.microsoft.com/office/powerpoint/2010/main" val="961711603"/>
+        <p14:creationId xmlns:p14="http://schemas.microsoft.com/office/powerpoint/2010/main" val="1315818608"/>
       </p:ext>
     </p:extLst>
   </p:cSld>
@@ -411,7 +410,7 @@
           <a:bodyPr/>
           <a:lstStyle/>
           <a:p>
-            <a:fld id="{74A6B15C-ADB0-4957-B33F-4CF21949A72A}" type="datetimeFigureOut">
+            <a:fld id="{33009927-3AFC-4AC0-8CA7-253C44623B33}" type="datetimeFigureOut">
               <a:rPr lang="en-US" smtClean="0"/>
               <a:t>5/10/2021</a:t>
             </a:fld>
@@ -453,7 +452,7 @@
           <a:bodyPr/>
           <a:lstStyle/>
           <a:p>
-            <a:fld id="{A982C6C7-0552-4040-A3D6-3C62EF181577}" type="slidenum">
+            <a:fld id="{4D9A63F3-2183-4A32-AD5F-C286D7C49CD2}" type="slidenum">
               <a:rPr lang="en-US" smtClean="0"/>
               <a:t>‹#›</a:t>
             </a:fld>
@@ -464,7 +463,7 @@
     </p:spTree>
     <p:extLst>
       <p:ext uri="{BB962C8B-B14F-4D97-AF65-F5344CB8AC3E}">
-        <p14:creationId xmlns:p14="http://schemas.microsoft.com/office/powerpoint/2010/main" val="2716814438"/>
+        <p14:creationId xmlns:p14="http://schemas.microsoft.com/office/powerpoint/2010/main" val="1946444570"/>
       </p:ext>
     </p:extLst>
   </p:cSld>
@@ -589,7 +588,7 @@
           <a:bodyPr/>
           <a:lstStyle/>
           <a:p>
-            <a:fld id="{74A6B15C-ADB0-4957-B33F-4CF21949A72A}" type="datetimeFigureOut">
+            <a:fld id="{33009927-3AFC-4AC0-8CA7-253C44623B33}" type="datetimeFigureOut">
               <a:rPr lang="en-US" smtClean="0"/>
               <a:t>5/10/2021</a:t>
             </a:fld>
@@ -631,7 +630,7 @@
           <a:bodyPr/>
           <a:lstStyle/>
           <a:p>
-            <a:fld id="{A982C6C7-0552-4040-A3D6-3C62EF181577}" type="slidenum">
+            <a:fld id="{4D9A63F3-2183-4A32-AD5F-C286D7C49CD2}" type="slidenum">
               <a:rPr lang="en-US" smtClean="0"/>
               <a:t>‹#›</a:t>
             </a:fld>
@@ -642,7 +641,7 @@
     </p:spTree>
     <p:extLst>
       <p:ext uri="{BB962C8B-B14F-4D97-AF65-F5344CB8AC3E}">
-        <p14:creationId xmlns:p14="http://schemas.microsoft.com/office/powerpoint/2010/main" val="2044131380"/>
+        <p14:creationId xmlns:p14="http://schemas.microsoft.com/office/powerpoint/2010/main" val="2145599157"/>
       </p:ext>
     </p:extLst>
   </p:cSld>
@@ -757,7 +756,7 @@
           <a:bodyPr/>
           <a:lstStyle/>
           <a:p>
-            <a:fld id="{74A6B15C-ADB0-4957-B33F-4CF21949A72A}" type="datetimeFigureOut">
+            <a:fld id="{33009927-3AFC-4AC0-8CA7-253C44623B33}" type="datetimeFigureOut">
               <a:rPr lang="en-US" smtClean="0"/>
               <a:t>5/10/2021</a:t>
             </a:fld>
@@ -799,7 +798,7 @@
           <a:bodyPr/>
           <a:lstStyle/>
           <a:p>
-            <a:fld id="{A982C6C7-0552-4040-A3D6-3C62EF181577}" type="slidenum">
+            <a:fld id="{4D9A63F3-2183-4A32-AD5F-C286D7C49CD2}" type="slidenum">
               <a:rPr lang="en-US" smtClean="0"/>
               <a:t>‹#›</a:t>
             </a:fld>
@@ -810,7 +809,7 @@
     </p:spTree>
     <p:extLst>
       <p:ext uri="{BB962C8B-B14F-4D97-AF65-F5344CB8AC3E}">
-        <p14:creationId xmlns:p14="http://schemas.microsoft.com/office/powerpoint/2010/main" val="1636283185"/>
+        <p14:creationId xmlns:p14="http://schemas.microsoft.com/office/powerpoint/2010/main" val="4054757212"/>
       </p:ext>
     </p:extLst>
   </p:cSld>
@@ -1002,7 +1001,7 @@
           <a:bodyPr/>
           <a:lstStyle/>
           <a:p>
-            <a:fld id="{74A6B15C-ADB0-4957-B33F-4CF21949A72A}" type="datetimeFigureOut">
+            <a:fld id="{33009927-3AFC-4AC0-8CA7-253C44623B33}" type="datetimeFigureOut">
               <a:rPr lang="en-US" smtClean="0"/>
               <a:t>5/10/2021</a:t>
             </a:fld>
@@ -1044,7 +1043,7 @@
           <a:bodyPr/>
           <a:lstStyle/>
           <a:p>
-            <a:fld id="{A982C6C7-0552-4040-A3D6-3C62EF181577}" type="slidenum">
+            <a:fld id="{4D9A63F3-2183-4A32-AD5F-C286D7C49CD2}" type="slidenum">
               <a:rPr lang="en-US" smtClean="0"/>
               <a:t>‹#›</a:t>
             </a:fld>
@@ -1055,7 +1054,7 @@
     </p:spTree>
     <p:extLst>
       <p:ext uri="{BB962C8B-B14F-4D97-AF65-F5344CB8AC3E}">
-        <p14:creationId xmlns:p14="http://schemas.microsoft.com/office/powerpoint/2010/main" val="631484094"/>
+        <p14:creationId xmlns:p14="http://schemas.microsoft.com/office/powerpoint/2010/main" val="648914245"/>
       </p:ext>
     </p:extLst>
   </p:cSld>
@@ -1231,7 +1230,7 @@
           <a:bodyPr/>
           <a:lstStyle/>
           <a:p>
-            <a:fld id="{74A6B15C-ADB0-4957-B33F-4CF21949A72A}" type="datetimeFigureOut">
+            <a:fld id="{33009927-3AFC-4AC0-8CA7-253C44623B33}" type="datetimeFigureOut">
               <a:rPr lang="en-US" smtClean="0"/>
               <a:t>5/10/2021</a:t>
             </a:fld>
@@ -1273,7 +1272,7 @@
           <a:bodyPr/>
           <a:lstStyle/>
           <a:p>
-            <a:fld id="{A982C6C7-0552-4040-A3D6-3C62EF181577}" type="slidenum">
+            <a:fld id="{4D9A63F3-2183-4A32-AD5F-C286D7C49CD2}" type="slidenum">
               <a:rPr lang="en-US" smtClean="0"/>
               <a:t>‹#›</a:t>
             </a:fld>
@@ -1284,7 +1283,7 @@
     </p:spTree>
     <p:extLst>
       <p:ext uri="{BB962C8B-B14F-4D97-AF65-F5344CB8AC3E}">
-        <p14:creationId xmlns:p14="http://schemas.microsoft.com/office/powerpoint/2010/main" val="2081512124"/>
+        <p14:creationId xmlns:p14="http://schemas.microsoft.com/office/powerpoint/2010/main" val="1577137842"/>
       </p:ext>
     </p:extLst>
   </p:cSld>
@@ -1595,7 +1594,7 @@
           <a:bodyPr/>
           <a:lstStyle/>
           <a:p>
-            <a:fld id="{74A6B15C-ADB0-4957-B33F-4CF21949A72A}" type="datetimeFigureOut">
+            <a:fld id="{33009927-3AFC-4AC0-8CA7-253C44623B33}" type="datetimeFigureOut">
               <a:rPr lang="en-US" smtClean="0"/>
               <a:t>5/10/2021</a:t>
             </a:fld>
@@ -1637,7 +1636,7 @@
           <a:bodyPr/>
           <a:lstStyle/>
           <a:p>
-            <a:fld id="{A982C6C7-0552-4040-A3D6-3C62EF181577}" type="slidenum">
+            <a:fld id="{4D9A63F3-2183-4A32-AD5F-C286D7C49CD2}" type="slidenum">
               <a:rPr lang="en-US" smtClean="0"/>
               <a:t>‹#›</a:t>
             </a:fld>
@@ -1648,7 +1647,7 @@
     </p:spTree>
     <p:extLst>
       <p:ext uri="{BB962C8B-B14F-4D97-AF65-F5344CB8AC3E}">
-        <p14:creationId xmlns:p14="http://schemas.microsoft.com/office/powerpoint/2010/main" val="4168497592"/>
+        <p14:creationId xmlns:p14="http://schemas.microsoft.com/office/powerpoint/2010/main" val="841804007"/>
       </p:ext>
     </p:extLst>
   </p:cSld>
@@ -1712,7 +1711,7 @@
           <a:bodyPr/>
           <a:lstStyle/>
           <a:p>
-            <a:fld id="{74A6B15C-ADB0-4957-B33F-4CF21949A72A}" type="datetimeFigureOut">
+            <a:fld id="{33009927-3AFC-4AC0-8CA7-253C44623B33}" type="datetimeFigureOut">
               <a:rPr lang="en-US" smtClean="0"/>
               <a:t>5/10/2021</a:t>
             </a:fld>
@@ -1754,7 +1753,7 @@
           <a:bodyPr/>
           <a:lstStyle/>
           <a:p>
-            <a:fld id="{A982C6C7-0552-4040-A3D6-3C62EF181577}" type="slidenum">
+            <a:fld id="{4D9A63F3-2183-4A32-AD5F-C286D7C49CD2}" type="slidenum">
               <a:rPr lang="en-US" smtClean="0"/>
               <a:t>‹#›</a:t>
             </a:fld>
@@ -1765,7 +1764,7 @@
     </p:spTree>
     <p:extLst>
       <p:ext uri="{BB962C8B-B14F-4D97-AF65-F5344CB8AC3E}">
-        <p14:creationId xmlns:p14="http://schemas.microsoft.com/office/powerpoint/2010/main" val="1814120607"/>
+        <p14:creationId xmlns:p14="http://schemas.microsoft.com/office/powerpoint/2010/main" val="1440220471"/>
       </p:ext>
     </p:extLst>
   </p:cSld>
@@ -1807,7 +1806,7 @@
           <a:bodyPr/>
           <a:lstStyle/>
           <a:p>
-            <a:fld id="{74A6B15C-ADB0-4957-B33F-4CF21949A72A}" type="datetimeFigureOut">
+            <a:fld id="{33009927-3AFC-4AC0-8CA7-253C44623B33}" type="datetimeFigureOut">
               <a:rPr lang="en-US" smtClean="0"/>
               <a:t>5/10/2021</a:t>
             </a:fld>
@@ -1849,7 +1848,7 @@
           <a:bodyPr/>
           <a:lstStyle/>
           <a:p>
-            <a:fld id="{A982C6C7-0552-4040-A3D6-3C62EF181577}" type="slidenum">
+            <a:fld id="{4D9A63F3-2183-4A32-AD5F-C286D7C49CD2}" type="slidenum">
               <a:rPr lang="en-US" smtClean="0"/>
               <a:t>‹#›</a:t>
             </a:fld>
@@ -1860,7 +1859,7 @@
     </p:spTree>
     <p:extLst>
       <p:ext uri="{BB962C8B-B14F-4D97-AF65-F5344CB8AC3E}">
-        <p14:creationId xmlns:p14="http://schemas.microsoft.com/office/powerpoint/2010/main" val="3978413592"/>
+        <p14:creationId xmlns:p14="http://schemas.microsoft.com/office/powerpoint/2010/main" val="755877444"/>
       </p:ext>
     </p:extLst>
   </p:cSld>
@@ -2082,7 +2081,7 @@
           <a:bodyPr/>
           <a:lstStyle/>
           <a:p>
-            <a:fld id="{74A6B15C-ADB0-4957-B33F-4CF21949A72A}" type="datetimeFigureOut">
+            <a:fld id="{33009927-3AFC-4AC0-8CA7-253C44623B33}" type="datetimeFigureOut">
               <a:rPr lang="en-US" smtClean="0"/>
               <a:t>5/10/2021</a:t>
             </a:fld>
@@ -2124,7 +2123,7 @@
           <a:bodyPr/>
           <a:lstStyle/>
           <a:p>
-            <a:fld id="{A982C6C7-0552-4040-A3D6-3C62EF181577}" type="slidenum">
+            <a:fld id="{4D9A63F3-2183-4A32-AD5F-C286D7C49CD2}" type="slidenum">
               <a:rPr lang="en-US" smtClean="0"/>
               <a:t>‹#›</a:t>
             </a:fld>
@@ -2135,7 +2134,7 @@
     </p:spTree>
     <p:extLst>
       <p:ext uri="{BB962C8B-B14F-4D97-AF65-F5344CB8AC3E}">
-        <p14:creationId xmlns:p14="http://schemas.microsoft.com/office/powerpoint/2010/main" val="2563759391"/>
+        <p14:creationId xmlns:p14="http://schemas.microsoft.com/office/powerpoint/2010/main" val="692706138"/>
       </p:ext>
     </p:extLst>
   </p:cSld>
@@ -2334,7 +2333,7 @@
           <a:bodyPr/>
           <a:lstStyle/>
           <a:p>
-            <a:fld id="{74A6B15C-ADB0-4957-B33F-4CF21949A72A}" type="datetimeFigureOut">
+            <a:fld id="{33009927-3AFC-4AC0-8CA7-253C44623B33}" type="datetimeFigureOut">
               <a:rPr lang="en-US" smtClean="0"/>
               <a:t>5/10/2021</a:t>
             </a:fld>
@@ -2376,7 +2375,7 @@
           <a:bodyPr/>
           <a:lstStyle/>
           <a:p>
-            <a:fld id="{A982C6C7-0552-4040-A3D6-3C62EF181577}" type="slidenum">
+            <a:fld id="{4D9A63F3-2183-4A32-AD5F-C286D7C49CD2}" type="slidenum">
               <a:rPr lang="en-US" smtClean="0"/>
               <a:t>‹#›</a:t>
             </a:fld>
@@ -2387,7 +2386,7 @@
     </p:spTree>
     <p:extLst>
       <p:ext uri="{BB962C8B-B14F-4D97-AF65-F5344CB8AC3E}">
-        <p14:creationId xmlns:p14="http://schemas.microsoft.com/office/powerpoint/2010/main" val="2382070244"/>
+        <p14:creationId xmlns:p14="http://schemas.microsoft.com/office/powerpoint/2010/main" val="3300952560"/>
       </p:ext>
     </p:extLst>
   </p:cSld>
@@ -2545,7 +2544,7 @@
             </a:lvl1pPr>
           </a:lstStyle>
           <a:p>
-            <a:fld id="{74A6B15C-ADB0-4957-B33F-4CF21949A72A}" type="datetimeFigureOut">
+            <a:fld id="{33009927-3AFC-4AC0-8CA7-253C44623B33}" type="datetimeFigureOut">
               <a:rPr lang="en-US" smtClean="0"/>
               <a:t>5/10/2021</a:t>
             </a:fld>
@@ -2623,7 +2622,7 @@
             </a:lvl1pPr>
           </a:lstStyle>
           <a:p>
-            <a:fld id="{A982C6C7-0552-4040-A3D6-3C62EF181577}" type="slidenum">
+            <a:fld id="{4D9A63F3-2183-4A32-AD5F-C286D7C49CD2}" type="slidenum">
               <a:rPr lang="en-US" smtClean="0"/>
               <a:t>‹#›</a:t>
             </a:fld>
@@ -2634,7 +2633,7 @@
     </p:spTree>
     <p:extLst>
       <p:ext uri="{BB962C8B-B14F-4D97-AF65-F5344CB8AC3E}">
-        <p14:creationId xmlns:p14="http://schemas.microsoft.com/office/powerpoint/2010/main" val="124684329"/>
+        <p14:creationId xmlns:p14="http://schemas.microsoft.com/office/powerpoint/2010/main" val="3377906978"/>
       </p:ext>
     </p:extLst>
   </p:cSld>
@@ -2968,18 +2967,9 @@
           <a:lstStyle/>
           <a:p>
             <a:r>
-              <a:rPr lang="en-US" dirty="0" err="1"/>
-              <a:t>Autowiring</a:t>
-            </a:r>
-            <a:r>
               <a:rPr lang="en-US" dirty="0"/>
-              <a:t> - </a:t>
-            </a:r>
-            <a:r>
-              <a:rPr lang="ru-RU" dirty="0"/>
-              <a:t>автоматическое связывание.</a:t>
-            </a:r>
-            <a:endParaRPr lang="en-US" dirty="0"/>
+              <a:t>@Component</a:t>
+            </a:r>
           </a:p>
         </p:txBody>
       </p:sp>
@@ -2993,12 +2983,7 @@
             <p:ph idx="1"/>
           </p:nvPr>
         </p:nvSpPr>
-        <p:spPr>
-          <a:xfrm>
-            <a:off x="838200" y="1690688"/>
-            <a:ext cx="10515600" cy="4351338"/>
-          </a:xfrm>
-        </p:spPr>
+        <p:spPr/>
         <p:txBody>
           <a:bodyPr>
             <a:normAutofit/>
@@ -3009,20 +2994,36 @@
               <a:buNone/>
             </a:pPr>
             <a:r>
+              <a:rPr lang="ru-RU" dirty="0"/>
+              <a:t>Аннотация </a:t>
+            </a:r>
+            <a:r>
+              <a:rPr lang="ru-RU" b="1" dirty="0"/>
+              <a:t>@</a:t>
+            </a:r>
+            <a:r>
+              <a:rPr lang="ru-RU" b="1" dirty="0" err="1"/>
+              <a:t>Component</a:t>
+            </a:r>
+            <a:r>
+              <a:rPr lang="ru-RU" dirty="0"/>
+              <a:t> используется для определения </a:t>
+            </a:r>
+            <a:r>
               <a:rPr lang="ru-RU" dirty="0" err="1"/>
-              <a:t>Спринг</a:t>
+              <a:t>Spring</a:t>
             </a:r>
             <a:r>
               <a:rPr lang="ru-RU" dirty="0"/>
-              <a:t> способен определять и добавлять зависимости автоматически, что может значительно уменьшить объём конфигураций(написанного кода), но в то же время делает </a:t>
-            </a:r>
-            <a:r>
-              <a:rPr lang="ru-RU" dirty="0" smtClean="0"/>
-              <a:t>затруднительнее </a:t>
+              <a:t> компонентов без использования XML конфигурации.</a:t>
+            </a:r>
+            <a:r>
+              <a:rPr lang="en-US" dirty="0"/>
+              <a:t> </a:t>
             </a:r>
             <a:r>
               <a:rPr lang="ru-RU" dirty="0"/>
-              <a:t>чтение и проверку зависимостей.</a:t>
+              <a:t>Применяется к классам</a:t>
             </a:r>
           </a:p>
           <a:p>
@@ -3031,55 +3032,52 @@
             </a:pPr>
             <a:r>
               <a:rPr lang="ru-RU" dirty="0"/>
-              <a:t>Существует три типа </a:t>
+              <a:t>Рекомендуется применять более специфичные аннотации:</a:t>
+            </a:r>
+            <a:endParaRPr lang="en-US" dirty="0"/>
+          </a:p>
+          <a:p>
+            <a:r>
+              <a:rPr lang="ru-RU" b="1" dirty="0"/>
+              <a:t>@</a:t>
+            </a:r>
+            <a:r>
+              <a:rPr lang="ru-RU" b="1" dirty="0" err="1"/>
+              <a:t>Service</a:t>
+            </a:r>
+            <a:r>
+              <a:rPr lang="ru-RU" dirty="0"/>
+              <a:t> - Сервис-слой приложения</a:t>
+            </a:r>
+            <a:r>
+              <a:rPr lang="en-US" dirty="0"/>
+              <a:t>.</a:t>
+            </a:r>
+          </a:p>
+          <a:p>
+            <a:r>
+              <a:rPr lang="ru-RU" b="1" dirty="0"/>
+              <a:t>@</a:t>
+            </a:r>
+            <a:r>
+              <a:rPr lang="ru-RU" b="1" dirty="0" err="1"/>
+              <a:t>Repository</a:t>
+            </a:r>
+            <a:r>
+              <a:rPr lang="ru-RU" dirty="0"/>
+              <a:t> - Доменный слой</a:t>
+            </a:r>
+            <a:r>
+              <a:rPr lang="en-US" dirty="0"/>
+              <a:t>.</a:t>
+            </a:r>
+            <a:r>
+              <a:rPr lang="ru-RU" dirty="0"/>
+              <a:t> Аннотация показывает, что класс функционирует как </a:t>
             </a:r>
             <a:r>
               <a:rPr lang="ru-RU" dirty="0" err="1"/>
-              <a:t>автосвязывания</a:t>
-            </a:r>
-            <a:r>
-              <a:rPr lang="ru-RU" dirty="0"/>
-              <a:t>:</a:t>
-            </a:r>
-          </a:p>
-          <a:p>
-            <a:r>
-              <a:rPr lang="ru-RU" dirty="0" err="1"/>
-              <a:t>byName</a:t>
-            </a:r>
-            <a:r>
-              <a:rPr lang="ru-RU" dirty="0"/>
-              <a:t>: контейнер ищет бин с  </a:t>
-            </a:r>
-            <a:r>
-              <a:rPr lang="en-US" dirty="0"/>
-              <a:t>ID </a:t>
-            </a:r>
-            <a:r>
-              <a:rPr lang="ru-RU" dirty="0"/>
-              <a:t>идентичным указанному. Если такой бин не находится, то связывания не происходит.</a:t>
-            </a:r>
-          </a:p>
-          <a:p>
-            <a:r>
-              <a:rPr lang="ru-RU" dirty="0" err="1"/>
-              <a:t>byType</a:t>
-            </a:r>
-            <a:r>
-              <a:rPr lang="ru-RU" dirty="0"/>
-              <a:t>:  контейнер ищет бин определённого класса , работает если существует только 1 бин типа, указанного в </a:t>
-            </a:r>
-            <a:r>
-              <a:rPr lang="ru-RU" dirty="0" err="1"/>
-              <a:t>property</a:t>
-            </a:r>
-            <a:r>
-              <a:rPr lang="ru-RU" dirty="0"/>
-              <a:t>, иначе выбрасывается </a:t>
-            </a:r>
-            <a:r>
-              <a:rPr lang="ru-RU" dirty="0" err="1"/>
-              <a:t>UnsatisfiedDependencyException</a:t>
+              <a:t>репозиторий</a:t>
             </a:r>
             <a:r>
               <a:rPr lang="ru-RU" dirty="0"/>
@@ -3087,9 +3085,41 @@
             </a:r>
           </a:p>
           <a:p>
-            <a:pPr marL="0" indent="0">
-              <a:buNone/>
-            </a:pPr>
+            <a:r>
+              <a:rPr lang="ru-RU" b="1" dirty="0"/>
+              <a:t>@</a:t>
+            </a:r>
+            <a:r>
+              <a:rPr lang="ru-RU" b="1" dirty="0" err="1"/>
+              <a:t>Controller</a:t>
+            </a:r>
+            <a:r>
+              <a:rPr lang="ru-RU" dirty="0"/>
+              <a:t> - Слой представления</a:t>
+            </a:r>
+            <a:r>
+              <a:rPr lang="en-US" dirty="0"/>
+              <a:t>. </a:t>
+            </a:r>
+            <a:r>
+              <a:rPr lang="ru-RU" dirty="0"/>
+              <a:t>Аннотация для маркировки </a:t>
+            </a:r>
+            <a:r>
+              <a:rPr lang="ru-RU" dirty="0" err="1"/>
+              <a:t>java</a:t>
+            </a:r>
+            <a:r>
+              <a:rPr lang="ru-RU" dirty="0"/>
+              <a:t> класса, как класса контроллера</a:t>
+            </a:r>
+            <a:r>
+              <a:rPr lang="en-US" dirty="0"/>
+              <a:t>.</a:t>
+            </a:r>
+            <a:endParaRPr lang="ru-RU" dirty="0"/>
+          </a:p>
+          <a:p>
             <a:endParaRPr lang="en-US" dirty="0"/>
           </a:p>
         </p:txBody>
@@ -3097,7 +3127,7 @@
     </p:spTree>
     <p:extLst>
       <p:ext uri="{BB962C8B-B14F-4D97-AF65-F5344CB8AC3E}">
-        <p14:creationId xmlns:p14="http://schemas.microsoft.com/office/powerpoint/2010/main" val="1454837224"/>
+        <p14:creationId xmlns:p14="http://schemas.microsoft.com/office/powerpoint/2010/main" val="1246816940"/>
       </p:ext>
     </p:extLst>
   </p:cSld>
@@ -3136,125 +3166,66 @@
         </p:nvSpPr>
         <p:spPr>
           <a:xfrm>
-            <a:off x="838200" y="449179"/>
-            <a:ext cx="10515600" cy="5727784"/>
+            <a:off x="838200" y="433137"/>
+            <a:ext cx="10515600" cy="5743826"/>
           </a:xfrm>
         </p:spPr>
         <p:txBody>
-          <a:bodyPr>
-            <a:normAutofit fontScale="92500" lnSpcReduction="10000"/>
-          </a:bodyPr>
+          <a:bodyPr/>
           <a:lstStyle/>
           <a:p>
             <a:r>
+              <a:rPr lang="ru-RU" dirty="0"/>
+              <a:t>Для работы через эти аннотации необходимо добавить следующую команду в конфигурацию контейнера:</a:t>
+            </a:r>
+            <a:endParaRPr lang="en-US" dirty="0"/>
+          </a:p>
+          <a:p>
+            <a:endParaRPr lang="en-US" dirty="0">
+              <a:effectLst/>
+            </a:endParaRPr>
+          </a:p>
+          <a:p>
+            <a:endParaRPr lang="ru-RU" dirty="0">
+              <a:effectLst/>
+            </a:endParaRPr>
+          </a:p>
+          <a:p>
+            <a:r>
+              <a:rPr lang="ru-RU" dirty="0"/>
+              <a:t>В нашем примере класс </a:t>
+            </a:r>
+            <a:r>
+              <a:rPr lang="en-US" dirty="0"/>
+              <a:t>Cat </a:t>
+            </a:r>
+            <a:r>
+              <a:rPr lang="ru-RU" dirty="0"/>
+              <a:t>и класс </a:t>
+            </a:r>
+            <a:r>
+              <a:rPr lang="en-US" dirty="0"/>
+              <a:t>Person </a:t>
+            </a:r>
+            <a:r>
+              <a:rPr lang="ru-RU" dirty="0"/>
+              <a:t>помечены аннотацией </a:t>
+            </a:r>
+            <a:r>
+              <a:rPr lang="en-US" dirty="0"/>
+              <a:t>@Component</a:t>
+            </a:r>
+            <a:r>
+              <a:rPr lang="ru-RU" dirty="0"/>
+              <a:t>. То есть </a:t>
+            </a:r>
+            <a:r>
               <a:rPr lang="ru-RU" dirty="0" err="1"/>
-              <a:t>constructor</a:t>
+              <a:t>спринг</a:t>
             </a:r>
             <a:r>
               <a:rPr lang="ru-RU" dirty="0"/>
-              <a:t>: создаёт объект, используя конструктор, использует </a:t>
-            </a:r>
-            <a:r>
-              <a:rPr lang="ru-RU" dirty="0" err="1"/>
-              <a:t>byType</a:t>
-            </a:r>
-            <a:r>
-              <a:rPr lang="ru-RU" dirty="0"/>
-              <a:t> режим.</a:t>
-            </a:r>
-          </a:p>
-          <a:p>
-            <a:r>
-              <a:rPr lang="ru-RU" dirty="0"/>
-              <a:t>Для использования </a:t>
-            </a:r>
-            <a:r>
-              <a:rPr lang="ru-RU" dirty="0" err="1"/>
-              <a:t>автосвязывания</a:t>
-            </a:r>
-            <a:r>
-              <a:rPr lang="ru-RU" dirty="0"/>
-              <a:t> надо указать в </a:t>
-            </a:r>
-            <a:r>
-              <a:rPr lang="ru-RU" dirty="0" err="1"/>
-              <a:t>бине</a:t>
-            </a:r>
-            <a:endParaRPr lang="en-US" dirty="0"/>
-          </a:p>
-          <a:p>
-            <a:pPr marL="0" indent="0">
-              <a:buNone/>
-            </a:pPr>
-            <a:r>
-              <a:rPr lang="ru-RU" dirty="0"/>
-              <a:t>И указать тип связывания.</a:t>
-            </a:r>
-          </a:p>
-          <a:p>
-            <a:pPr marL="0" indent="0">
-              <a:buNone/>
-            </a:pPr>
-            <a:r>
-              <a:rPr lang="ru-RU" dirty="0"/>
-              <a:t> </a:t>
-            </a:r>
-          </a:p>
-          <a:p>
-            <a:pPr marL="0" indent="0">
-              <a:buNone/>
-            </a:pPr>
-            <a:r>
-              <a:rPr lang="ru-RU" dirty="0"/>
-              <a:t>В нашем примере имеем </a:t>
-            </a:r>
-          </a:p>
-          <a:p>
-            <a:r>
-              <a:rPr lang="ru-RU" dirty="0"/>
-              <a:t>интерфейс </a:t>
-            </a:r>
-            <a:r>
-              <a:rPr lang="en-US" dirty="0"/>
-              <a:t>Animal (</a:t>
-            </a:r>
-            <a:r>
-              <a:rPr lang="ru-RU" dirty="0"/>
-              <a:t>животное</a:t>
-            </a:r>
-            <a:r>
-              <a:rPr lang="en-US" dirty="0"/>
-              <a:t>)</a:t>
-            </a:r>
-            <a:r>
-              <a:rPr lang="ru-RU" dirty="0"/>
-              <a:t>, три класса его реализующие: </a:t>
-            </a:r>
-            <a:r>
-              <a:rPr lang="en-US" dirty="0"/>
-              <a:t>Cat, Dog </a:t>
-            </a:r>
-            <a:r>
-              <a:rPr lang="ru-RU" dirty="0"/>
-              <a:t>и </a:t>
-            </a:r>
-            <a:r>
-              <a:rPr lang="en-US" dirty="0"/>
-              <a:t>Parrot(</a:t>
-            </a:r>
-            <a:r>
-              <a:rPr lang="ru-RU" dirty="0"/>
-              <a:t>кот, собака, попугай</a:t>
-            </a:r>
-            <a:r>
-              <a:rPr lang="en-US" dirty="0"/>
-              <a:t>)</a:t>
-            </a:r>
-          </a:p>
-          <a:p>
-            <a:r>
-              <a:rPr lang="ru-RU" dirty="0"/>
-              <a:t>Три класса – содержащих в себе эти </a:t>
+              <a:t> сам за нас создаст их </a:t>
             </a:r>
             <a:r>
               <a:rPr lang="ru-RU" dirty="0" err="1"/>
@@ -3262,110 +3233,46 @@
             </a:r>
             <a:r>
               <a:rPr lang="ru-RU" dirty="0"/>
-              <a:t> (</a:t>
-            </a:r>
-            <a:r>
-              <a:rPr lang="en-CA" dirty="0" err="1"/>
-              <a:t>AnimalShelter</a:t>
-            </a:r>
-            <a:r>
-              <a:rPr lang="en-CA" dirty="0"/>
-              <a:t>, </a:t>
-            </a:r>
-            <a:r>
-              <a:rPr lang="en-CA" dirty="0" err="1"/>
-              <a:t>CatPerson</a:t>
-            </a:r>
-            <a:r>
-              <a:rPr lang="en-CA" dirty="0"/>
-              <a:t>, </a:t>
-            </a:r>
-            <a:r>
-              <a:rPr lang="en-CA" dirty="0" err="1"/>
-              <a:t>PetPerson</a:t>
-            </a:r>
+              <a:t>. </a:t>
+            </a:r>
+            <a:endParaRPr lang="en-US" dirty="0"/>
+          </a:p>
+          <a:p>
             <a:r>
               <a:rPr lang="ru-RU" dirty="0"/>
-              <a:t>).</a:t>
-            </a:r>
-          </a:p>
-          <a:p>
+              <a:t>Через аннотацию </a:t>
+            </a:r>
             <a:r>
               <a:rPr lang="en-US" dirty="0"/>
-              <a:t> </a:t>
+              <a:t>@Value </a:t>
             </a:r>
             <a:r>
               <a:rPr lang="ru-RU" dirty="0"/>
-              <a:t>Два файла с контекстами – с </a:t>
+              <a:t>к сеттеру, мы устанавливаем значения в поля.</a:t>
+            </a:r>
+          </a:p>
+          <a:p>
+            <a:r>
+              <a:rPr lang="ru-RU" dirty="0"/>
+              <a:t>Грубо говоря, наши </a:t>
             </a:r>
             <a:r>
               <a:rPr lang="ru-RU" dirty="0" err="1"/>
-              <a:t>автосвязыванием</a:t>
+              <a:t>бины</a:t>
             </a:r>
             <a:r>
               <a:rPr lang="ru-RU" dirty="0"/>
-              <a:t> и без него</a:t>
-            </a:r>
-            <a:r>
-              <a:rPr lang="en-CA" dirty="0"/>
-              <a:t> </a:t>
+              <a:t> в этом примере соответствуют </a:t>
+            </a:r>
+            <a:r>
+              <a:rPr lang="ru-RU" dirty="0" err="1"/>
+              <a:t>бинам</a:t>
             </a:r>
             <a:r>
               <a:rPr lang="ru-RU" dirty="0"/>
-              <a:t>(задаём зависимости старым добрым </a:t>
-            </a:r>
-            <a:r>
-              <a:rPr lang="en-CA" dirty="0"/>
-              <a:t>ref</a:t>
-            </a:r>
-            <a:r>
-              <a:rPr lang="ru-RU" dirty="0"/>
-              <a:t>).</a:t>
-            </a:r>
-          </a:p>
-          <a:p>
+              <a:t> из прошлого примера, только созданы с использованием аннотаций.</a:t>
+            </a:r>
             <a:endParaRPr lang="en-US" dirty="0"/>
-          </a:p>
-          <a:p>
-            <a:pPr marL="0" indent="0">
-              <a:buNone/>
-            </a:pPr>
-            <a:r>
-              <a:rPr lang="en-US" dirty="0"/>
-              <a:t>(</a:t>
-            </a:r>
-            <a:r>
-              <a:rPr lang="ru-RU" dirty="0"/>
-              <a:t>зачем </a:t>
-            </a:r>
-            <a:r>
-              <a:rPr lang="en-CA" dirty="0" err="1"/>
-              <a:t>hashCode</a:t>
-            </a:r>
-            <a:r>
-              <a:rPr lang="en-CA" dirty="0"/>
-              <a:t>() </a:t>
-            </a:r>
-            <a:r>
-              <a:rPr lang="ru-RU" dirty="0"/>
-              <a:t>в </a:t>
-            </a:r>
-            <a:r>
-              <a:rPr lang="en-CA" dirty="0"/>
-              <a:t>main?</a:t>
-            </a:r>
-            <a:r>
-              <a:rPr lang="ru-RU" dirty="0"/>
-              <a:t> И зачем попугай, если его нигде не </a:t>
-            </a:r>
-            <a:r>
-              <a:rPr lang="ru-RU" dirty="0" err="1"/>
-              <a:t>юзаем</a:t>
-            </a:r>
-            <a:r>
-              <a:rPr lang="en-US" dirty="0"/>
-              <a:t>)</a:t>
-            </a:r>
           </a:p>
         </p:txBody>
       </p:sp>
@@ -3379,8 +3286,8 @@
         </p:nvSpPr>
         <p:spPr bwMode="auto">
           <a:xfrm>
-            <a:off x="9817769" y="1376082"/>
-            <a:ext cx="1303562" cy="400110"/>
+            <a:off x="838200" y="1287202"/>
+            <a:ext cx="10631905" cy="400110"/>
           </a:xfrm>
           <a:prstGeom prst="rect">
             <a:avLst/>
@@ -3415,7 +3322,7 @@
           </a:extLst>
         </p:spPr>
         <p:txBody>
-          <a:bodyPr vert="horz" wrap="none" lIns="91440" tIns="45720" rIns="91440" bIns="45720" numCol="1" anchor="ctr" anchorCtr="0" compatLnSpc="1">
+          <a:bodyPr vert="horz" wrap="square" lIns="91440" tIns="45720" rIns="91440" bIns="45720" numCol="1" anchor="ctr" anchorCtr="0" compatLnSpc="1">
             <a:prstTxWarp prst="textNoShape">
               <a:avLst/>
             </a:prstTxWarp>
@@ -3440,17 +3347,69 @@
               <a:tabLst/>
             </a:pPr>
             <a:r>
+              <a:rPr kumimoji="0" lang="en-US" altLang="en-US" sz="2000" b="0" i="0" u="none" strike="noStrike" cap="none" normalizeH="0" baseline="0" dirty="0">
+                <a:ln>
+                  <a:noFill/>
+                </a:ln>
+                <a:solidFill>
+                  <a:srgbClr val="E8BF6A"/>
+                </a:solidFill>
+                <a:effectLst/>
+                <a:latin typeface="JetBrains Mono"/>
+              </a:rPr>
+              <a:t>&lt;</a:t>
+            </a:r>
+            <a:r>
               <a:rPr kumimoji="0" lang="en-US" altLang="en-US" sz="2000" b="0" i="0" u="none" strike="noStrike" cap="none" normalizeH="0" baseline="0" dirty="0" err="1">
                 <a:ln>
                   <a:noFill/>
                 </a:ln>
                 <a:solidFill>
+                  <a:srgbClr val="9876AA"/>
+                </a:solidFill>
+                <a:effectLst/>
+                <a:latin typeface="JetBrains Mono"/>
+              </a:rPr>
+              <a:t>context</a:t>
+            </a:r>
+            <a:r>
+              <a:rPr kumimoji="0" lang="en-US" altLang="en-US" sz="2000" b="0" i="0" u="none" strike="noStrike" cap="none" normalizeH="0" baseline="0" dirty="0" err="1">
+                <a:ln>
+                  <a:noFill/>
+                </a:ln>
+                <a:solidFill>
+                  <a:srgbClr val="E8BF6A"/>
+                </a:solidFill>
+                <a:effectLst/>
+                <a:latin typeface="JetBrains Mono"/>
+              </a:rPr>
+              <a:t>:component-scan</a:t>
+            </a:r>
+            <a:r>
+              <a:rPr kumimoji="0" lang="en-US" altLang="en-US" sz="2000" b="0" i="0" u="none" strike="noStrike" cap="none" normalizeH="0" baseline="0" dirty="0">
+                <a:ln>
+                  <a:noFill/>
+                </a:ln>
+                <a:solidFill>
+                  <a:srgbClr val="E8BF6A"/>
+                </a:solidFill>
+                <a:effectLst/>
+                <a:latin typeface="JetBrains Mono"/>
+              </a:rPr>
+              <a:t> </a:t>
+            </a:r>
+            <a:r>
+              <a:rPr kumimoji="0" lang="en-US" altLang="en-US" sz="2000" b="0" i="0" u="none" strike="noStrike" cap="none" normalizeH="0" baseline="0" dirty="0">
+                <a:ln>
+                  <a:noFill/>
+                </a:ln>
+                <a:solidFill>
                   <a:srgbClr val="BABABA"/>
                 </a:solidFill>
                 <a:effectLst/>
                 <a:latin typeface="JetBrains Mono"/>
               </a:rPr>
-              <a:t>autowire</a:t>
+              <a:t>base-package</a:t>
             </a:r>
             <a:r>
               <a:rPr kumimoji="0" lang="en-US" altLang="en-US" sz="2000" b="0" i="0" u="none" strike="noStrike" cap="none" normalizeH="0" baseline="0" dirty="0">
@@ -3463,7 +3422,59 @@
                 <a:effectLst/>
                 <a:latin typeface="JetBrains Mono"/>
               </a:rPr>
-              <a:t>=</a:t>
+              <a:t>=“</a:t>
+            </a:r>
+            <a:r>
+              <a:rPr kumimoji="0" lang="ru-RU" altLang="en-US" sz="2000" b="0" i="0" u="none" strike="noStrike" cap="none" normalizeH="0" baseline="0" dirty="0">
+                <a:ln>
+                  <a:noFill/>
+                </a:ln>
+                <a:solidFill>
+                  <a:srgbClr val="6A8759"/>
+                </a:solidFill>
+                <a:effectLst/>
+                <a:latin typeface="JetBrains Mono"/>
+              </a:rPr>
+              <a:t>путь</a:t>
+            </a:r>
+            <a:r>
+              <a:rPr kumimoji="0" lang="ru-RU" altLang="en-US" sz="2000" b="0" i="0" u="none" strike="noStrike" cap="none" normalizeH="0" dirty="0">
+                <a:ln>
+                  <a:noFill/>
+                </a:ln>
+                <a:solidFill>
+                  <a:srgbClr val="6A8759"/>
+                </a:solidFill>
+                <a:effectLst/>
+                <a:latin typeface="JetBrains Mono"/>
+              </a:rPr>
+              <a:t> к пакету</a:t>
+            </a:r>
+            <a:r>
+              <a:rPr kumimoji="0" lang="en-US" altLang="en-US" sz="2000" b="0" i="0" u="none" strike="noStrike" cap="none" normalizeH="0" baseline="0" dirty="0">
+                <a:ln>
+                  <a:noFill/>
+                </a:ln>
+                <a:solidFill>
+                  <a:srgbClr val="6A8759"/>
+                </a:solidFill>
+                <a:effectLst/>
+                <a:latin typeface="JetBrains Mono"/>
+              </a:rPr>
+              <a:t>"</a:t>
+            </a:r>
+            <a:r>
+              <a:rPr kumimoji="0" lang="en-US" altLang="en-US" sz="2000" b="0" i="0" u="none" strike="noStrike" cap="none" normalizeH="0" baseline="0" dirty="0">
+                <a:ln>
+                  <a:noFill/>
+                </a:ln>
+                <a:solidFill>
+                  <a:srgbClr val="E8BF6A"/>
+                </a:solidFill>
+                <a:effectLst/>
+                <a:latin typeface="JetBrains Mono"/>
+              </a:rPr>
+              <a:t>/&gt;</a:t>
             </a:r>
             <a:endParaRPr kumimoji="0" lang="en-US" altLang="en-US" sz="2000" b="0" i="0" u="none" strike="noStrike" cap="none" normalizeH="0" baseline="0" dirty="0">
               <a:ln>
@@ -3481,7 +3492,7 @@
     </p:spTree>
     <p:extLst>
       <p:ext uri="{BB962C8B-B14F-4D97-AF65-F5344CB8AC3E}">
-        <p14:creationId xmlns:p14="http://schemas.microsoft.com/office/powerpoint/2010/main" val="4078799245"/>
+        <p14:creationId xmlns:p14="http://schemas.microsoft.com/office/powerpoint/2010/main" val="3004903320"/>
       </p:ext>
     </p:extLst>
   </p:cSld>
@@ -3520,8 +3531,8 @@
         </p:nvSpPr>
         <p:spPr>
           <a:xfrm>
-            <a:off x="838200" y="497305"/>
-            <a:ext cx="10515600" cy="5679658"/>
+            <a:off x="838200" y="545432"/>
+            <a:ext cx="10515600" cy="5631531"/>
           </a:xfrm>
         </p:spPr>
         <p:txBody>
@@ -3529,156 +3540,839 @@
           <a:lstStyle/>
           <a:p>
             <a:r>
-              <a:rPr lang="ru-RU" dirty="0" err="1"/>
-              <a:t>Сравнивните</a:t>
-            </a:r>
-            <a:r>
               <a:rPr lang="ru-RU" dirty="0"/>
-              <a:t> </a:t>
-            </a:r>
-            <a:r>
-              <a:rPr lang="en-US" dirty="0"/>
-              <a:t>XML </a:t>
-            </a:r>
-            <a:r>
-              <a:rPr lang="ru-RU" dirty="0"/>
-              <a:t>файлы с использованием </a:t>
-            </a:r>
-            <a:r>
-              <a:rPr lang="ru-RU" dirty="0" err="1"/>
-              <a:t>автосвязывания</a:t>
-            </a:r>
-            <a:r>
-              <a:rPr lang="ru-RU" dirty="0"/>
-              <a:t> и без.</a:t>
-            </a:r>
-          </a:p>
-          <a:p>
-            <a:r>
-              <a:rPr lang="ru-RU" dirty="0"/>
-              <a:t>Запустите программу с обоими вариантами.</a:t>
-            </a:r>
-          </a:p>
-          <a:p>
-            <a:pPr marL="514350" indent="-514350">
-              <a:buAutoNum type="arabicPeriod"/>
+              <a:t>Сравните:</a:t>
+            </a:r>
+          </a:p>
+          <a:p>
+            <a:endParaRPr lang="en-US" dirty="0"/>
+          </a:p>
+        </p:txBody>
+      </p:sp>
+      <p:sp>
+        <p:nvSpPr>
+          <p:cNvPr id="4" name="Rectangle 1"/>
+          <p:cNvSpPr>
+            <a:spLocks noChangeArrowheads="1"/>
+          </p:cNvSpPr>
+          <p:nvPr/>
+        </p:nvSpPr>
+        <p:spPr bwMode="auto">
+          <a:xfrm>
+            <a:off x="838200" y="2260698"/>
+            <a:ext cx="4093878" cy="3170099"/>
+          </a:xfrm>
+          <a:prstGeom prst="rect">
+            <a:avLst/>
+          </a:prstGeom>
+          <a:solidFill>
+            <a:srgbClr val="2B2B2B"/>
+          </a:solidFill>
+          <a:ln>
+            <a:noFill/>
+          </a:ln>
+          <a:effectLst/>
+          <a:extLst>
+            <a:ext uri="{91240B29-F687-4F45-9708-019B960494DF}">
+              <a14:hiddenLine xmlns:a14="http://schemas.microsoft.com/office/drawing/2010/main" w="9525">
+                <a:solidFill>
+                  <a:schemeClr val="tx1"/>
+                </a:solidFill>
+                <a:miter lim="800000"/>
+                <a:headEnd/>
+                <a:tailEnd/>
+              </a14:hiddenLine>
+            </a:ext>
+            <a:ext uri="{AF507438-7753-43E0-B8FC-AC1667EBCBE1}">
+              <a14:hiddenEffects xmlns:a14="http://schemas.microsoft.com/office/drawing/2010/main">
+                <a:effectLst>
+                  <a:outerShdw dist="35921" dir="2700000" algn="ctr" rotWithShape="0">
+                    <a:schemeClr val="bg2"/>
+                  </a:outerShdw>
+                </a:effectLst>
+              </a14:hiddenEffects>
+            </a:ext>
+          </a:extLst>
+        </p:spPr>
+        <p:txBody>
+          <a:bodyPr vert="horz" wrap="none" lIns="91440" tIns="45720" rIns="91440" bIns="45720" numCol="1" anchor="ctr" anchorCtr="0" compatLnSpc="1">
+            <a:prstTxWarp prst="textNoShape">
+              <a:avLst/>
+            </a:prstTxWarp>
+            <a:spAutoFit/>
+          </a:bodyPr>
+          <a:lstStyle/>
+          <a:p>
+            <a:pPr marL="0" marR="0" lvl="0" indent="0" algn="l" defTabSz="914400" rtl="0" eaLnBrk="0" fontAlgn="base" latinLnBrk="0" hangingPunct="0">
+              <a:lnSpc>
+                <a:spcPct val="100000"/>
+              </a:lnSpc>
+              <a:spcBef>
+                <a:spcPct val="0"/>
+              </a:spcBef>
+              <a:spcAft>
+                <a:spcPct val="0"/>
+              </a:spcAft>
+              <a:buClrTx/>
+              <a:buSzTx/>
+              <a:buFontTx/>
+              <a:buNone/>
+              <a:tabLst/>
             </a:pPr>
             <a:r>
-              <a:rPr lang="ru-RU" dirty="0"/>
-              <a:t>В </a:t>
-            </a:r>
-            <a:r>
-              <a:rPr lang="en-US" dirty="0"/>
-              <a:t>XML </a:t>
-            </a:r>
-            <a:r>
-              <a:rPr lang="ru-RU" dirty="0"/>
-              <a:t>файле с использованием </a:t>
-            </a:r>
-            <a:r>
-              <a:rPr lang="ru-RU" dirty="0" err="1"/>
-              <a:t>автосвязывания</a:t>
-            </a:r>
-            <a:r>
-              <a:rPr lang="ru-RU" dirty="0"/>
-              <a:t> </a:t>
-            </a:r>
-            <a:r>
-              <a:rPr lang="ru-RU" dirty="0" err="1"/>
-              <a:t>расскоментируйте</a:t>
-            </a:r>
-            <a:r>
-              <a:rPr lang="ru-RU" dirty="0"/>
-              <a:t> бин </a:t>
-            </a:r>
-            <a:r>
-              <a:rPr lang="en-US" dirty="0"/>
-              <a:t>animal1 </a:t>
-            </a:r>
-            <a:r>
-              <a:rPr lang="ru-RU" dirty="0"/>
-              <a:t>и оставьте бин </a:t>
-            </a:r>
-            <a:r>
-              <a:rPr lang="en-US" dirty="0"/>
-              <a:t>animal</a:t>
-            </a:r>
-            <a:r>
-              <a:rPr lang="ru-RU" dirty="0"/>
-              <a:t>. Выброситься ошибка. Почему?</a:t>
-            </a:r>
-            <a:endParaRPr lang="en-US" dirty="0"/>
-          </a:p>
-          <a:p>
-            <a:pPr marL="514350" indent="-514350">
-              <a:buAutoNum type="arabicPeriod"/>
+              <a:rPr kumimoji="0" lang="en-US" altLang="en-US" sz="2000" b="0" i="0" u="none" strike="noStrike" cap="none" normalizeH="0" baseline="0" dirty="0">
+                <a:ln>
+                  <a:noFill/>
+                </a:ln>
+                <a:solidFill>
+                  <a:srgbClr val="BBB529"/>
+                </a:solidFill>
+                <a:effectLst/>
+                <a:latin typeface="JetBrains Mono"/>
+              </a:rPr>
+              <a:t>@Component</a:t>
+            </a:r>
+            <a:r>
+              <a:rPr kumimoji="0" lang="en-US" altLang="en-US" sz="2000" b="0" i="0" u="none" strike="noStrike" cap="none" normalizeH="0" baseline="0" dirty="0">
+                <a:ln>
+                  <a:noFill/>
+                </a:ln>
+                <a:solidFill>
+                  <a:srgbClr val="A9B7C6"/>
+                </a:solidFill>
+                <a:effectLst/>
+                <a:latin typeface="JetBrains Mono"/>
+              </a:rPr>
+              <a:t>(</a:t>
+            </a:r>
+            <a:r>
+              <a:rPr kumimoji="0" lang="en-US" altLang="en-US" sz="2000" b="0" i="0" u="none" strike="noStrike" cap="none" normalizeH="0" baseline="0" dirty="0">
+                <a:ln>
+                  <a:noFill/>
+                </a:ln>
+                <a:solidFill>
+                  <a:srgbClr val="6A8759"/>
+                </a:solidFill>
+                <a:effectLst/>
+                <a:latin typeface="JetBrains Mono"/>
+              </a:rPr>
+              <a:t>"cat"</a:t>
+            </a:r>
+            <a:r>
+              <a:rPr kumimoji="0" lang="en-US" altLang="en-US" sz="2000" b="0" i="0" u="none" strike="noStrike" cap="none" normalizeH="0" baseline="0" dirty="0">
+                <a:ln>
+                  <a:noFill/>
+                </a:ln>
+                <a:solidFill>
+                  <a:srgbClr val="A9B7C6"/>
+                </a:solidFill>
+                <a:effectLst/>
+                <a:latin typeface="JetBrains Mono"/>
+              </a:rPr>
+              <a:t>)</a:t>
+            </a:r>
+            <a:br>
+              <a:rPr kumimoji="0" lang="en-US" altLang="en-US" sz="2000" b="0" i="0" u="none" strike="noStrike" cap="none" normalizeH="0" baseline="0" dirty="0">
+                <a:ln>
+                  <a:noFill/>
+                </a:ln>
+                <a:solidFill>
+                  <a:srgbClr val="A9B7C6"/>
+                </a:solidFill>
+                <a:effectLst/>
+                <a:latin typeface="JetBrains Mono"/>
+              </a:rPr>
+            </a:br>
+            <a:r>
+              <a:rPr kumimoji="0" lang="en-US" altLang="en-US" sz="2000" b="0" i="0" u="none" strike="noStrike" cap="none" normalizeH="0" baseline="0" dirty="0">
+                <a:ln>
+                  <a:noFill/>
+                </a:ln>
+                <a:solidFill>
+                  <a:srgbClr val="CC7832"/>
+                </a:solidFill>
+                <a:effectLst/>
+                <a:latin typeface="JetBrains Mono"/>
+              </a:rPr>
+              <a:t>public class </a:t>
+            </a:r>
+            <a:r>
+              <a:rPr kumimoji="0" lang="en-US" altLang="en-US" sz="2000" b="0" i="0" u="none" strike="noStrike" cap="none" normalizeH="0" baseline="0" dirty="0">
+                <a:ln>
+                  <a:noFill/>
+                </a:ln>
+                <a:solidFill>
+                  <a:srgbClr val="A9B7C6"/>
+                </a:solidFill>
+                <a:effectLst/>
+                <a:latin typeface="JetBrains Mono"/>
+              </a:rPr>
+              <a:t>Cat {</a:t>
+            </a:r>
+            <a:br>
+              <a:rPr kumimoji="0" lang="en-US" altLang="en-US" sz="2000" b="0" i="0" u="none" strike="noStrike" cap="none" normalizeH="0" baseline="0" dirty="0">
+                <a:ln>
+                  <a:noFill/>
+                </a:ln>
+                <a:solidFill>
+                  <a:srgbClr val="A9B7C6"/>
+                </a:solidFill>
+                <a:effectLst/>
+                <a:latin typeface="JetBrains Mono"/>
+              </a:rPr>
+            </a:br>
+            <a:r>
+              <a:rPr kumimoji="0" lang="en-US" altLang="en-US" sz="2000" b="0" i="0" u="none" strike="noStrike" cap="none" normalizeH="0" baseline="0" dirty="0">
+                <a:ln>
+                  <a:noFill/>
+                </a:ln>
+                <a:solidFill>
+                  <a:srgbClr val="A9B7C6"/>
+                </a:solidFill>
+                <a:effectLst/>
+                <a:latin typeface="JetBrains Mono"/>
+              </a:rPr>
+              <a:t/>
+            </a:r>
+            <a:br>
+              <a:rPr kumimoji="0" lang="en-US" altLang="en-US" sz="2000" b="0" i="0" u="none" strike="noStrike" cap="none" normalizeH="0" baseline="0" dirty="0">
+                <a:ln>
+                  <a:noFill/>
+                </a:ln>
+                <a:solidFill>
+                  <a:srgbClr val="A9B7C6"/>
+                </a:solidFill>
+                <a:effectLst/>
+                <a:latin typeface="JetBrains Mono"/>
+              </a:rPr>
+            </a:br>
+            <a:r>
+              <a:rPr kumimoji="0" lang="en-US" altLang="en-US" sz="2000" b="0" i="0" u="none" strike="noStrike" cap="none" normalizeH="0" baseline="0" dirty="0">
+                <a:ln>
+                  <a:noFill/>
+                </a:ln>
+                <a:solidFill>
+                  <a:srgbClr val="A9B7C6"/>
+                </a:solidFill>
+                <a:effectLst/>
+                <a:latin typeface="JetBrains Mono"/>
+              </a:rPr>
+              <a:t>    </a:t>
+            </a:r>
+            <a:r>
+              <a:rPr kumimoji="0" lang="en-US" altLang="en-US" sz="2000" b="0" i="0" u="none" strike="noStrike" cap="none" normalizeH="0" baseline="0" dirty="0">
+                <a:ln>
+                  <a:noFill/>
+                </a:ln>
+                <a:solidFill>
+                  <a:srgbClr val="CC7832"/>
+                </a:solidFill>
+                <a:effectLst/>
+                <a:latin typeface="JetBrains Mono"/>
+              </a:rPr>
+              <a:t>private </a:t>
+            </a:r>
+            <a:r>
+              <a:rPr kumimoji="0" lang="en-US" altLang="en-US" sz="2000" b="0" i="0" u="none" strike="noStrike" cap="none" normalizeH="0" baseline="0" dirty="0">
+                <a:ln>
+                  <a:noFill/>
+                </a:ln>
+                <a:solidFill>
+                  <a:srgbClr val="A9B7C6"/>
+                </a:solidFill>
+                <a:effectLst/>
+                <a:latin typeface="JetBrains Mono"/>
+              </a:rPr>
+              <a:t>String </a:t>
+            </a:r>
+            <a:r>
+              <a:rPr kumimoji="0" lang="en-US" altLang="en-US" sz="2000" b="0" i="0" u="none" strike="noStrike" cap="none" normalizeH="0" baseline="0" dirty="0">
+                <a:ln>
+                  <a:noFill/>
+                </a:ln>
+                <a:solidFill>
+                  <a:srgbClr val="9876AA"/>
+                </a:solidFill>
+                <a:effectLst/>
+                <a:latin typeface="JetBrains Mono"/>
+              </a:rPr>
+              <a:t>name</a:t>
+            </a:r>
+            <a:r>
+              <a:rPr kumimoji="0" lang="en-US" altLang="en-US" sz="2000" b="0" i="0" u="none" strike="noStrike" cap="none" normalizeH="0" baseline="0" dirty="0">
+                <a:ln>
+                  <a:noFill/>
+                </a:ln>
+                <a:solidFill>
+                  <a:srgbClr val="CC7832"/>
+                </a:solidFill>
+                <a:effectLst/>
+                <a:latin typeface="JetBrains Mono"/>
+              </a:rPr>
+              <a:t>;</a:t>
+            </a:r>
+            <a:br>
+              <a:rPr kumimoji="0" lang="en-US" altLang="en-US" sz="2000" b="0" i="0" u="none" strike="noStrike" cap="none" normalizeH="0" baseline="0" dirty="0">
+                <a:ln>
+                  <a:noFill/>
+                </a:ln>
+                <a:solidFill>
+                  <a:srgbClr val="CC7832"/>
+                </a:solidFill>
+                <a:effectLst/>
+                <a:latin typeface="JetBrains Mono"/>
+              </a:rPr>
+            </a:br>
+            <a:r>
+              <a:rPr kumimoji="0" lang="en-US" altLang="en-US" sz="2000" b="0" i="0" u="none" strike="noStrike" cap="none" normalizeH="0" baseline="0" dirty="0">
+                <a:ln>
+                  <a:noFill/>
+                </a:ln>
+                <a:solidFill>
+                  <a:srgbClr val="A9B7C6"/>
+                </a:solidFill>
+                <a:effectLst/>
+                <a:latin typeface="JetBrains Mono"/>
+              </a:rPr>
+              <a:t/>
+            </a:r>
+            <a:br>
+              <a:rPr kumimoji="0" lang="en-US" altLang="en-US" sz="2000" b="0" i="0" u="none" strike="noStrike" cap="none" normalizeH="0" baseline="0" dirty="0">
+                <a:ln>
+                  <a:noFill/>
+                </a:ln>
+                <a:solidFill>
+                  <a:srgbClr val="A9B7C6"/>
+                </a:solidFill>
+                <a:effectLst/>
+                <a:latin typeface="JetBrains Mono"/>
+              </a:rPr>
+            </a:br>
+            <a:r>
+              <a:rPr kumimoji="0" lang="en-US" altLang="en-US" sz="2000" b="0" i="0" u="none" strike="noStrike" cap="none" normalizeH="0" baseline="0" dirty="0">
+                <a:ln>
+                  <a:noFill/>
+                </a:ln>
+                <a:solidFill>
+                  <a:srgbClr val="A9B7C6"/>
+                </a:solidFill>
+                <a:effectLst/>
+                <a:latin typeface="JetBrains Mono"/>
+              </a:rPr>
+              <a:t>    </a:t>
+            </a:r>
+            <a:r>
+              <a:rPr kumimoji="0" lang="en-US" altLang="en-US" sz="2000" b="0" i="0" u="none" strike="noStrike" cap="none" normalizeH="0" baseline="0" dirty="0">
+                <a:ln>
+                  <a:noFill/>
+                </a:ln>
+                <a:solidFill>
+                  <a:srgbClr val="BBB529"/>
+                </a:solidFill>
+                <a:effectLst/>
+                <a:latin typeface="JetBrains Mono"/>
+              </a:rPr>
+              <a:t>@Value</a:t>
+            </a:r>
+            <a:r>
+              <a:rPr kumimoji="0" lang="en-US" altLang="en-US" sz="2000" b="0" i="0" u="none" strike="noStrike" cap="none" normalizeH="0" baseline="0" dirty="0">
+                <a:ln>
+                  <a:noFill/>
+                </a:ln>
+                <a:solidFill>
+                  <a:srgbClr val="A9B7C6"/>
+                </a:solidFill>
+                <a:effectLst/>
+                <a:latin typeface="JetBrains Mono"/>
+              </a:rPr>
+              <a:t>(</a:t>
+            </a:r>
+            <a:r>
+              <a:rPr kumimoji="0" lang="en-US" altLang="en-US" sz="2000" b="0" i="0" u="none" strike="noStrike" cap="none" normalizeH="0" baseline="0" dirty="0">
+                <a:ln>
+                  <a:noFill/>
+                </a:ln>
+                <a:solidFill>
+                  <a:srgbClr val="6A8759"/>
+                </a:solidFill>
+                <a:effectLst/>
+                <a:latin typeface="JetBrains Mono"/>
+              </a:rPr>
+              <a:t>"</a:t>
+            </a:r>
+            <a:r>
+              <a:rPr kumimoji="0" lang="en-US" altLang="en-US" sz="2000" b="0" i="0" u="none" strike="noStrike" cap="none" normalizeH="0" baseline="0" dirty="0" err="1">
+                <a:ln>
+                  <a:noFill/>
+                </a:ln>
+                <a:solidFill>
+                  <a:srgbClr val="6A8759"/>
+                </a:solidFill>
+                <a:effectLst/>
+                <a:latin typeface="JetBrains Mono"/>
+              </a:rPr>
+              <a:t>Barsik</a:t>
+            </a:r>
+            <a:r>
+              <a:rPr kumimoji="0" lang="en-US" altLang="en-US" sz="2000" b="0" i="0" u="none" strike="noStrike" cap="none" normalizeH="0" baseline="0" dirty="0">
+                <a:ln>
+                  <a:noFill/>
+                </a:ln>
+                <a:solidFill>
+                  <a:srgbClr val="6A8759"/>
+                </a:solidFill>
+                <a:effectLst/>
+                <a:latin typeface="JetBrains Mono"/>
+              </a:rPr>
+              <a:t>"</a:t>
+            </a:r>
+            <a:r>
+              <a:rPr kumimoji="0" lang="en-US" altLang="en-US" sz="2000" b="0" i="0" u="none" strike="noStrike" cap="none" normalizeH="0" baseline="0" dirty="0">
+                <a:ln>
+                  <a:noFill/>
+                </a:ln>
+                <a:solidFill>
+                  <a:srgbClr val="A9B7C6"/>
+                </a:solidFill>
+                <a:effectLst/>
+                <a:latin typeface="JetBrains Mono"/>
+              </a:rPr>
+              <a:t>)</a:t>
+            </a:r>
+            <a:br>
+              <a:rPr kumimoji="0" lang="en-US" altLang="en-US" sz="2000" b="0" i="0" u="none" strike="noStrike" cap="none" normalizeH="0" baseline="0" dirty="0">
+                <a:ln>
+                  <a:noFill/>
+                </a:ln>
+                <a:solidFill>
+                  <a:srgbClr val="A9B7C6"/>
+                </a:solidFill>
+                <a:effectLst/>
+                <a:latin typeface="JetBrains Mono"/>
+              </a:rPr>
+            </a:br>
+            <a:r>
+              <a:rPr kumimoji="0" lang="en-US" altLang="en-US" sz="2000" b="0" i="0" u="none" strike="noStrike" cap="none" normalizeH="0" baseline="0" dirty="0">
+                <a:ln>
+                  <a:noFill/>
+                </a:ln>
+                <a:solidFill>
+                  <a:srgbClr val="A9B7C6"/>
+                </a:solidFill>
+                <a:effectLst/>
+                <a:latin typeface="JetBrains Mono"/>
+              </a:rPr>
+              <a:t>    </a:t>
+            </a:r>
+            <a:r>
+              <a:rPr kumimoji="0" lang="en-US" altLang="en-US" sz="2000" b="0" i="0" u="none" strike="noStrike" cap="none" normalizeH="0" baseline="0" dirty="0">
+                <a:ln>
+                  <a:noFill/>
+                </a:ln>
+                <a:solidFill>
+                  <a:srgbClr val="CC7832"/>
+                </a:solidFill>
+                <a:effectLst/>
+                <a:latin typeface="JetBrains Mono"/>
+              </a:rPr>
+              <a:t>public void </a:t>
+            </a:r>
+            <a:r>
+              <a:rPr kumimoji="0" lang="en-US" altLang="en-US" sz="2000" b="0" i="0" u="none" strike="noStrike" cap="none" normalizeH="0" baseline="0" dirty="0" err="1">
+                <a:ln>
+                  <a:noFill/>
+                </a:ln>
+                <a:solidFill>
+                  <a:srgbClr val="FFC66D"/>
+                </a:solidFill>
+                <a:effectLst/>
+                <a:latin typeface="JetBrains Mono"/>
+              </a:rPr>
+              <a:t>setName</a:t>
+            </a:r>
+            <a:r>
+              <a:rPr kumimoji="0" lang="en-US" altLang="en-US" sz="2000" b="0" i="0" u="none" strike="noStrike" cap="none" normalizeH="0" baseline="0" dirty="0">
+                <a:ln>
+                  <a:noFill/>
+                </a:ln>
+                <a:solidFill>
+                  <a:srgbClr val="A9B7C6"/>
+                </a:solidFill>
+                <a:effectLst/>
+                <a:latin typeface="JetBrains Mono"/>
+              </a:rPr>
+              <a:t>(String name) {</a:t>
+            </a:r>
+            <a:br>
+              <a:rPr kumimoji="0" lang="en-US" altLang="en-US" sz="2000" b="0" i="0" u="none" strike="noStrike" cap="none" normalizeH="0" baseline="0" dirty="0">
+                <a:ln>
+                  <a:noFill/>
+                </a:ln>
+                <a:solidFill>
+                  <a:srgbClr val="A9B7C6"/>
+                </a:solidFill>
+                <a:effectLst/>
+                <a:latin typeface="JetBrains Mono"/>
+              </a:rPr>
+            </a:br>
+            <a:r>
+              <a:rPr kumimoji="0" lang="en-US" altLang="en-US" sz="2000" b="0" i="0" u="none" strike="noStrike" cap="none" normalizeH="0" baseline="0" dirty="0">
+                <a:ln>
+                  <a:noFill/>
+                </a:ln>
+                <a:solidFill>
+                  <a:srgbClr val="A9B7C6"/>
+                </a:solidFill>
+                <a:effectLst/>
+                <a:latin typeface="JetBrains Mono"/>
+              </a:rPr>
+              <a:t>        </a:t>
+            </a:r>
+            <a:r>
+              <a:rPr kumimoji="0" lang="en-US" altLang="en-US" sz="2000" b="0" i="0" u="none" strike="noStrike" cap="none" normalizeH="0" baseline="0" dirty="0">
+                <a:ln>
+                  <a:noFill/>
+                </a:ln>
+                <a:solidFill>
+                  <a:srgbClr val="CC7832"/>
+                </a:solidFill>
+                <a:effectLst/>
+                <a:latin typeface="JetBrains Mono"/>
+              </a:rPr>
+              <a:t>this</a:t>
+            </a:r>
+            <a:r>
+              <a:rPr kumimoji="0" lang="en-US" altLang="en-US" sz="2000" b="0" i="0" u="none" strike="noStrike" cap="none" normalizeH="0" baseline="0" dirty="0">
+                <a:ln>
+                  <a:noFill/>
+                </a:ln>
+                <a:solidFill>
+                  <a:srgbClr val="A9B7C6"/>
+                </a:solidFill>
+                <a:effectLst/>
+                <a:latin typeface="JetBrains Mono"/>
+              </a:rPr>
+              <a:t>.</a:t>
+            </a:r>
+            <a:r>
+              <a:rPr kumimoji="0" lang="en-US" altLang="en-US" sz="2000" b="0" i="0" u="none" strike="noStrike" cap="none" normalizeH="0" baseline="0" dirty="0">
+                <a:ln>
+                  <a:noFill/>
+                </a:ln>
+                <a:solidFill>
+                  <a:srgbClr val="9876AA"/>
+                </a:solidFill>
+                <a:effectLst/>
+                <a:latin typeface="JetBrains Mono"/>
+              </a:rPr>
+              <a:t>name </a:t>
+            </a:r>
+            <a:r>
+              <a:rPr kumimoji="0" lang="en-US" altLang="en-US" sz="2000" b="0" i="0" u="none" strike="noStrike" cap="none" normalizeH="0" baseline="0" dirty="0">
+                <a:ln>
+                  <a:noFill/>
+                </a:ln>
+                <a:solidFill>
+                  <a:srgbClr val="A9B7C6"/>
+                </a:solidFill>
+                <a:effectLst/>
+                <a:latin typeface="JetBrains Mono"/>
+              </a:rPr>
+              <a:t>= name</a:t>
+            </a:r>
+            <a:r>
+              <a:rPr kumimoji="0" lang="en-US" altLang="en-US" sz="2000" b="0" i="0" u="none" strike="noStrike" cap="none" normalizeH="0" baseline="0" dirty="0">
+                <a:ln>
+                  <a:noFill/>
+                </a:ln>
+                <a:solidFill>
+                  <a:srgbClr val="CC7832"/>
+                </a:solidFill>
+                <a:effectLst/>
+                <a:latin typeface="JetBrains Mono"/>
+              </a:rPr>
+              <a:t>;</a:t>
+            </a:r>
+            <a:br>
+              <a:rPr kumimoji="0" lang="en-US" altLang="en-US" sz="2000" b="0" i="0" u="none" strike="noStrike" cap="none" normalizeH="0" baseline="0" dirty="0">
+                <a:ln>
+                  <a:noFill/>
+                </a:ln>
+                <a:solidFill>
+                  <a:srgbClr val="CC7832"/>
+                </a:solidFill>
+                <a:effectLst/>
+                <a:latin typeface="JetBrains Mono"/>
+              </a:rPr>
+            </a:br>
+            <a:r>
+              <a:rPr kumimoji="0" lang="en-US" altLang="en-US" sz="2000" b="0" i="0" u="none" strike="noStrike" cap="none" normalizeH="0" baseline="0" dirty="0">
+                <a:ln>
+                  <a:noFill/>
+                </a:ln>
+                <a:solidFill>
+                  <a:srgbClr val="CC7832"/>
+                </a:solidFill>
+                <a:effectLst/>
+                <a:latin typeface="JetBrains Mono"/>
+              </a:rPr>
+              <a:t>    </a:t>
+            </a:r>
+            <a:r>
+              <a:rPr kumimoji="0" lang="en-US" altLang="en-US" sz="2000" b="0" i="0" u="none" strike="noStrike" cap="none" normalizeH="0" baseline="0" dirty="0">
+                <a:ln>
+                  <a:noFill/>
+                </a:ln>
+                <a:solidFill>
+                  <a:srgbClr val="A9B7C6"/>
+                </a:solidFill>
+                <a:effectLst/>
+                <a:latin typeface="JetBrains Mono"/>
+              </a:rPr>
+              <a:t>}</a:t>
+            </a:r>
+            <a:br>
+              <a:rPr kumimoji="0" lang="en-US" altLang="en-US" sz="2000" b="0" i="0" u="none" strike="noStrike" cap="none" normalizeH="0" baseline="0" dirty="0">
+                <a:ln>
+                  <a:noFill/>
+                </a:ln>
+                <a:solidFill>
+                  <a:srgbClr val="A9B7C6"/>
+                </a:solidFill>
+                <a:effectLst/>
+                <a:latin typeface="JetBrains Mono"/>
+              </a:rPr>
+            </a:br>
+            <a:r>
+              <a:rPr kumimoji="0" lang="en-US" altLang="en-US" sz="2000" b="0" i="0" u="none" strike="noStrike" cap="none" normalizeH="0" baseline="0" dirty="0">
+                <a:ln>
+                  <a:noFill/>
+                </a:ln>
+                <a:solidFill>
+                  <a:srgbClr val="A9B7C6"/>
+                </a:solidFill>
+                <a:effectLst/>
+                <a:latin typeface="JetBrains Mono"/>
+              </a:rPr>
+              <a:t>}</a:t>
+            </a:r>
+            <a:endParaRPr kumimoji="0" lang="en-US" altLang="en-US" sz="2000" b="0" i="0" u="none" strike="noStrike" cap="none" normalizeH="0" baseline="0" dirty="0">
+              <a:ln>
+                <a:noFill/>
+              </a:ln>
+              <a:solidFill>
+                <a:schemeClr val="tx1"/>
+              </a:solidFill>
+              <a:effectLst/>
+              <a:latin typeface="Arial" panose="020B0604020202020204" pitchFamily="34" charset="0"/>
+            </a:endParaRPr>
+          </a:p>
+        </p:txBody>
+      </p:sp>
+      <p:sp>
+        <p:nvSpPr>
+          <p:cNvPr id="5" name="Rectangle 2"/>
+          <p:cNvSpPr>
+            <a:spLocks noChangeArrowheads="1"/>
+          </p:cNvSpPr>
+          <p:nvPr/>
+        </p:nvSpPr>
+        <p:spPr bwMode="auto">
+          <a:xfrm>
+            <a:off x="5705476" y="1337369"/>
+            <a:ext cx="5648324" cy="1015663"/>
+          </a:xfrm>
+          <a:prstGeom prst="rect">
+            <a:avLst/>
+          </a:prstGeom>
+          <a:solidFill>
+            <a:srgbClr val="2B2B2B"/>
+          </a:solidFill>
+          <a:ln>
+            <a:noFill/>
+          </a:ln>
+          <a:effectLst/>
+          <a:extLst>
+            <a:ext uri="{91240B29-F687-4F45-9708-019B960494DF}">
+              <a14:hiddenLine xmlns:a14="http://schemas.microsoft.com/office/drawing/2010/main" w="9525">
+                <a:solidFill>
+                  <a:schemeClr val="tx1"/>
+                </a:solidFill>
+                <a:miter lim="800000"/>
+                <a:headEnd/>
+                <a:tailEnd/>
+              </a14:hiddenLine>
+            </a:ext>
+            <a:ext uri="{AF507438-7753-43E0-B8FC-AC1667EBCBE1}">
+              <a14:hiddenEffects xmlns:a14="http://schemas.microsoft.com/office/drawing/2010/main">
+                <a:effectLst>
+                  <a:outerShdw dist="35921" dir="2700000" algn="ctr" rotWithShape="0">
+                    <a:schemeClr val="bg2"/>
+                  </a:outerShdw>
+                </a:effectLst>
+              </a14:hiddenEffects>
+            </a:ext>
+          </a:extLst>
+        </p:spPr>
+        <p:txBody>
+          <a:bodyPr vert="horz" wrap="square" lIns="91440" tIns="45720" rIns="91440" bIns="45720" numCol="1" anchor="ctr" anchorCtr="0" compatLnSpc="1">
+            <a:prstTxWarp prst="textNoShape">
+              <a:avLst/>
+            </a:prstTxWarp>
+            <a:spAutoFit/>
+          </a:bodyPr>
+          <a:lstStyle/>
+          <a:p>
+            <a:pPr marL="0" marR="0" lvl="0" indent="0" algn="l" defTabSz="914400" rtl="0" eaLnBrk="0" fontAlgn="base" latinLnBrk="0" hangingPunct="0">
+              <a:lnSpc>
+                <a:spcPct val="100000"/>
+              </a:lnSpc>
+              <a:spcBef>
+                <a:spcPct val="0"/>
+              </a:spcBef>
+              <a:spcAft>
+                <a:spcPct val="0"/>
+              </a:spcAft>
+              <a:buClrTx/>
+              <a:buSzTx/>
+              <a:buFontTx/>
+              <a:buNone/>
+              <a:tabLst/>
             </a:pPr>
             <a:r>
-              <a:rPr lang="ru-RU" dirty="0"/>
-              <a:t>Если </a:t>
-            </a:r>
-            <a:r>
-              <a:rPr lang="ru-RU" dirty="0" err="1"/>
-              <a:t>раскомментить</a:t>
-            </a:r>
-            <a:r>
-              <a:rPr lang="ru-RU" dirty="0"/>
-              <a:t> этот бин </a:t>
-            </a:r>
-            <a:r>
-              <a:rPr lang="en-US" dirty="0"/>
-              <a:t>aminal1</a:t>
-            </a:r>
-            <a:r>
-              <a:rPr lang="ru-RU" dirty="0"/>
-              <a:t> и </a:t>
-            </a:r>
-            <a:r>
-              <a:rPr lang="ru-RU" dirty="0" err="1"/>
-              <a:t>закомментить</a:t>
-            </a:r>
-            <a:r>
-              <a:rPr lang="ru-RU" dirty="0"/>
-              <a:t> </a:t>
-            </a:r>
-            <a:r>
-              <a:rPr lang="ru-RU" dirty="0" err="1"/>
-              <a:t>animal</a:t>
-            </a:r>
-            <a:r>
-              <a:rPr lang="ru-RU" dirty="0"/>
-              <a:t> бин, то </a:t>
-            </a:r>
-            <a:r>
-              <a:rPr lang="ru-RU" dirty="0" err="1"/>
-              <a:t>автосвязывания</a:t>
-            </a:r>
-            <a:r>
-              <a:rPr lang="ru-RU" dirty="0"/>
-              <a:t> </a:t>
-            </a:r>
-            <a:r>
-              <a:rPr lang="ru-RU" dirty="0" err="1"/>
-              <a:t>byName</a:t>
-            </a:r>
-            <a:r>
-              <a:rPr lang="ru-RU" dirty="0"/>
-              <a:t> не произойдёт. Почему?</a:t>
-            </a:r>
-            <a:endParaRPr lang="en-US" dirty="0"/>
-          </a:p>
-          <a:p>
-            <a:pPr marL="0" indent="0">
-              <a:buNone/>
-            </a:pPr>
-            <a:endParaRPr lang="en-US" dirty="0"/>
+              <a:rPr kumimoji="0" lang="en-US" altLang="en-US" sz="2000" b="0" i="0" u="none" strike="noStrike" cap="none" normalizeH="0" baseline="0" dirty="0">
+                <a:ln>
+                  <a:noFill/>
+                </a:ln>
+                <a:solidFill>
+                  <a:srgbClr val="E8BF6A"/>
+                </a:solidFill>
+                <a:effectLst/>
+                <a:latin typeface="JetBrains Mono"/>
+              </a:rPr>
+              <a:t>&lt;bean </a:t>
+            </a:r>
+            <a:r>
+              <a:rPr kumimoji="0" lang="en-US" altLang="en-US" sz="2000" b="0" i="0" u="none" strike="noStrike" cap="none" normalizeH="0" baseline="0" dirty="0">
+                <a:ln>
+                  <a:noFill/>
+                </a:ln>
+                <a:solidFill>
+                  <a:srgbClr val="BABABA"/>
+                </a:solidFill>
+                <a:effectLst/>
+                <a:latin typeface="JetBrains Mono"/>
+              </a:rPr>
+              <a:t>name</a:t>
+            </a:r>
+            <a:r>
+              <a:rPr kumimoji="0" lang="en-US" altLang="en-US" sz="2000" b="0" i="0" u="none" strike="noStrike" cap="none" normalizeH="0" baseline="0" dirty="0">
+                <a:ln>
+                  <a:noFill/>
+                </a:ln>
+                <a:solidFill>
+                  <a:srgbClr val="6A8759"/>
+                </a:solidFill>
+                <a:effectLst/>
+                <a:latin typeface="JetBrains Mono"/>
+              </a:rPr>
+              <a:t>="cat" </a:t>
+            </a:r>
+            <a:r>
+              <a:rPr kumimoji="0" lang="en-US" altLang="en-US" sz="2000" b="0" i="0" u="none" strike="noStrike" cap="none" normalizeH="0" baseline="0" dirty="0">
+                <a:ln>
+                  <a:noFill/>
+                </a:ln>
+                <a:solidFill>
+                  <a:srgbClr val="BABABA"/>
+                </a:solidFill>
+                <a:effectLst/>
+                <a:latin typeface="JetBrains Mono"/>
+              </a:rPr>
+              <a:t>class</a:t>
+            </a:r>
+            <a:r>
+              <a:rPr kumimoji="0" lang="en-US" altLang="en-US" sz="2000" b="0" i="0" u="none" strike="noStrike" cap="none" normalizeH="0" baseline="0" dirty="0">
+                <a:ln>
+                  <a:noFill/>
+                </a:ln>
+                <a:solidFill>
+                  <a:srgbClr val="6A8759"/>
+                </a:solidFill>
+                <a:effectLst/>
+                <a:latin typeface="JetBrains Mono"/>
+              </a:rPr>
+              <a:t>="com.volkov.IoC.example20.Cat" </a:t>
+            </a:r>
+            <a:r>
+              <a:rPr kumimoji="0" lang="en-US" altLang="en-US" sz="2000" b="0" i="0" u="none" strike="noStrike" cap="none" normalizeH="0" baseline="0" dirty="0">
+                <a:ln>
+                  <a:noFill/>
+                </a:ln>
+                <a:solidFill>
+                  <a:srgbClr val="9876AA"/>
+                </a:solidFill>
+                <a:effectLst/>
+                <a:latin typeface="JetBrains Mono"/>
+              </a:rPr>
+              <a:t>p</a:t>
+            </a:r>
+            <a:r>
+              <a:rPr kumimoji="0" lang="en-US" altLang="en-US" sz="2000" b="0" i="0" u="none" strike="noStrike" cap="none" normalizeH="0" baseline="0" dirty="0">
+                <a:ln>
+                  <a:noFill/>
+                </a:ln>
+                <a:solidFill>
+                  <a:srgbClr val="BABABA"/>
+                </a:solidFill>
+                <a:effectLst/>
+                <a:latin typeface="JetBrains Mono"/>
+              </a:rPr>
+              <a:t>:name</a:t>
+            </a:r>
+            <a:r>
+              <a:rPr kumimoji="0" lang="en-US" altLang="en-US" sz="2000" b="0" i="0" u="none" strike="noStrike" cap="none" normalizeH="0" baseline="0" dirty="0">
+                <a:ln>
+                  <a:noFill/>
+                </a:ln>
+                <a:solidFill>
+                  <a:srgbClr val="6A8759"/>
+                </a:solidFill>
+                <a:effectLst/>
+                <a:latin typeface="JetBrains Mono"/>
+              </a:rPr>
+              <a:t>="Barsik"</a:t>
+            </a:r>
+            <a:r>
+              <a:rPr kumimoji="0" lang="en-US" altLang="en-US" sz="2000" b="0" i="0" u="none" strike="noStrike" cap="none" normalizeH="0" baseline="0" dirty="0">
+                <a:ln>
+                  <a:noFill/>
+                </a:ln>
+                <a:solidFill>
+                  <a:srgbClr val="E8BF6A"/>
+                </a:solidFill>
+                <a:effectLst/>
+                <a:latin typeface="JetBrains Mono"/>
+              </a:rPr>
+              <a:t>/&gt;</a:t>
+            </a:r>
+            <a:endParaRPr kumimoji="0" lang="en-US" altLang="en-US" sz="2000" b="0" i="0" u="none" strike="noStrike" cap="none" normalizeH="0" baseline="0" dirty="0">
+              <a:ln>
+                <a:noFill/>
+              </a:ln>
+              <a:solidFill>
+                <a:schemeClr val="tx1"/>
+              </a:solidFill>
+              <a:effectLst/>
+              <a:latin typeface="Arial" panose="020B0604020202020204" pitchFamily="34" charset="0"/>
+            </a:endParaRPr>
           </a:p>
         </p:txBody>
       </p:sp>
     </p:spTree>
     <p:extLst>
       <p:ext uri="{BB962C8B-B14F-4D97-AF65-F5344CB8AC3E}">
-        <p14:creationId xmlns:p14="http://schemas.microsoft.com/office/powerpoint/2010/main" val="2043830166"/>
+        <p14:creationId xmlns:p14="http://schemas.microsoft.com/office/powerpoint/2010/main" val="1720126933"/>
       </p:ext>
     </p:extLst>
   </p:cSld>
@@ -3707,233 +4401,7 @@
       </p:grpSpPr>
       <p:sp>
         <p:nvSpPr>
-          <p:cNvPr id="3" name="Content Placeholder 2"/>
-          <p:cNvSpPr>
-            <a:spLocks noGrp="1"/>
-          </p:cNvSpPr>
-          <p:nvPr>
-            <p:ph idx="1"/>
-          </p:nvPr>
-        </p:nvSpPr>
-        <p:spPr>
-          <a:xfrm>
-            <a:off x="838200" y="513347"/>
-            <a:ext cx="10515600" cy="5663616"/>
-          </a:xfrm>
-        </p:spPr>
-        <p:txBody>
-          <a:bodyPr/>
-          <a:lstStyle/>
-          <a:p>
-            <a:pPr marL="514350" indent="-514350">
-              <a:buAutoNum type="arabicPeriod"/>
-            </a:pPr>
-            <a:r>
-              <a:rPr lang="ru-RU" dirty="0"/>
-              <a:t>Оба </a:t>
-            </a:r>
-            <a:r>
-              <a:rPr lang="ru-RU" dirty="0" err="1"/>
-              <a:t>бина</a:t>
-            </a:r>
-            <a:r>
-              <a:rPr lang="ru-RU" dirty="0"/>
-              <a:t> одного типа С</a:t>
-            </a:r>
-            <a:r>
-              <a:rPr lang="en-US" dirty="0"/>
-              <a:t>at, </a:t>
-            </a:r>
-            <a:r>
-              <a:rPr lang="ru-RU" dirty="0"/>
-              <a:t>поэтому </a:t>
-            </a:r>
-            <a:r>
-              <a:rPr lang="ru-RU" dirty="0" err="1"/>
-              <a:t>автосвязывание</a:t>
-            </a:r>
-            <a:r>
-              <a:rPr lang="ru-RU" dirty="0"/>
-              <a:t> по типу невозможно.</a:t>
-            </a:r>
-            <a:endParaRPr lang="en-US" dirty="0"/>
-          </a:p>
-          <a:p>
-            <a:pPr marL="514350" indent="-514350">
-              <a:buAutoNum type="arabicPeriod"/>
-            </a:pPr>
-            <a:r>
-              <a:rPr lang="ru-RU" dirty="0"/>
-              <a:t>Имена «</a:t>
-            </a:r>
-            <a:r>
-              <a:rPr lang="en-US" dirty="0"/>
-              <a:t>animal1</a:t>
-            </a:r>
-            <a:r>
-              <a:rPr lang="ru-RU" dirty="0"/>
-              <a:t>»</a:t>
-            </a:r>
-            <a:r>
-              <a:rPr lang="en-US" dirty="0"/>
-              <a:t> (</a:t>
-            </a:r>
-            <a:r>
-              <a:rPr lang="ru-RU" dirty="0" err="1"/>
-              <a:t>бина</a:t>
-            </a:r>
-            <a:r>
-              <a:rPr lang="ru-RU" dirty="0"/>
-              <a:t> класса </a:t>
-            </a:r>
-            <a:r>
-              <a:rPr lang="en-US" dirty="0"/>
-              <a:t>Cat) </a:t>
-            </a:r>
-            <a:r>
-              <a:rPr lang="ru-RU" dirty="0"/>
-              <a:t>и зависимости </a:t>
-            </a:r>
-            <a:r>
-              <a:rPr lang="ru-RU" dirty="0" err="1"/>
-              <a:t>бина</a:t>
-            </a:r>
-            <a:r>
-              <a:rPr lang="ru-RU" dirty="0"/>
-              <a:t> </a:t>
-            </a:r>
-            <a:r>
-              <a:rPr lang="en-US" dirty="0" err="1"/>
-              <a:t>animalShelter</a:t>
-            </a:r>
-            <a:r>
-              <a:rPr lang="ru-RU" dirty="0"/>
-              <a:t> «</a:t>
-            </a:r>
-            <a:r>
-              <a:rPr lang="en-US" dirty="0"/>
-              <a:t>animal</a:t>
-            </a:r>
-            <a:r>
-              <a:rPr lang="ru-RU" dirty="0"/>
-              <a:t>»</a:t>
-            </a:r>
-            <a:r>
-              <a:rPr lang="en-US" dirty="0"/>
-              <a:t> </a:t>
-            </a:r>
-            <a:r>
-              <a:rPr lang="ru-RU" dirty="0"/>
-              <a:t> - разные, поэтому связывания не произойдёт</a:t>
-            </a:r>
-            <a:r>
-              <a:rPr lang="ru-RU" dirty="0" smtClean="0"/>
-              <a:t>.</a:t>
-            </a:r>
-            <a:r>
-              <a:rPr lang="en-US" dirty="0" smtClean="0"/>
-              <a:t> </a:t>
-            </a:r>
-          </a:p>
-          <a:p>
-            <a:pPr marL="514350" indent="-514350">
-              <a:buAutoNum type="arabicPeriod"/>
-            </a:pPr>
-            <a:endParaRPr lang="en-US" dirty="0"/>
-          </a:p>
-          <a:p>
-            <a:pPr marL="514350" indent="-514350">
-              <a:buAutoNum type="arabicPeriod"/>
-            </a:pPr>
-            <a:endParaRPr lang="en-US" dirty="0" smtClean="0"/>
-          </a:p>
-          <a:p>
-            <a:pPr marL="514350" indent="-514350">
-              <a:buAutoNum type="arabicPeriod"/>
-            </a:pPr>
-            <a:endParaRPr lang="en-US" dirty="0"/>
-          </a:p>
-          <a:p>
-            <a:pPr marL="0" indent="0">
-              <a:buNone/>
-            </a:pPr>
-            <a:r>
-              <a:rPr lang="ru-RU" dirty="0" smtClean="0"/>
-              <a:t>При создании</a:t>
-            </a:r>
-            <a:r>
-              <a:rPr lang="ru-RU" dirty="0"/>
-              <a:t> </a:t>
-            </a:r>
-            <a:r>
-              <a:rPr lang="ru-RU" dirty="0" smtClean="0"/>
-              <a:t>класса</a:t>
-            </a:r>
-            <a:r>
-              <a:rPr lang="en-CA" dirty="0" smtClean="0"/>
-              <a:t> </a:t>
-            </a:r>
-            <a:r>
-              <a:rPr lang="en-CA" dirty="0" err="1"/>
-              <a:t>petPerson</a:t>
-            </a:r>
-            <a:r>
-              <a:rPr lang="ru-RU" dirty="0"/>
-              <a:t>, </a:t>
-            </a:r>
-            <a:r>
-              <a:rPr lang="ru-RU" dirty="0" smtClean="0"/>
-              <a:t>контейнер «смотрит» </a:t>
-            </a:r>
-            <a:r>
-              <a:rPr lang="ru-RU" dirty="0"/>
-              <a:t>на </a:t>
-            </a:r>
-            <a:r>
-              <a:rPr lang="ru-RU" dirty="0" smtClean="0"/>
-              <a:t>класс(тип) поля (в нашем случае </a:t>
-            </a:r>
-            <a:r>
-              <a:rPr lang="en-CA" dirty="0" smtClean="0"/>
-              <a:t>Animal</a:t>
-            </a:r>
-            <a:r>
-              <a:rPr lang="ru-RU" dirty="0"/>
-              <a:t>)</a:t>
-            </a:r>
-            <a:r>
-              <a:rPr lang="ru-RU" dirty="0" smtClean="0"/>
-              <a:t>, </a:t>
-            </a:r>
-            <a:r>
-              <a:rPr lang="ru-RU" dirty="0"/>
-              <a:t>находит </a:t>
-            </a:r>
-            <a:r>
-              <a:rPr lang="en-CA" dirty="0"/>
-              <a:t>animal </a:t>
-            </a:r>
-            <a:r>
-              <a:rPr lang="ru-RU" dirty="0"/>
-              <a:t>бин, и подставляет его по </a:t>
-            </a:r>
-            <a:r>
-              <a:rPr lang="ru-RU" dirty="0" smtClean="0"/>
-              <a:t>имени.</a:t>
-            </a:r>
-            <a:endParaRPr lang="ru-RU" dirty="0"/>
-          </a:p>
-          <a:p>
-            <a:pPr marL="514350" indent="-514350">
-              <a:buAutoNum type="arabicPeriod"/>
-            </a:pPr>
-            <a:endParaRPr lang="en-US" dirty="0"/>
-          </a:p>
-        </p:txBody>
-      </p:sp>
-      <p:sp>
-        <p:nvSpPr>
-          <p:cNvPr id="2" name="Rectangle 1"/>
+          <p:cNvPr id="4" name="Rectangle 1"/>
           <p:cNvSpPr>
             <a:spLocks noChangeArrowheads="1"/>
           </p:cNvSpPr>
@@ -3941,8 +4409,8 @@
         </p:nvSpPr>
         <p:spPr bwMode="auto">
           <a:xfrm>
-            <a:off x="1247775" y="2991212"/>
-            <a:ext cx="2935419" cy="707886"/>
+            <a:off x="6457951" y="530378"/>
+            <a:ext cx="5314950" cy="1015663"/>
           </a:xfrm>
           <a:prstGeom prst="rect">
             <a:avLst/>
@@ -3977,7 +4445,7 @@
           </a:extLst>
         </p:spPr>
         <p:txBody>
-          <a:bodyPr vert="horz" wrap="none" lIns="91440" tIns="45720" rIns="91440" bIns="45720" numCol="1" anchor="ctr" anchorCtr="0" compatLnSpc="1">
+          <a:bodyPr vert="horz" wrap="square" lIns="91440" tIns="45720" rIns="91440" bIns="45720" numCol="1" anchor="ctr" anchorCtr="0" compatLnSpc="1">
             <a:prstTxWarp prst="textNoShape">
               <a:avLst/>
             </a:prstTxWarp>
@@ -4002,71 +4470,72 @@
               <a:tabLst/>
             </a:pPr>
             <a:r>
-              <a:rPr kumimoji="0" lang="en-US" altLang="en-US" sz="2000" b="0" i="0" u="none" strike="noStrike" cap="none" normalizeH="0" baseline="0" dirty="0" smtClean="0">
-                <a:ln>
-                  <a:noFill/>
-                </a:ln>
-                <a:solidFill>
-                  <a:srgbClr val="CC7832"/>
-                </a:solidFill>
-                <a:effectLst/>
-                <a:latin typeface="JetBrains Mono"/>
-              </a:rPr>
-              <a:t>public class </a:t>
-            </a:r>
-            <a:r>
-              <a:rPr kumimoji="0" lang="en-US" altLang="en-US" sz="2000" b="0" i="0" u="none" strike="noStrike" cap="none" normalizeH="0" baseline="0" dirty="0" err="1" smtClean="0">
-                <a:ln>
-                  <a:noFill/>
-                </a:ln>
-                <a:solidFill>
-                  <a:srgbClr val="A9B7C6"/>
-                </a:solidFill>
-                <a:effectLst/>
-                <a:latin typeface="JetBrains Mono"/>
-              </a:rPr>
-              <a:t>PetPerson</a:t>
-            </a:r>
-            <a:r>
-              <a:rPr kumimoji="0" lang="en-US" altLang="en-US" sz="2000" b="0" i="0" u="none" strike="noStrike" cap="none" normalizeH="0" baseline="0" dirty="0" smtClean="0">
-                <a:ln>
-                  <a:noFill/>
-                </a:ln>
-                <a:solidFill>
-                  <a:srgbClr val="A9B7C6"/>
-                </a:solidFill>
-                <a:effectLst/>
-                <a:latin typeface="JetBrains Mono"/>
-              </a:rPr>
-              <a:t> {</a:t>
-            </a:r>
-            <a:br>
-              <a:rPr kumimoji="0" lang="en-US" altLang="en-US" sz="2000" b="0" i="0" u="none" strike="noStrike" cap="none" normalizeH="0" baseline="0" dirty="0" smtClean="0">
-                <a:ln>
-                  <a:noFill/>
-                </a:ln>
-                <a:solidFill>
-                  <a:srgbClr val="A9B7C6"/>
-                </a:solidFill>
-                <a:effectLst/>
-                <a:latin typeface="JetBrains Mono"/>
-              </a:rPr>
-            </a:br>
-            <a:r>
-              <a:rPr kumimoji="0" lang="en-US" altLang="en-US" sz="2000" b="0" i="0" u="none" strike="noStrike" cap="none" normalizeH="0" baseline="0" dirty="0" smtClean="0">
-                <a:ln>
-                  <a:noFill/>
-                </a:ln>
-                <a:solidFill>
-                  <a:srgbClr val="A9B7C6"/>
-                </a:solidFill>
-                <a:effectLst/>
-                <a:latin typeface="JetBrains Mono"/>
-              </a:rPr>
-              <a:t>    Animal </a:t>
-            </a:r>
-            <a:r>
-              <a:rPr kumimoji="0" lang="en-US" altLang="en-US" sz="2000" b="0" i="0" u="none" strike="noStrike" cap="none" normalizeH="0" baseline="0" dirty="0" err="1" smtClean="0">
+              <a:rPr kumimoji="0" lang="en-US" altLang="en-US" sz="2000" b="0" i="0" u="none" strike="noStrike" cap="none" normalizeH="0" baseline="0" dirty="0">
+                <a:ln>
+                  <a:noFill/>
+                </a:ln>
+                <a:solidFill>
+                  <a:srgbClr val="E8BF6A"/>
+                </a:solidFill>
+                <a:effectLst/>
+                <a:latin typeface="JetBrains Mono"/>
+              </a:rPr>
+              <a:t>&lt;bean </a:t>
+            </a:r>
+            <a:r>
+              <a:rPr kumimoji="0" lang="en-US" altLang="en-US" sz="2000" b="0" i="0" u="none" strike="noStrike" cap="none" normalizeH="0" baseline="0" dirty="0">
+                <a:ln>
+                  <a:noFill/>
+                </a:ln>
+                <a:solidFill>
+                  <a:srgbClr val="BABABA"/>
+                </a:solidFill>
+                <a:effectLst/>
+                <a:latin typeface="JetBrains Mono"/>
+              </a:rPr>
+              <a:t>name</a:t>
+            </a:r>
+            <a:r>
+              <a:rPr kumimoji="0" lang="en-US" altLang="en-US" sz="2000" b="0" i="0" u="none" strike="noStrike" cap="none" normalizeH="0" baseline="0" dirty="0">
+                <a:ln>
+                  <a:noFill/>
+                </a:ln>
+                <a:solidFill>
+                  <a:srgbClr val="6A8759"/>
+                </a:solidFill>
+                <a:effectLst/>
+                <a:latin typeface="JetBrains Mono"/>
+              </a:rPr>
+              <a:t>="person" </a:t>
+            </a:r>
+            <a:r>
+              <a:rPr kumimoji="0" lang="en-US" altLang="en-US" sz="2000" b="0" i="0" u="none" strike="noStrike" cap="none" normalizeH="0" baseline="0" dirty="0">
+                <a:ln>
+                  <a:noFill/>
+                </a:ln>
+                <a:solidFill>
+                  <a:srgbClr val="BABABA"/>
+                </a:solidFill>
+                <a:effectLst/>
+                <a:latin typeface="JetBrains Mono"/>
+              </a:rPr>
+              <a:t>class</a:t>
+            </a:r>
+            <a:r>
+              <a:rPr kumimoji="0" lang="en-US" altLang="en-US" sz="2000" b="0" i="0" u="none" strike="noStrike" cap="none" normalizeH="0" baseline="0" dirty="0">
+                <a:ln>
+                  <a:noFill/>
+                </a:ln>
+                <a:solidFill>
+                  <a:srgbClr val="6A8759"/>
+                </a:solidFill>
+                <a:effectLst/>
+                <a:latin typeface="JetBrains Mono"/>
+              </a:rPr>
+              <a:t>="com.volkov.IoC.example20.Person" </a:t>
+            </a:r>
+            <a:r>
+              <a:rPr kumimoji="0" lang="en-US" altLang="en-US" sz="2000" b="0" i="0" u="none" strike="noStrike" cap="none" normalizeH="0" baseline="0" dirty="0">
                 <a:ln>
                   <a:noFill/>
                 </a:ln>
@@ -4076,22 +4545,48 @@
                 <a:effectLst/>
                 <a:latin typeface="JetBrains Mono"/>
               </a:rPr>
-              <a:t>animal</a:t>
-            </a:r>
-            <a:r>
-              <a:rPr kumimoji="0" lang="en-US" altLang="en-US" sz="2000" b="0" i="0" u="none" strike="noStrike" cap="none" normalizeH="0" baseline="0" dirty="0" smtClean="0">
-                <a:ln>
-                  <a:noFill/>
-                </a:ln>
-                <a:solidFill>
-                  <a:srgbClr val="CC7832"/>
-                </a:solidFill>
-                <a:effectLst/>
-                <a:latin typeface="JetBrains Mono"/>
-              </a:rPr>
-              <a:t>;</a:t>
-            </a:r>
-            <a:endParaRPr kumimoji="0" lang="en-US" altLang="en-US" sz="2000" b="0" i="0" u="none" strike="noStrike" cap="none" normalizeH="0" baseline="0" dirty="0" smtClean="0">
+              <a:t>p</a:t>
+            </a:r>
+            <a:r>
+              <a:rPr kumimoji="0" lang="en-US" altLang="en-US" sz="2000" b="0" i="0" u="none" strike="noStrike" cap="none" normalizeH="0" baseline="0" dirty="0">
+                <a:ln>
+                  <a:noFill/>
+                </a:ln>
+                <a:solidFill>
+                  <a:srgbClr val="BABABA"/>
+                </a:solidFill>
+                <a:effectLst/>
+                <a:latin typeface="JetBrains Mono"/>
+              </a:rPr>
+              <a:t>:name</a:t>
+            </a:r>
+            <a:r>
+              <a:rPr kumimoji="0" lang="en-US" altLang="en-US" sz="2000" b="0" i="0" u="none" strike="noStrike" cap="none" normalizeH="0" baseline="0" dirty="0">
+                <a:ln>
+                  <a:noFill/>
+                </a:ln>
+                <a:solidFill>
+                  <a:srgbClr val="6A8759"/>
+                </a:solidFill>
+                <a:effectLst/>
+                <a:latin typeface="JetBrains Mono"/>
+              </a:rPr>
+              <a:t>="Ivan"</a:t>
+            </a:r>
+            <a:r>
+              <a:rPr kumimoji="0" lang="en-US" altLang="en-US" sz="2000" b="0" i="0" u="none" strike="noStrike" cap="none" normalizeH="0" baseline="0" dirty="0">
+                <a:ln>
+                  <a:noFill/>
+                </a:ln>
+                <a:solidFill>
+                  <a:srgbClr val="E8BF6A"/>
+                </a:solidFill>
+                <a:effectLst/>
+                <a:latin typeface="JetBrains Mono"/>
+              </a:rPr>
+              <a:t>/&gt;</a:t>
+            </a:r>
+            <a:endParaRPr kumimoji="0" lang="en-US" altLang="en-US" sz="2000" b="0" i="0" u="none" strike="noStrike" cap="none" normalizeH="0" baseline="0" dirty="0">
               <a:ln>
                 <a:noFill/>
               </a:ln>
@@ -4106,7 +4601,7 @@
       </p:sp>
       <p:sp>
         <p:nvSpPr>
-          <p:cNvPr id="4" name="Rectangle 2"/>
+          <p:cNvPr id="5" name="Rectangle 2"/>
           <p:cNvSpPr>
             <a:spLocks noChangeArrowheads="1"/>
           </p:cNvSpPr>
@@ -4114,8 +4609,8 @@
         </p:nvSpPr>
         <p:spPr bwMode="auto">
           <a:xfrm>
-            <a:off x="5183195" y="2375659"/>
-            <a:ext cx="6037255" cy="1323439"/>
+            <a:off x="6457951" y="1719530"/>
+            <a:ext cx="3627916" cy="1323439"/>
           </a:xfrm>
           <a:prstGeom prst="rect">
             <a:avLst/>
@@ -4150,7 +4645,7 @@
           </a:extLst>
         </p:spPr>
         <p:txBody>
-          <a:bodyPr vert="horz" wrap="square" lIns="91440" tIns="45720" rIns="91440" bIns="45720" numCol="1" anchor="ctr" anchorCtr="0" compatLnSpc="1">
+          <a:bodyPr vert="horz" wrap="none" lIns="91440" tIns="45720" rIns="91440" bIns="45720" numCol="1" anchor="ctr" anchorCtr="0" compatLnSpc="1">
             <a:prstTxWarp prst="textNoShape">
               <a:avLst/>
             </a:prstTxWarp>
@@ -4175,115 +4670,76 @@
               <a:tabLst/>
             </a:pPr>
             <a:r>
-              <a:rPr kumimoji="0" lang="en-US" altLang="en-US" sz="2000" b="0" i="0" u="none" strike="noStrike" cap="none" normalizeH="0" baseline="0" dirty="0" smtClean="0">
-                <a:ln>
-                  <a:noFill/>
-                </a:ln>
-                <a:solidFill>
-                  <a:srgbClr val="E8BF6A"/>
-                </a:solidFill>
-                <a:effectLst/>
-                <a:latin typeface="JetBrains Mono"/>
-              </a:rPr>
-              <a:t>&lt;bean </a:t>
-            </a:r>
-            <a:r>
-              <a:rPr kumimoji="0" lang="en-US" altLang="en-US" sz="2000" b="0" i="0" u="none" strike="noStrike" cap="none" normalizeH="0" baseline="0" dirty="0" smtClean="0">
-                <a:ln>
-                  <a:noFill/>
-                </a:ln>
-                <a:solidFill>
-                  <a:srgbClr val="BABABA"/>
-                </a:solidFill>
-                <a:effectLst/>
-                <a:latin typeface="JetBrains Mono"/>
-              </a:rPr>
-              <a:t>id</a:t>
-            </a:r>
-            <a:r>
-              <a:rPr kumimoji="0" lang="en-US" altLang="en-US" sz="2000" b="0" i="0" u="none" strike="noStrike" cap="none" normalizeH="0" baseline="0" dirty="0" smtClean="0">
-                <a:ln>
-                  <a:noFill/>
-                </a:ln>
-                <a:solidFill>
-                  <a:srgbClr val="6A8759"/>
-                </a:solidFill>
-                <a:effectLst/>
-                <a:latin typeface="JetBrains Mono"/>
-              </a:rPr>
-              <a:t>="</a:t>
-            </a:r>
-            <a:r>
-              <a:rPr kumimoji="0" lang="en-US" altLang="en-US" sz="2000" b="0" i="0" u="none" strike="noStrike" cap="none" normalizeH="0" baseline="0" dirty="0" err="1" smtClean="0">
-                <a:ln>
-                  <a:noFill/>
-                </a:ln>
-                <a:solidFill>
-                  <a:srgbClr val="6A8759"/>
-                </a:solidFill>
-                <a:effectLst/>
-                <a:latin typeface="JetBrains Mono"/>
-              </a:rPr>
-              <a:t>petPerson</a:t>
-            </a:r>
-            <a:r>
-              <a:rPr kumimoji="0" lang="en-US" altLang="en-US" sz="2000" b="0" i="0" u="none" strike="noStrike" cap="none" normalizeH="0" baseline="0" dirty="0" smtClean="0">
-                <a:ln>
-                  <a:noFill/>
-                </a:ln>
-                <a:solidFill>
-                  <a:srgbClr val="6A8759"/>
-                </a:solidFill>
-                <a:effectLst/>
-                <a:latin typeface="JetBrains Mono"/>
-              </a:rPr>
-              <a:t>" </a:t>
-            </a:r>
-            <a:r>
-              <a:rPr kumimoji="0" lang="en-US" altLang="en-US" sz="2000" b="0" i="0" u="none" strike="noStrike" cap="none" normalizeH="0" baseline="0" dirty="0" smtClean="0">
-                <a:ln>
-                  <a:noFill/>
-                </a:ln>
-                <a:solidFill>
-                  <a:srgbClr val="BABABA"/>
-                </a:solidFill>
-                <a:effectLst/>
-                <a:latin typeface="JetBrains Mono"/>
-              </a:rPr>
-              <a:t>class</a:t>
-            </a:r>
-            <a:r>
-              <a:rPr kumimoji="0" lang="en-US" altLang="en-US" sz="2000" b="0" i="0" u="none" strike="noStrike" cap="none" normalizeH="0" baseline="0" dirty="0" smtClean="0">
-                <a:ln>
-                  <a:noFill/>
-                </a:ln>
-                <a:solidFill>
-                  <a:srgbClr val="6A8759"/>
-                </a:solidFill>
-                <a:effectLst/>
-                <a:latin typeface="JetBrains Mono"/>
-              </a:rPr>
-              <a:t>="com.volkov.IoC.example13.PetPerson"</a:t>
+              <a:rPr kumimoji="0" lang="en-US" altLang="en-US" sz="2000" b="0" i="0" u="none" strike="noStrike" cap="none" normalizeH="0" baseline="0" dirty="0">
+                <a:ln>
+                  <a:noFill/>
+                </a:ln>
+                <a:solidFill>
+                  <a:srgbClr val="A9B7C6"/>
+                </a:solidFill>
+                <a:effectLst/>
+                <a:latin typeface="JetBrains Mono"/>
+              </a:rPr>
+              <a:t>    </a:t>
+            </a:r>
+            <a:r>
+              <a:rPr kumimoji="0" lang="en-US" altLang="en-US" sz="2000" b="0" i="0" u="none" strike="noStrike" cap="none" normalizeH="0" baseline="0" dirty="0">
+                <a:ln>
+                  <a:noFill/>
+                </a:ln>
+                <a:solidFill>
+                  <a:srgbClr val="BBB529"/>
+                </a:solidFill>
+                <a:effectLst/>
+                <a:latin typeface="JetBrains Mono"/>
+              </a:rPr>
+              <a:t>@</a:t>
+            </a:r>
+            <a:r>
+              <a:rPr kumimoji="0" lang="en-US" altLang="en-US" sz="2000" b="0" i="0" u="none" strike="noStrike" cap="none" normalizeH="0" baseline="0" dirty="0" err="1">
+                <a:ln>
+                  <a:noFill/>
+                </a:ln>
+                <a:solidFill>
+                  <a:srgbClr val="BBB529"/>
+                </a:solidFill>
+                <a:effectLst/>
+                <a:latin typeface="JetBrains Mono"/>
+              </a:rPr>
+              <a:t>Autowired</a:t>
+            </a:r>
+            <a:r>
+              <a:rPr kumimoji="0" lang="en-US" altLang="en-US" sz="2000" b="0" i="0" u="none" strike="noStrike" cap="none" normalizeH="0" baseline="0" dirty="0">
+                <a:ln>
+                  <a:noFill/>
+                </a:ln>
+                <a:solidFill>
+                  <a:srgbClr val="808080"/>
+                </a:solidFill>
+                <a:effectLst/>
+                <a:latin typeface="JetBrains Mono"/>
+              </a:rPr>
+              <a:t/>
             </a:r>
             <a:br>
-              <a:rPr kumimoji="0" lang="en-US" altLang="en-US" sz="2000" b="0" i="0" u="none" strike="noStrike" cap="none" normalizeH="0" baseline="0" dirty="0" smtClean="0">
-                <a:ln>
-                  <a:noFill/>
-                </a:ln>
-                <a:solidFill>
-                  <a:srgbClr val="6A8759"/>
+              <a:rPr kumimoji="0" lang="en-US" altLang="en-US" sz="2000" b="0" i="0" u="none" strike="noStrike" cap="none" normalizeH="0" baseline="0" dirty="0">
+                <a:ln>
+                  <a:noFill/>
+                </a:ln>
+                <a:solidFill>
+                  <a:srgbClr val="808080"/>
                 </a:solidFill>
                 <a:effectLst/>
                 <a:latin typeface="JetBrains Mono"/>
               </a:rPr>
             </a:br>
             <a:r>
-              <a:rPr kumimoji="0" lang="en-US" altLang="en-US" sz="2000" b="0" i="0" u="none" strike="noStrike" cap="none" normalizeH="0" baseline="0" dirty="0" smtClean="0">
-                <a:ln>
-                  <a:noFill/>
-                </a:ln>
-                <a:solidFill>
-                  <a:srgbClr val="6A8759"/>
+              <a:rPr kumimoji="0" lang="en-US" altLang="en-US" sz="2000" b="0" i="0" u="none" strike="noStrike" cap="none" normalizeH="0" baseline="0" dirty="0">
+                <a:ln>
+                  <a:noFill/>
+                </a:ln>
+                <a:solidFill>
+                  <a:srgbClr val="808080"/>
                 </a:solidFill>
                 <a:effectLst/>
                 <a:latin typeface="JetBrains Mono"/>
@@ -4291,96 +4747,173 @@
               <a:t>    </a:t>
             </a:r>
             <a:r>
-              <a:rPr kumimoji="0" lang="en-US" altLang="en-US" sz="2000" b="0" i="0" u="none" strike="noStrike" cap="none" normalizeH="0" baseline="0" dirty="0" err="1" smtClean="0">
-                <a:ln>
-                  <a:noFill/>
-                </a:ln>
-                <a:solidFill>
-                  <a:srgbClr val="BABABA"/>
-                </a:solidFill>
-                <a:effectLst/>
-                <a:latin typeface="JetBrains Mono"/>
-              </a:rPr>
-              <a:t>autowire</a:t>
-            </a:r>
-            <a:r>
-              <a:rPr kumimoji="0" lang="en-US" altLang="en-US" sz="2000" b="0" i="0" u="none" strike="noStrike" cap="none" normalizeH="0" baseline="0" dirty="0" smtClean="0">
-                <a:ln>
-                  <a:noFill/>
-                </a:ln>
-                <a:solidFill>
-                  <a:srgbClr val="6A8759"/>
-                </a:solidFill>
-                <a:effectLst/>
-                <a:latin typeface="JetBrains Mono"/>
-              </a:rPr>
-              <a:t>="</a:t>
-            </a:r>
-            <a:r>
-              <a:rPr kumimoji="0" lang="en-US" altLang="en-US" sz="2000" b="0" i="0" u="none" strike="noStrike" cap="none" normalizeH="0" baseline="0" dirty="0" err="1" smtClean="0">
-                <a:ln>
-                  <a:noFill/>
-                </a:ln>
-                <a:solidFill>
-                  <a:srgbClr val="6A8759"/>
-                </a:solidFill>
-                <a:effectLst/>
-                <a:latin typeface="JetBrains Mono"/>
-              </a:rPr>
-              <a:t>byName</a:t>
-            </a:r>
-            <a:r>
-              <a:rPr kumimoji="0" lang="en-US" altLang="en-US" sz="2000" b="0" i="0" u="none" strike="noStrike" cap="none" normalizeH="0" baseline="0" dirty="0" smtClean="0">
-                <a:ln>
-                  <a:noFill/>
-                </a:ln>
-                <a:solidFill>
-                  <a:srgbClr val="6A8759"/>
-                </a:solidFill>
-                <a:effectLst/>
-                <a:latin typeface="JetBrains Mono"/>
-              </a:rPr>
-              <a:t>"</a:t>
-            </a:r>
-            <a:r>
-              <a:rPr kumimoji="0" lang="en-US" altLang="en-US" sz="2000" b="0" i="0" u="none" strike="noStrike" cap="none" normalizeH="0" baseline="0" dirty="0" smtClean="0">
-                <a:ln>
-                  <a:noFill/>
-                </a:ln>
-                <a:solidFill>
-                  <a:srgbClr val="E8BF6A"/>
-                </a:solidFill>
-                <a:effectLst/>
-                <a:latin typeface="JetBrains Mono"/>
-              </a:rPr>
-              <a:t>&gt;</a:t>
+              <a:rPr kumimoji="0" lang="en-US" altLang="en-US" sz="2000" b="0" i="0" u="none" strike="noStrike" cap="none" normalizeH="0" baseline="0" dirty="0">
+                <a:ln>
+                  <a:noFill/>
+                </a:ln>
+                <a:solidFill>
+                  <a:srgbClr val="CC7832"/>
+                </a:solidFill>
+                <a:effectLst/>
+                <a:latin typeface="JetBrains Mono"/>
+              </a:rPr>
+              <a:t>public void </a:t>
+            </a:r>
+            <a:r>
+              <a:rPr kumimoji="0" lang="en-US" altLang="en-US" sz="2000" b="0" i="0" u="none" strike="noStrike" cap="none" normalizeH="0" baseline="0" dirty="0" err="1">
+                <a:ln>
+                  <a:noFill/>
+                </a:ln>
+                <a:solidFill>
+                  <a:srgbClr val="FFC66D"/>
+                </a:solidFill>
+                <a:effectLst/>
+                <a:latin typeface="JetBrains Mono"/>
+              </a:rPr>
+              <a:t>setCat</a:t>
+            </a:r>
+            <a:r>
+              <a:rPr kumimoji="0" lang="en-US" altLang="en-US" sz="2000" b="0" i="0" u="none" strike="noStrike" cap="none" normalizeH="0" baseline="0" dirty="0">
+                <a:ln>
+                  <a:noFill/>
+                </a:ln>
+                <a:solidFill>
+                  <a:srgbClr val="A9B7C6"/>
+                </a:solidFill>
+                <a:effectLst/>
+                <a:latin typeface="JetBrains Mono"/>
+              </a:rPr>
+              <a:t>(Cat cat) {</a:t>
             </a:r>
             <a:br>
-              <a:rPr kumimoji="0" lang="en-US" altLang="en-US" sz="2000" b="0" i="0" u="none" strike="noStrike" cap="none" normalizeH="0" baseline="0" dirty="0" smtClean="0">
-                <a:ln>
-                  <a:noFill/>
-                </a:ln>
-                <a:solidFill>
-                  <a:srgbClr val="E8BF6A"/>
+              <a:rPr kumimoji="0" lang="en-US" altLang="en-US" sz="2000" b="0" i="0" u="none" strike="noStrike" cap="none" normalizeH="0" baseline="0" dirty="0">
+                <a:ln>
+                  <a:noFill/>
+                </a:ln>
+                <a:solidFill>
+                  <a:srgbClr val="A9B7C6"/>
                 </a:solidFill>
                 <a:effectLst/>
                 <a:latin typeface="JetBrains Mono"/>
               </a:rPr>
             </a:br>
             <a:r>
-              <a:rPr kumimoji="0" lang="en-US" altLang="en-US" sz="2000" b="0" i="0" u="none" strike="noStrike" cap="none" normalizeH="0" baseline="0" dirty="0" smtClean="0">
-                <a:ln>
-                  <a:noFill/>
-                </a:ln>
-                <a:solidFill>
-                  <a:srgbClr val="E8BF6A"/>
-                </a:solidFill>
-                <a:effectLst/>
-                <a:latin typeface="JetBrains Mono"/>
-              </a:rPr>
-              <a:t>&lt;/bean&gt;</a:t>
-            </a:r>
-            <a:endParaRPr kumimoji="0" lang="en-US" altLang="en-US" sz="2000" b="0" i="0" u="none" strike="noStrike" cap="none" normalizeH="0" baseline="0" dirty="0" smtClean="0">
+              <a:rPr kumimoji="0" lang="en-US" altLang="en-US" sz="2000" b="0" i="0" u="none" strike="noStrike" cap="none" normalizeH="0" baseline="0" dirty="0">
+                <a:ln>
+                  <a:noFill/>
+                </a:ln>
+                <a:solidFill>
+                  <a:srgbClr val="A9B7C6"/>
+                </a:solidFill>
+                <a:effectLst/>
+                <a:latin typeface="JetBrains Mono"/>
+              </a:rPr>
+              <a:t>        </a:t>
+            </a:r>
+            <a:r>
+              <a:rPr kumimoji="0" lang="en-US" altLang="en-US" sz="2000" b="0" i="0" u="none" strike="noStrike" cap="none" normalizeH="0" baseline="0" dirty="0">
+                <a:ln>
+                  <a:noFill/>
+                </a:ln>
+                <a:solidFill>
+                  <a:srgbClr val="CC7832"/>
+                </a:solidFill>
+                <a:effectLst/>
+                <a:latin typeface="JetBrains Mono"/>
+              </a:rPr>
+              <a:t>this</a:t>
+            </a:r>
+            <a:r>
+              <a:rPr kumimoji="0" lang="en-US" altLang="en-US" sz="2000" b="0" i="0" u="none" strike="noStrike" cap="none" normalizeH="0" baseline="0" dirty="0">
+                <a:ln>
+                  <a:noFill/>
+                </a:ln>
+                <a:solidFill>
+                  <a:srgbClr val="A9B7C6"/>
+                </a:solidFill>
+                <a:effectLst/>
+                <a:latin typeface="JetBrains Mono"/>
+              </a:rPr>
+              <a:t>.</a:t>
+            </a:r>
+            <a:r>
+              <a:rPr kumimoji="0" lang="en-US" altLang="en-US" sz="2000" b="0" i="0" u="none" strike="noStrike" cap="none" normalizeH="0" baseline="0" dirty="0">
+                <a:ln>
+                  <a:noFill/>
+                </a:ln>
+                <a:solidFill>
+                  <a:srgbClr val="9876AA"/>
+                </a:solidFill>
+                <a:effectLst/>
+                <a:latin typeface="JetBrains Mono"/>
+              </a:rPr>
+              <a:t>cat </a:t>
+            </a:r>
+            <a:r>
+              <a:rPr kumimoji="0" lang="en-US" altLang="en-US" sz="2000" b="0" i="0" u="none" strike="noStrike" cap="none" normalizeH="0" baseline="0" dirty="0">
+                <a:ln>
+                  <a:noFill/>
+                </a:ln>
+                <a:solidFill>
+                  <a:srgbClr val="A9B7C6"/>
+                </a:solidFill>
+                <a:effectLst/>
+                <a:latin typeface="JetBrains Mono"/>
+              </a:rPr>
+              <a:t>= cat</a:t>
+            </a:r>
+            <a:r>
+              <a:rPr kumimoji="0" lang="en-US" altLang="en-US" sz="2000" b="0" i="0" u="none" strike="noStrike" cap="none" normalizeH="0" baseline="0" dirty="0">
+                <a:ln>
+                  <a:noFill/>
+                </a:ln>
+                <a:solidFill>
+                  <a:srgbClr val="CC7832"/>
+                </a:solidFill>
+                <a:effectLst/>
+                <a:latin typeface="JetBrains Mono"/>
+              </a:rPr>
+              <a:t>;</a:t>
+            </a:r>
+            <a:br>
+              <a:rPr kumimoji="0" lang="en-US" altLang="en-US" sz="2000" b="0" i="0" u="none" strike="noStrike" cap="none" normalizeH="0" baseline="0" dirty="0">
+                <a:ln>
+                  <a:noFill/>
+                </a:ln>
+                <a:solidFill>
+                  <a:srgbClr val="CC7832"/>
+                </a:solidFill>
+                <a:effectLst/>
+                <a:latin typeface="JetBrains Mono"/>
+              </a:rPr>
+            </a:br>
+            <a:r>
+              <a:rPr kumimoji="0" lang="en-US" altLang="en-US" sz="2000" b="0" i="0" u="none" strike="noStrike" cap="none" normalizeH="0" baseline="0" dirty="0">
+                <a:ln>
+                  <a:noFill/>
+                </a:ln>
+                <a:solidFill>
+                  <a:srgbClr val="CC7832"/>
+                </a:solidFill>
+                <a:effectLst/>
+                <a:latin typeface="JetBrains Mono"/>
+              </a:rPr>
+              <a:t>    </a:t>
+            </a:r>
+            <a:r>
+              <a:rPr kumimoji="0" lang="en-US" altLang="en-US" sz="2000" b="0" i="0" u="none" strike="noStrike" cap="none" normalizeH="0" baseline="0" dirty="0">
+                <a:ln>
+                  <a:noFill/>
+                </a:ln>
+                <a:solidFill>
+                  <a:srgbClr val="A9B7C6"/>
+                </a:solidFill>
+                <a:effectLst/>
+                <a:latin typeface="JetBrains Mono"/>
+              </a:rPr>
+              <a:t>}</a:t>
+            </a:r>
+            <a:endParaRPr kumimoji="0" lang="en-US" altLang="en-US" sz="2000" b="0" i="0" u="none" strike="noStrike" cap="none" normalizeH="0" baseline="0" dirty="0">
               <a:ln>
                 <a:noFill/>
               </a:ln>
@@ -4393,95 +4926,9 @@
           </a:p>
         </p:txBody>
       </p:sp>
-    </p:spTree>
-    <p:extLst>
-      <p:ext uri="{BB962C8B-B14F-4D97-AF65-F5344CB8AC3E}">
-        <p14:creationId xmlns:p14="http://schemas.microsoft.com/office/powerpoint/2010/main" val="2083790997"/>
-      </p:ext>
-    </p:extLst>
-  </p:cSld>
-  <p:clrMapOvr>
-    <a:masterClrMapping/>
-  </p:clrMapOvr>
-</p:sld>
-</file>
-
-<file path=ppt/slides/slide5.xml><?xml version="1.0" encoding="utf-8"?>
-<p:sld xmlns:a="http://schemas.openxmlformats.org/drawingml/2006/main" xmlns:r="http://schemas.openxmlformats.org/officeDocument/2006/relationships" xmlns:p="http://schemas.openxmlformats.org/presentationml/2006/main">
-  <p:cSld>
-    <p:spTree>
-      <p:nvGrpSpPr>
-        <p:cNvPr id="1" name=""/>
-        <p:cNvGrpSpPr/>
-        <p:nvPr/>
-      </p:nvGrpSpPr>
-      <p:grpSpPr>
-        <a:xfrm>
-          <a:off x="0" y="0"/>
-          <a:ext cx="0" cy="0"/>
-          <a:chOff x="0" y="0"/>
-          <a:chExt cx="0" cy="0"/>
-        </a:xfrm>
-      </p:grpSpPr>
-      <p:sp>
-        <p:nvSpPr>
-          <p:cNvPr id="3" name="Content Placeholder 2"/>
-          <p:cNvSpPr>
-            <a:spLocks noGrp="1"/>
-          </p:cNvSpPr>
-          <p:nvPr>
-            <p:ph idx="1"/>
-          </p:nvPr>
-        </p:nvSpPr>
-        <p:spPr>
-          <a:xfrm>
-            <a:off x="838200" y="619125"/>
-            <a:ext cx="10515600" cy="5557838"/>
-          </a:xfrm>
-        </p:spPr>
-        <p:txBody>
-          <a:bodyPr/>
-          <a:lstStyle/>
-          <a:p>
-            <a:pPr marL="0" indent="0">
-              <a:buNone/>
-            </a:pPr>
-            <a:r>
-              <a:rPr lang="ru-RU" dirty="0" smtClean="0"/>
-              <a:t>Т.е. если мы поменяем имя переменной на </a:t>
-            </a:r>
-            <a:r>
-              <a:rPr lang="en-US" dirty="0" smtClean="0"/>
-              <a:t>animal1</a:t>
-            </a:r>
-          </a:p>
-          <a:p>
-            <a:endParaRPr lang="en-US" dirty="0"/>
-          </a:p>
-          <a:p>
-            <a:endParaRPr lang="en-US" dirty="0" smtClean="0"/>
-          </a:p>
-          <a:p>
-            <a:endParaRPr lang="en-US" dirty="0"/>
-          </a:p>
-          <a:p>
-            <a:endParaRPr lang="en-US" dirty="0" smtClean="0"/>
-          </a:p>
-          <a:p>
-            <a:pPr marL="0" indent="0">
-              <a:buNone/>
-            </a:pPr>
-            <a:r>
-              <a:rPr lang="ru-RU" dirty="0" smtClean="0"/>
-              <a:t>Связывания всё равно не произойдёт, потому что имя = названию класса (только с маленькой буквы).</a:t>
-            </a:r>
-            <a:endParaRPr lang="en-US" dirty="0"/>
-          </a:p>
-        </p:txBody>
-      </p:sp>
-      <p:sp>
-        <p:nvSpPr>
-          <p:cNvPr id="4" name="Rectangle 1"/>
+      <p:sp>
+        <p:nvSpPr>
+          <p:cNvPr id="6" name="Rectangle 3"/>
           <p:cNvSpPr>
             <a:spLocks noChangeArrowheads="1"/>
           </p:cNvSpPr>
@@ -4489,8 +4936,8 @@
         </p:nvSpPr>
         <p:spPr bwMode="auto">
           <a:xfrm>
-            <a:off x="838200" y="1284357"/>
-            <a:ext cx="2935419" cy="707886"/>
+            <a:off x="485775" y="376490"/>
+            <a:ext cx="4483920" cy="6247864"/>
           </a:xfrm>
           <a:prstGeom prst="rect">
             <a:avLst/>
@@ -4550,7 +4997,71 @@
               <a:tabLst/>
             </a:pPr>
             <a:r>
-              <a:rPr kumimoji="0" lang="en-US" altLang="en-US" sz="2000" b="0" i="0" u="none" strike="noStrike" cap="none" normalizeH="0" baseline="0" dirty="0" smtClean="0">
+              <a:rPr kumimoji="0" lang="en-US" altLang="en-US" sz="2000" b="0" i="0" u="none" strike="noStrike" cap="none" normalizeH="0" baseline="0" dirty="0">
+                <a:ln>
+                  <a:noFill/>
+                </a:ln>
+                <a:solidFill>
+                  <a:srgbClr val="BBB529"/>
+                </a:solidFill>
+                <a:effectLst/>
+                <a:latin typeface="JetBrains Mono"/>
+              </a:rPr>
+              <a:t>@Component</a:t>
+            </a:r>
+            <a:r>
+              <a:rPr kumimoji="0" lang="en-US" altLang="en-US" sz="2000" b="0" i="0" u="none" strike="noStrike" cap="none" normalizeH="0" baseline="0" dirty="0">
+                <a:ln>
+                  <a:noFill/>
+                </a:ln>
+                <a:solidFill>
+                  <a:srgbClr val="A9B7C6"/>
+                </a:solidFill>
+                <a:effectLst/>
+                <a:latin typeface="JetBrains Mono"/>
+              </a:rPr>
+              <a:t>(</a:t>
+            </a:r>
+            <a:r>
+              <a:rPr kumimoji="0" lang="en-US" altLang="en-US" sz="2000" b="0" i="0" u="none" strike="noStrike" cap="none" normalizeH="0" baseline="0" dirty="0">
+                <a:ln>
+                  <a:noFill/>
+                </a:ln>
+                <a:solidFill>
+                  <a:srgbClr val="6A8759"/>
+                </a:solidFill>
+                <a:effectLst/>
+                <a:latin typeface="JetBrains Mono"/>
+              </a:rPr>
+              <a:t>"person"</a:t>
+            </a:r>
+            <a:r>
+              <a:rPr kumimoji="0" lang="en-US" altLang="en-US" sz="2000" b="0" i="0" u="none" strike="noStrike" cap="none" normalizeH="0" baseline="0" dirty="0">
+                <a:ln>
+                  <a:noFill/>
+                </a:ln>
+                <a:solidFill>
+                  <a:srgbClr val="A9B7C6"/>
+                </a:solidFill>
+                <a:effectLst/>
+                <a:latin typeface="JetBrains Mono"/>
+              </a:rPr>
+              <a:t>)</a:t>
+            </a:r>
+            <a:br>
+              <a:rPr kumimoji="0" lang="en-US" altLang="en-US" sz="2000" b="0" i="0" u="none" strike="noStrike" cap="none" normalizeH="0" baseline="0" dirty="0">
+                <a:ln>
+                  <a:noFill/>
+                </a:ln>
+                <a:solidFill>
+                  <a:srgbClr val="A9B7C6"/>
+                </a:solidFill>
+                <a:effectLst/>
+                <a:latin typeface="JetBrains Mono"/>
+              </a:rPr>
+            </a:br>
+            <a:r>
+              <a:rPr kumimoji="0" lang="en-US" altLang="en-US" sz="2000" b="0" i="0" u="none" strike="noStrike" cap="none" normalizeH="0" baseline="0" dirty="0">
                 <a:ln>
                   <a:noFill/>
                 </a:ln>
@@ -4563,33 +5074,20 @@
               <a:t>public class </a:t>
             </a:r>
             <a:r>
-              <a:rPr kumimoji="0" lang="en-US" altLang="en-US" sz="2000" b="0" i="0" u="none" strike="noStrike" cap="none" normalizeH="0" baseline="0" dirty="0" err="1" smtClean="0">
-                <a:ln>
-                  <a:noFill/>
-                </a:ln>
-                <a:solidFill>
-                  <a:srgbClr val="A9B7C6"/>
-                </a:solidFill>
-                <a:effectLst/>
-                <a:latin typeface="JetBrains Mono"/>
-              </a:rPr>
-              <a:t>PetPerson</a:t>
-            </a:r>
-            <a:r>
-              <a:rPr kumimoji="0" lang="en-US" altLang="en-US" sz="2000" b="0" i="0" u="none" strike="noStrike" cap="none" normalizeH="0" baseline="0" dirty="0" smtClean="0">
-                <a:ln>
-                  <a:noFill/>
-                </a:ln>
-                <a:solidFill>
-                  <a:srgbClr val="A9B7C6"/>
-                </a:solidFill>
-                <a:effectLst/>
-                <a:latin typeface="JetBrains Mono"/>
-              </a:rPr>
-              <a:t> {</a:t>
+              <a:rPr kumimoji="0" lang="en-US" altLang="en-US" sz="2000" b="0" i="0" u="none" strike="noStrike" cap="none" normalizeH="0" baseline="0" dirty="0">
+                <a:ln>
+                  <a:noFill/>
+                </a:ln>
+                <a:solidFill>
+                  <a:srgbClr val="A9B7C6"/>
+                </a:solidFill>
+                <a:effectLst/>
+                <a:latin typeface="JetBrains Mono"/>
+              </a:rPr>
+              <a:t>Person {</a:t>
             </a:r>
             <a:br>
-              <a:rPr kumimoji="0" lang="en-US" altLang="en-US" sz="2000" b="0" i="0" u="none" strike="noStrike" cap="none" normalizeH="0" baseline="0" dirty="0" smtClean="0">
+              <a:rPr kumimoji="0" lang="en-US" altLang="en-US" sz="2000" b="0" i="0" u="none" strike="noStrike" cap="none" normalizeH="0" baseline="0" dirty="0">
                 <a:ln>
                   <a:noFill/>
                 </a:ln>
@@ -4601,20 +5099,71 @@
               </a:rPr>
             </a:br>
             <a:r>
-              <a:rPr kumimoji="0" lang="en-US" altLang="en-US" sz="2000" b="0" i="0" u="none" strike="noStrike" cap="none" normalizeH="0" baseline="0" dirty="0" smtClean="0">
-                <a:ln>
-                  <a:noFill/>
-                </a:ln>
-                <a:solidFill>
-                  <a:srgbClr val="A9B7C6"/>
-                </a:solidFill>
-                <a:effectLst/>
-                <a:latin typeface="JetBrains Mono"/>
-              </a:rPr>
-              <a:t>    Animal </a:t>
-            </a:r>
-            <a:r>
-              <a:rPr kumimoji="0" lang="en-US" altLang="en-US" sz="2000" b="0" i="0" u="none" strike="noStrike" cap="none" normalizeH="0" baseline="0" dirty="0" smtClean="0">
+              <a:rPr kumimoji="0" lang="en-US" altLang="en-US" sz="2000" b="0" i="0" u="none" strike="noStrike" cap="none" normalizeH="0" baseline="0" dirty="0">
+                <a:ln>
+                  <a:noFill/>
+                </a:ln>
+                <a:solidFill>
+                  <a:srgbClr val="A9B7C6"/>
+                </a:solidFill>
+                <a:effectLst/>
+                <a:latin typeface="JetBrains Mono"/>
+              </a:rPr>
+              <a:t/>
+            </a:r>
+            <a:br>
+              <a:rPr kumimoji="0" lang="en-US" altLang="en-US" sz="2000" b="0" i="0" u="none" strike="noStrike" cap="none" normalizeH="0" baseline="0" dirty="0">
+                <a:ln>
+                  <a:noFill/>
+                </a:ln>
+                <a:solidFill>
+                  <a:srgbClr val="A9B7C6"/>
+                </a:solidFill>
+                <a:effectLst/>
+                <a:latin typeface="JetBrains Mono"/>
+              </a:rPr>
+            </a:br>
+            <a:r>
+              <a:rPr kumimoji="0" lang="en-US" altLang="en-US" sz="2000" b="0" i="0" u="none" strike="noStrike" cap="none" normalizeH="0" baseline="0" dirty="0">
+                <a:ln>
+                  <a:noFill/>
+                </a:ln>
+                <a:solidFill>
+                  <a:srgbClr val="A9B7C6"/>
+                </a:solidFill>
+                <a:effectLst/>
+                <a:latin typeface="JetBrains Mono"/>
+              </a:rPr>
+              <a:t>    </a:t>
+            </a:r>
+            <a:r>
+              <a:rPr kumimoji="0" lang="en-US" altLang="en-US" sz="2000" b="0" i="0" u="none" strike="noStrike" cap="none" normalizeH="0" baseline="0" dirty="0">
+                <a:ln>
+                  <a:noFill/>
+                </a:ln>
+                <a:solidFill>
+                  <a:srgbClr val="CC7832"/>
+                </a:solidFill>
+                <a:effectLst/>
+                <a:latin typeface="JetBrains Mono"/>
+              </a:rPr>
+              <a:t>private </a:t>
+            </a:r>
+            <a:r>
+              <a:rPr kumimoji="0" lang="en-US" altLang="en-US" sz="2000" b="0" i="0" u="none" strike="noStrike" cap="none" normalizeH="0" baseline="0" dirty="0">
+                <a:ln>
+                  <a:noFill/>
+                </a:ln>
+                <a:solidFill>
+                  <a:srgbClr val="A9B7C6"/>
+                </a:solidFill>
+                <a:effectLst/>
+                <a:latin typeface="JetBrains Mono"/>
+              </a:rPr>
+              <a:t>String </a:t>
+            </a:r>
+            <a:r>
+              <a:rPr kumimoji="0" lang="en-US" altLang="en-US" sz="2000" b="0" i="0" u="none" strike="noStrike" cap="none" normalizeH="0" baseline="0" dirty="0">
                 <a:ln>
                   <a:noFill/>
                 </a:ln>
@@ -4624,10 +5173,10 @@
                 <a:effectLst/>
                 <a:latin typeface="JetBrains Mono"/>
               </a:rPr>
-              <a:t>animal1</a:t>
-            </a:r>
-            <a:r>
-              <a:rPr kumimoji="0" lang="en-US" altLang="en-US" sz="2000" b="0" i="0" u="none" strike="noStrike" cap="none" normalizeH="0" baseline="0" dirty="0" smtClean="0">
+              <a:t>name</a:t>
+            </a:r>
+            <a:r>
+              <a:rPr kumimoji="0" lang="en-US" altLang="en-US" sz="2000" b="0" i="0" u="none" strike="noStrike" cap="none" normalizeH="0" baseline="0" dirty="0">
                 <a:ln>
                   <a:noFill/>
                 </a:ln>
@@ -4639,72 +5188,847 @@
               </a:rPr>
               <a:t>;</a:t>
             </a:r>
-            <a:endParaRPr kumimoji="0" lang="en-US" altLang="en-US" sz="2000" b="0" i="0" u="none" strike="noStrike" cap="none" normalizeH="0" baseline="0" dirty="0" smtClean="0">
+            <a:br>
+              <a:rPr kumimoji="0" lang="en-US" altLang="en-US" sz="2000" b="0" i="0" u="none" strike="noStrike" cap="none" normalizeH="0" baseline="0" dirty="0">
+                <a:ln>
+                  <a:noFill/>
+                </a:ln>
+                <a:solidFill>
+                  <a:srgbClr val="CC7832"/>
+                </a:solidFill>
+                <a:effectLst/>
+                <a:latin typeface="JetBrains Mono"/>
+              </a:rPr>
+            </a:br>
+            <a:r>
+              <a:rPr kumimoji="0" lang="en-US" altLang="en-US" sz="2000" b="0" i="0" u="none" strike="noStrike" cap="none" normalizeH="0" baseline="0" dirty="0">
+                <a:ln>
+                  <a:noFill/>
+                </a:ln>
+                <a:solidFill>
+                  <a:srgbClr val="CC7832"/>
+                </a:solidFill>
+                <a:effectLst/>
+                <a:latin typeface="JetBrains Mono"/>
+              </a:rPr>
+              <a:t>    private </a:t>
+            </a:r>
+            <a:r>
+              <a:rPr kumimoji="0" lang="en-US" altLang="en-US" sz="2000" b="0" i="0" u="none" strike="noStrike" cap="none" normalizeH="0" baseline="0" dirty="0">
+                <a:ln>
+                  <a:noFill/>
+                </a:ln>
+                <a:solidFill>
+                  <a:srgbClr val="A9B7C6"/>
+                </a:solidFill>
+                <a:effectLst/>
+                <a:latin typeface="JetBrains Mono"/>
+              </a:rPr>
+              <a:t>Cat </a:t>
+            </a:r>
+            <a:r>
+              <a:rPr kumimoji="0" lang="en-US" altLang="en-US" sz="2000" b="0" i="0" u="none" strike="noStrike" cap="none" normalizeH="0" baseline="0" dirty="0" err="1">
+                <a:ln>
+                  <a:noFill/>
+                </a:ln>
+                <a:solidFill>
+                  <a:srgbClr val="9876AA"/>
+                </a:solidFill>
+                <a:effectLst/>
+                <a:latin typeface="JetBrains Mono"/>
+              </a:rPr>
+              <a:t>cat</a:t>
+            </a:r>
+            <a:r>
+              <a:rPr kumimoji="0" lang="en-US" altLang="en-US" sz="2000" b="0" i="0" u="none" strike="noStrike" cap="none" normalizeH="0" baseline="0" dirty="0">
+                <a:ln>
+                  <a:noFill/>
+                </a:ln>
+                <a:solidFill>
+                  <a:srgbClr val="CC7832"/>
+                </a:solidFill>
+                <a:effectLst/>
+                <a:latin typeface="JetBrains Mono"/>
+              </a:rPr>
+              <a:t>;</a:t>
+            </a:r>
+            <a:br>
+              <a:rPr kumimoji="0" lang="en-US" altLang="en-US" sz="2000" b="0" i="0" u="none" strike="noStrike" cap="none" normalizeH="0" baseline="0" dirty="0">
+                <a:ln>
+                  <a:noFill/>
+                </a:ln>
+                <a:solidFill>
+                  <a:srgbClr val="CC7832"/>
+                </a:solidFill>
+                <a:effectLst/>
+                <a:latin typeface="JetBrains Mono"/>
+              </a:rPr>
+            </a:br>
+            <a:r>
+              <a:rPr kumimoji="0" lang="en-US" altLang="en-US" sz="2000" b="0" i="0" u="none" strike="noStrike" cap="none" normalizeH="0" baseline="0" dirty="0">
+                <a:ln>
+                  <a:noFill/>
+                </a:ln>
+                <a:solidFill>
+                  <a:srgbClr val="CC7832"/>
+                </a:solidFill>
+                <a:effectLst/>
+                <a:latin typeface="JetBrains Mono"/>
+              </a:rPr>
+              <a:t/>
+            </a:r>
+            <a:br>
+              <a:rPr kumimoji="0" lang="en-US" altLang="en-US" sz="2000" b="0" i="0" u="none" strike="noStrike" cap="none" normalizeH="0" baseline="0" dirty="0">
+                <a:ln>
+                  <a:noFill/>
+                </a:ln>
+                <a:solidFill>
+                  <a:srgbClr val="CC7832"/>
+                </a:solidFill>
+                <a:effectLst/>
+                <a:latin typeface="JetBrains Mono"/>
+              </a:rPr>
+            </a:br>
+            <a:r>
+              <a:rPr kumimoji="0" lang="en-US" altLang="en-US" sz="2000" b="0" i="0" u="none" strike="noStrike" cap="none" normalizeH="0" baseline="0" dirty="0">
+                <a:ln>
+                  <a:noFill/>
+                </a:ln>
+                <a:solidFill>
+                  <a:srgbClr val="CC7832"/>
+                </a:solidFill>
+                <a:effectLst/>
+                <a:latin typeface="JetBrains Mono"/>
+              </a:rPr>
+              <a:t>    public </a:t>
+            </a:r>
+            <a:r>
+              <a:rPr kumimoji="0" lang="en-US" altLang="en-US" sz="2000" b="0" i="0" u="none" strike="noStrike" cap="none" normalizeH="0" baseline="0" dirty="0">
+                <a:ln>
+                  <a:noFill/>
+                </a:ln>
+                <a:solidFill>
+                  <a:srgbClr val="A9B7C6"/>
+                </a:solidFill>
+                <a:effectLst/>
+                <a:latin typeface="JetBrains Mono"/>
+              </a:rPr>
+              <a:t>String </a:t>
+            </a:r>
+            <a:r>
+              <a:rPr kumimoji="0" lang="en-US" altLang="en-US" sz="2000" b="0" i="0" u="none" strike="noStrike" cap="none" normalizeH="0" baseline="0" dirty="0" err="1">
+                <a:ln>
+                  <a:noFill/>
+                </a:ln>
+                <a:solidFill>
+                  <a:srgbClr val="FFC66D"/>
+                </a:solidFill>
+                <a:effectLst/>
+                <a:latin typeface="JetBrains Mono"/>
+              </a:rPr>
+              <a:t>getName</a:t>
+            </a:r>
+            <a:r>
+              <a:rPr kumimoji="0" lang="en-US" altLang="en-US" sz="2000" b="0" i="0" u="none" strike="noStrike" cap="none" normalizeH="0" baseline="0" dirty="0">
+                <a:ln>
+                  <a:noFill/>
+                </a:ln>
+                <a:solidFill>
+                  <a:srgbClr val="A9B7C6"/>
+                </a:solidFill>
+                <a:effectLst/>
+                <a:latin typeface="JetBrains Mono"/>
+              </a:rPr>
+              <a:t>() {</a:t>
+            </a:r>
+            <a:br>
+              <a:rPr kumimoji="0" lang="en-US" altLang="en-US" sz="2000" b="0" i="0" u="none" strike="noStrike" cap="none" normalizeH="0" baseline="0" dirty="0">
+                <a:ln>
+                  <a:noFill/>
+                </a:ln>
+                <a:solidFill>
+                  <a:srgbClr val="A9B7C6"/>
+                </a:solidFill>
+                <a:effectLst/>
+                <a:latin typeface="JetBrains Mono"/>
+              </a:rPr>
+            </a:br>
+            <a:r>
+              <a:rPr kumimoji="0" lang="en-US" altLang="en-US" sz="2000" b="0" i="0" u="none" strike="noStrike" cap="none" normalizeH="0" baseline="0" dirty="0">
+                <a:ln>
+                  <a:noFill/>
+                </a:ln>
+                <a:solidFill>
+                  <a:srgbClr val="A9B7C6"/>
+                </a:solidFill>
+                <a:effectLst/>
+                <a:latin typeface="JetBrains Mono"/>
+              </a:rPr>
+              <a:t>        </a:t>
+            </a:r>
+            <a:r>
+              <a:rPr kumimoji="0" lang="en-US" altLang="en-US" sz="2000" b="0" i="0" u="none" strike="noStrike" cap="none" normalizeH="0" baseline="0" dirty="0">
+                <a:ln>
+                  <a:noFill/>
+                </a:ln>
+                <a:solidFill>
+                  <a:srgbClr val="CC7832"/>
+                </a:solidFill>
+                <a:effectLst/>
+                <a:latin typeface="JetBrains Mono"/>
+              </a:rPr>
+              <a:t>return </a:t>
+            </a:r>
+            <a:r>
+              <a:rPr kumimoji="0" lang="en-US" altLang="en-US" sz="2000" b="0" i="0" u="none" strike="noStrike" cap="none" normalizeH="0" baseline="0" dirty="0">
+                <a:ln>
+                  <a:noFill/>
+                </a:ln>
+                <a:solidFill>
+                  <a:srgbClr val="9876AA"/>
+                </a:solidFill>
+                <a:effectLst/>
+                <a:latin typeface="JetBrains Mono"/>
+              </a:rPr>
+              <a:t>name</a:t>
+            </a:r>
+            <a:r>
+              <a:rPr kumimoji="0" lang="en-US" altLang="en-US" sz="2000" b="0" i="0" u="none" strike="noStrike" cap="none" normalizeH="0" baseline="0" dirty="0">
+                <a:ln>
+                  <a:noFill/>
+                </a:ln>
+                <a:solidFill>
+                  <a:srgbClr val="CC7832"/>
+                </a:solidFill>
+                <a:effectLst/>
+                <a:latin typeface="JetBrains Mono"/>
+              </a:rPr>
+              <a:t>;</a:t>
+            </a:r>
+            <a:br>
+              <a:rPr kumimoji="0" lang="en-US" altLang="en-US" sz="2000" b="0" i="0" u="none" strike="noStrike" cap="none" normalizeH="0" baseline="0" dirty="0">
+                <a:ln>
+                  <a:noFill/>
+                </a:ln>
+                <a:solidFill>
+                  <a:srgbClr val="CC7832"/>
+                </a:solidFill>
+                <a:effectLst/>
+                <a:latin typeface="JetBrains Mono"/>
+              </a:rPr>
+            </a:br>
+            <a:r>
+              <a:rPr kumimoji="0" lang="en-US" altLang="en-US" sz="2000" b="0" i="0" u="none" strike="noStrike" cap="none" normalizeH="0" baseline="0" dirty="0">
+                <a:ln>
+                  <a:noFill/>
+                </a:ln>
+                <a:solidFill>
+                  <a:srgbClr val="CC7832"/>
+                </a:solidFill>
+                <a:effectLst/>
+                <a:latin typeface="JetBrains Mono"/>
+              </a:rPr>
+              <a:t>    </a:t>
+            </a:r>
+            <a:r>
+              <a:rPr kumimoji="0" lang="en-US" altLang="en-US" sz="2000" b="0" i="0" u="none" strike="noStrike" cap="none" normalizeH="0" baseline="0" dirty="0">
+                <a:ln>
+                  <a:noFill/>
+                </a:ln>
+                <a:solidFill>
+                  <a:srgbClr val="A9B7C6"/>
+                </a:solidFill>
+                <a:effectLst/>
+                <a:latin typeface="JetBrains Mono"/>
+              </a:rPr>
+              <a:t>}</a:t>
+            </a:r>
+            <a:br>
+              <a:rPr kumimoji="0" lang="en-US" altLang="en-US" sz="2000" b="0" i="0" u="none" strike="noStrike" cap="none" normalizeH="0" baseline="0" dirty="0">
+                <a:ln>
+                  <a:noFill/>
+                </a:ln>
+                <a:solidFill>
+                  <a:srgbClr val="A9B7C6"/>
+                </a:solidFill>
+                <a:effectLst/>
+                <a:latin typeface="JetBrains Mono"/>
+              </a:rPr>
+            </a:br>
+            <a:r>
+              <a:rPr kumimoji="0" lang="en-US" altLang="en-US" sz="2000" b="0" i="0" u="none" strike="noStrike" cap="none" normalizeH="0" baseline="0" dirty="0">
+                <a:ln>
+                  <a:noFill/>
+                </a:ln>
+                <a:solidFill>
+                  <a:srgbClr val="A9B7C6"/>
+                </a:solidFill>
+                <a:effectLst/>
+                <a:latin typeface="JetBrains Mono"/>
+              </a:rPr>
+              <a:t/>
+            </a:r>
+            <a:br>
+              <a:rPr kumimoji="0" lang="en-US" altLang="en-US" sz="2000" b="0" i="0" u="none" strike="noStrike" cap="none" normalizeH="0" baseline="0" dirty="0">
+                <a:ln>
+                  <a:noFill/>
+                </a:ln>
+                <a:solidFill>
+                  <a:srgbClr val="A9B7C6"/>
+                </a:solidFill>
+                <a:effectLst/>
+                <a:latin typeface="JetBrains Mono"/>
+              </a:rPr>
+            </a:br>
+            <a:r>
+              <a:rPr kumimoji="0" lang="en-US" altLang="en-US" sz="2000" b="0" i="0" u="none" strike="noStrike" cap="none" normalizeH="0" baseline="0" dirty="0">
+                <a:ln>
+                  <a:noFill/>
+                </a:ln>
+                <a:solidFill>
+                  <a:srgbClr val="A9B7C6"/>
+                </a:solidFill>
+                <a:effectLst/>
+                <a:latin typeface="JetBrains Mono"/>
+              </a:rPr>
+              <a:t>    </a:t>
+            </a:r>
+            <a:r>
+              <a:rPr kumimoji="0" lang="en-US" altLang="en-US" sz="2000" b="0" i="0" u="none" strike="noStrike" cap="none" normalizeH="0" baseline="0" dirty="0">
+                <a:ln>
+                  <a:noFill/>
+                </a:ln>
+                <a:solidFill>
+                  <a:srgbClr val="BBB529"/>
+                </a:solidFill>
+                <a:effectLst/>
+                <a:latin typeface="JetBrains Mono"/>
+              </a:rPr>
+              <a:t>@Value</a:t>
+            </a:r>
+            <a:r>
+              <a:rPr kumimoji="0" lang="en-US" altLang="en-US" sz="2000" b="0" i="0" u="none" strike="noStrike" cap="none" normalizeH="0" baseline="0" dirty="0">
+                <a:ln>
+                  <a:noFill/>
+                </a:ln>
+                <a:solidFill>
+                  <a:srgbClr val="A9B7C6"/>
+                </a:solidFill>
+                <a:effectLst/>
+                <a:latin typeface="JetBrains Mono"/>
+              </a:rPr>
+              <a:t>(</a:t>
+            </a:r>
+            <a:r>
+              <a:rPr kumimoji="0" lang="en-US" altLang="en-US" sz="2000" b="0" i="0" u="none" strike="noStrike" cap="none" normalizeH="0" baseline="0" dirty="0">
+                <a:ln>
+                  <a:noFill/>
+                </a:ln>
+                <a:solidFill>
+                  <a:srgbClr val="6A8759"/>
+                </a:solidFill>
+                <a:effectLst/>
+                <a:latin typeface="JetBrains Mono"/>
+              </a:rPr>
+              <a:t>"Ivan Ivanov"</a:t>
+            </a:r>
+            <a:r>
+              <a:rPr kumimoji="0" lang="en-US" altLang="en-US" sz="2000" b="0" i="0" u="none" strike="noStrike" cap="none" normalizeH="0" baseline="0" dirty="0">
+                <a:ln>
+                  <a:noFill/>
+                </a:ln>
+                <a:solidFill>
+                  <a:srgbClr val="A9B7C6"/>
+                </a:solidFill>
+                <a:effectLst/>
+                <a:latin typeface="JetBrains Mono"/>
+              </a:rPr>
+              <a:t>)</a:t>
+            </a:r>
+            <a:br>
+              <a:rPr kumimoji="0" lang="en-US" altLang="en-US" sz="2000" b="0" i="0" u="none" strike="noStrike" cap="none" normalizeH="0" baseline="0" dirty="0">
+                <a:ln>
+                  <a:noFill/>
+                </a:ln>
+                <a:solidFill>
+                  <a:srgbClr val="A9B7C6"/>
+                </a:solidFill>
+                <a:effectLst/>
+                <a:latin typeface="JetBrains Mono"/>
+              </a:rPr>
+            </a:br>
+            <a:r>
+              <a:rPr kumimoji="0" lang="en-US" altLang="en-US" sz="2000" b="0" i="0" u="none" strike="noStrike" cap="none" normalizeH="0" baseline="0" dirty="0">
+                <a:ln>
+                  <a:noFill/>
+                </a:ln>
+                <a:solidFill>
+                  <a:srgbClr val="A9B7C6"/>
+                </a:solidFill>
+                <a:effectLst/>
+                <a:latin typeface="JetBrains Mono"/>
+              </a:rPr>
+              <a:t>    </a:t>
+            </a:r>
+            <a:r>
+              <a:rPr kumimoji="0" lang="en-US" altLang="en-US" sz="2000" b="0" i="0" u="none" strike="noStrike" cap="none" normalizeH="0" baseline="0" dirty="0">
+                <a:ln>
+                  <a:noFill/>
+                </a:ln>
+                <a:solidFill>
+                  <a:srgbClr val="CC7832"/>
+                </a:solidFill>
+                <a:effectLst/>
+                <a:latin typeface="JetBrains Mono"/>
+              </a:rPr>
+              <a:t>public void </a:t>
+            </a:r>
+            <a:r>
+              <a:rPr kumimoji="0" lang="en-US" altLang="en-US" sz="2000" b="0" i="0" u="none" strike="noStrike" cap="none" normalizeH="0" baseline="0" dirty="0" err="1">
+                <a:ln>
+                  <a:noFill/>
+                </a:ln>
+                <a:solidFill>
+                  <a:srgbClr val="FFC66D"/>
+                </a:solidFill>
+                <a:effectLst/>
+                <a:latin typeface="JetBrains Mono"/>
+              </a:rPr>
+              <a:t>setName</a:t>
+            </a:r>
+            <a:r>
+              <a:rPr kumimoji="0" lang="en-US" altLang="en-US" sz="2000" b="0" i="0" u="none" strike="noStrike" cap="none" normalizeH="0" baseline="0" dirty="0">
+                <a:ln>
+                  <a:noFill/>
+                </a:ln>
+                <a:solidFill>
+                  <a:srgbClr val="A9B7C6"/>
+                </a:solidFill>
+                <a:effectLst/>
+                <a:latin typeface="JetBrains Mono"/>
+              </a:rPr>
+              <a:t>(String name) {</a:t>
+            </a:r>
+            <a:br>
+              <a:rPr kumimoji="0" lang="en-US" altLang="en-US" sz="2000" b="0" i="0" u="none" strike="noStrike" cap="none" normalizeH="0" baseline="0" dirty="0">
+                <a:ln>
+                  <a:noFill/>
+                </a:ln>
+                <a:solidFill>
+                  <a:srgbClr val="A9B7C6"/>
+                </a:solidFill>
+                <a:effectLst/>
+                <a:latin typeface="JetBrains Mono"/>
+              </a:rPr>
+            </a:br>
+            <a:r>
+              <a:rPr kumimoji="0" lang="en-US" altLang="en-US" sz="2000" b="0" i="0" u="none" strike="noStrike" cap="none" normalizeH="0" baseline="0" dirty="0">
+                <a:ln>
+                  <a:noFill/>
+                </a:ln>
+                <a:solidFill>
+                  <a:srgbClr val="A9B7C6"/>
+                </a:solidFill>
+                <a:effectLst/>
+                <a:latin typeface="JetBrains Mono"/>
+              </a:rPr>
+              <a:t>        </a:t>
+            </a:r>
+            <a:r>
+              <a:rPr kumimoji="0" lang="en-US" altLang="en-US" sz="2000" b="0" i="0" u="none" strike="noStrike" cap="none" normalizeH="0" baseline="0" dirty="0">
+                <a:ln>
+                  <a:noFill/>
+                </a:ln>
+                <a:solidFill>
+                  <a:srgbClr val="CC7832"/>
+                </a:solidFill>
+                <a:effectLst/>
+                <a:latin typeface="JetBrains Mono"/>
+              </a:rPr>
+              <a:t>this</a:t>
+            </a:r>
+            <a:r>
+              <a:rPr kumimoji="0" lang="en-US" altLang="en-US" sz="2000" b="0" i="0" u="none" strike="noStrike" cap="none" normalizeH="0" baseline="0" dirty="0">
+                <a:ln>
+                  <a:noFill/>
+                </a:ln>
+                <a:solidFill>
+                  <a:srgbClr val="A9B7C6"/>
+                </a:solidFill>
+                <a:effectLst/>
+                <a:latin typeface="JetBrains Mono"/>
+              </a:rPr>
+              <a:t>.</a:t>
+            </a:r>
+            <a:r>
+              <a:rPr kumimoji="0" lang="en-US" altLang="en-US" sz="2000" b="0" i="0" u="none" strike="noStrike" cap="none" normalizeH="0" baseline="0" dirty="0">
+                <a:ln>
+                  <a:noFill/>
+                </a:ln>
+                <a:solidFill>
+                  <a:srgbClr val="9876AA"/>
+                </a:solidFill>
+                <a:effectLst/>
+                <a:latin typeface="JetBrains Mono"/>
+              </a:rPr>
+              <a:t>name </a:t>
+            </a:r>
+            <a:r>
+              <a:rPr kumimoji="0" lang="en-US" altLang="en-US" sz="2000" b="0" i="0" u="none" strike="noStrike" cap="none" normalizeH="0" baseline="0" dirty="0">
+                <a:ln>
+                  <a:noFill/>
+                </a:ln>
+                <a:solidFill>
+                  <a:srgbClr val="A9B7C6"/>
+                </a:solidFill>
+                <a:effectLst/>
+                <a:latin typeface="JetBrains Mono"/>
+              </a:rPr>
+              <a:t>= name</a:t>
+            </a:r>
+            <a:r>
+              <a:rPr kumimoji="0" lang="en-US" altLang="en-US" sz="2000" b="0" i="0" u="none" strike="noStrike" cap="none" normalizeH="0" baseline="0" dirty="0">
+                <a:ln>
+                  <a:noFill/>
+                </a:ln>
+                <a:solidFill>
+                  <a:srgbClr val="CC7832"/>
+                </a:solidFill>
+                <a:effectLst/>
+                <a:latin typeface="JetBrains Mono"/>
+              </a:rPr>
+              <a:t>;</a:t>
+            </a:r>
+            <a:br>
+              <a:rPr kumimoji="0" lang="en-US" altLang="en-US" sz="2000" b="0" i="0" u="none" strike="noStrike" cap="none" normalizeH="0" baseline="0" dirty="0">
+                <a:ln>
+                  <a:noFill/>
+                </a:ln>
+                <a:solidFill>
+                  <a:srgbClr val="CC7832"/>
+                </a:solidFill>
+                <a:effectLst/>
+                <a:latin typeface="JetBrains Mono"/>
+              </a:rPr>
+            </a:br>
+            <a:r>
+              <a:rPr kumimoji="0" lang="en-US" altLang="en-US" sz="2000" b="0" i="0" u="none" strike="noStrike" cap="none" normalizeH="0" baseline="0" dirty="0">
+                <a:ln>
+                  <a:noFill/>
+                </a:ln>
+                <a:solidFill>
+                  <a:srgbClr val="CC7832"/>
+                </a:solidFill>
+                <a:effectLst/>
+                <a:latin typeface="JetBrains Mono"/>
+              </a:rPr>
+              <a:t>    </a:t>
+            </a:r>
+            <a:r>
+              <a:rPr kumimoji="0" lang="en-US" altLang="en-US" sz="2000" b="0" i="0" u="none" strike="noStrike" cap="none" normalizeH="0" baseline="0" dirty="0">
+                <a:ln>
+                  <a:noFill/>
+                </a:ln>
+                <a:solidFill>
+                  <a:srgbClr val="A9B7C6"/>
+                </a:solidFill>
+                <a:effectLst/>
+                <a:latin typeface="JetBrains Mono"/>
+              </a:rPr>
+              <a:t>}</a:t>
+            </a:r>
+            <a:br>
+              <a:rPr kumimoji="0" lang="en-US" altLang="en-US" sz="2000" b="0" i="0" u="none" strike="noStrike" cap="none" normalizeH="0" baseline="0" dirty="0">
+                <a:ln>
+                  <a:noFill/>
+                </a:ln>
+                <a:solidFill>
+                  <a:srgbClr val="A9B7C6"/>
+                </a:solidFill>
+                <a:effectLst/>
+                <a:latin typeface="JetBrains Mono"/>
+              </a:rPr>
+            </a:br>
+            <a:r>
+              <a:rPr kumimoji="0" lang="en-US" altLang="en-US" sz="2000" b="0" i="0" u="none" strike="noStrike" cap="none" normalizeH="0" baseline="0" dirty="0">
+                <a:ln>
+                  <a:noFill/>
+                </a:ln>
+                <a:solidFill>
+                  <a:srgbClr val="A9B7C6"/>
+                </a:solidFill>
+                <a:effectLst/>
+                <a:latin typeface="JetBrains Mono"/>
+              </a:rPr>
+              <a:t/>
+            </a:r>
+            <a:br>
+              <a:rPr kumimoji="0" lang="en-US" altLang="en-US" sz="2000" b="0" i="0" u="none" strike="noStrike" cap="none" normalizeH="0" baseline="0" dirty="0">
+                <a:ln>
+                  <a:noFill/>
+                </a:ln>
+                <a:solidFill>
+                  <a:srgbClr val="A9B7C6"/>
+                </a:solidFill>
+                <a:effectLst/>
+                <a:latin typeface="JetBrains Mono"/>
+              </a:rPr>
+            </a:br>
+            <a:r>
+              <a:rPr kumimoji="0" lang="en-US" altLang="en-US" sz="2000" b="0" i="0" u="none" strike="noStrike" cap="none" normalizeH="0" baseline="0" dirty="0">
+                <a:ln>
+                  <a:noFill/>
+                </a:ln>
+                <a:solidFill>
+                  <a:srgbClr val="A9B7C6"/>
+                </a:solidFill>
+                <a:effectLst/>
+                <a:latin typeface="JetBrains Mono"/>
+              </a:rPr>
+              <a:t>    </a:t>
+            </a:r>
+            <a:r>
+              <a:rPr kumimoji="0" lang="en-US" altLang="en-US" sz="2000" b="0" i="0" u="none" strike="noStrike" cap="none" normalizeH="0" baseline="0" dirty="0">
+                <a:ln>
+                  <a:noFill/>
+                </a:ln>
+                <a:solidFill>
+                  <a:srgbClr val="BBB529"/>
+                </a:solidFill>
+                <a:effectLst/>
+                <a:latin typeface="JetBrains Mono"/>
+              </a:rPr>
+              <a:t>@</a:t>
+            </a:r>
+            <a:r>
+              <a:rPr kumimoji="0" lang="en-US" altLang="en-US" sz="2000" b="0" i="0" u="none" strike="noStrike" cap="none" normalizeH="0" baseline="0" dirty="0" err="1">
+                <a:ln>
+                  <a:noFill/>
+                </a:ln>
+                <a:solidFill>
+                  <a:srgbClr val="BBB529"/>
+                </a:solidFill>
+                <a:effectLst/>
+                <a:latin typeface="JetBrains Mono"/>
+              </a:rPr>
+              <a:t>Autowired</a:t>
+            </a:r>
+            <a:r>
+              <a:rPr kumimoji="0" lang="en-US" altLang="en-US" sz="2000" b="0" i="0" u="none" strike="noStrike" cap="none" normalizeH="0" baseline="0" dirty="0">
+                <a:ln>
+                  <a:noFill/>
+                </a:ln>
+                <a:solidFill>
+                  <a:srgbClr val="BBB529"/>
+                </a:solidFill>
+                <a:effectLst/>
+                <a:latin typeface="JetBrains Mono"/>
+              </a:rPr>
+              <a:t/>
+            </a:r>
+            <a:br>
+              <a:rPr kumimoji="0" lang="en-US" altLang="en-US" sz="2000" b="0" i="0" u="none" strike="noStrike" cap="none" normalizeH="0" baseline="0" dirty="0">
+                <a:ln>
+                  <a:noFill/>
+                </a:ln>
+                <a:solidFill>
+                  <a:srgbClr val="BBB529"/>
+                </a:solidFill>
+                <a:effectLst/>
+                <a:latin typeface="JetBrains Mono"/>
+              </a:rPr>
+            </a:br>
+            <a:r>
+              <a:rPr kumimoji="0" lang="en-US" altLang="en-US" sz="2000" b="0" i="0" u="none" strike="noStrike" cap="none" normalizeH="0" baseline="0" dirty="0">
+                <a:ln>
+                  <a:noFill/>
+                </a:ln>
+                <a:solidFill>
+                  <a:srgbClr val="BBB529"/>
+                </a:solidFill>
+                <a:effectLst/>
+                <a:latin typeface="JetBrains Mono"/>
+              </a:rPr>
+              <a:t>    </a:t>
+            </a:r>
+            <a:r>
+              <a:rPr kumimoji="0" lang="en-US" altLang="en-US" sz="2000" b="0" i="0" u="none" strike="noStrike" cap="none" normalizeH="0" baseline="0" dirty="0">
+                <a:ln>
+                  <a:noFill/>
+                </a:ln>
+                <a:solidFill>
+                  <a:srgbClr val="CC7832"/>
+                </a:solidFill>
+                <a:effectLst/>
+                <a:latin typeface="JetBrains Mono"/>
+              </a:rPr>
+              <a:t>public void </a:t>
+            </a:r>
+            <a:r>
+              <a:rPr kumimoji="0" lang="en-US" altLang="en-US" sz="2000" b="0" i="0" u="none" strike="noStrike" cap="none" normalizeH="0" baseline="0" dirty="0" err="1">
+                <a:ln>
+                  <a:noFill/>
+                </a:ln>
+                <a:solidFill>
+                  <a:srgbClr val="FFC66D"/>
+                </a:solidFill>
+                <a:effectLst/>
+                <a:latin typeface="JetBrains Mono"/>
+              </a:rPr>
+              <a:t>setCat</a:t>
+            </a:r>
+            <a:r>
+              <a:rPr kumimoji="0" lang="en-US" altLang="en-US" sz="2000" b="0" i="0" u="none" strike="noStrike" cap="none" normalizeH="0" baseline="0" dirty="0">
+                <a:ln>
+                  <a:noFill/>
+                </a:ln>
+                <a:solidFill>
+                  <a:srgbClr val="A9B7C6"/>
+                </a:solidFill>
+                <a:effectLst/>
+                <a:latin typeface="JetBrains Mono"/>
+              </a:rPr>
+              <a:t>(Cat cat) {</a:t>
+            </a:r>
+            <a:br>
+              <a:rPr kumimoji="0" lang="en-US" altLang="en-US" sz="2000" b="0" i="0" u="none" strike="noStrike" cap="none" normalizeH="0" baseline="0" dirty="0">
+                <a:ln>
+                  <a:noFill/>
+                </a:ln>
+                <a:solidFill>
+                  <a:srgbClr val="A9B7C6"/>
+                </a:solidFill>
+                <a:effectLst/>
+                <a:latin typeface="JetBrains Mono"/>
+              </a:rPr>
+            </a:br>
+            <a:r>
+              <a:rPr kumimoji="0" lang="en-US" altLang="en-US" sz="2000" b="0" i="0" u="none" strike="noStrike" cap="none" normalizeH="0" baseline="0" dirty="0">
+                <a:ln>
+                  <a:noFill/>
+                </a:ln>
+                <a:solidFill>
+                  <a:srgbClr val="A9B7C6"/>
+                </a:solidFill>
+                <a:effectLst/>
+                <a:latin typeface="JetBrains Mono"/>
+              </a:rPr>
+              <a:t>        </a:t>
+            </a:r>
+            <a:r>
+              <a:rPr kumimoji="0" lang="en-US" altLang="en-US" sz="2000" b="0" i="0" u="none" strike="noStrike" cap="none" normalizeH="0" baseline="0" dirty="0">
+                <a:ln>
+                  <a:noFill/>
+                </a:ln>
+                <a:solidFill>
+                  <a:srgbClr val="CC7832"/>
+                </a:solidFill>
+                <a:effectLst/>
+                <a:latin typeface="JetBrains Mono"/>
+              </a:rPr>
+              <a:t>this</a:t>
+            </a:r>
+            <a:r>
+              <a:rPr kumimoji="0" lang="en-US" altLang="en-US" sz="2000" b="0" i="0" u="none" strike="noStrike" cap="none" normalizeH="0" baseline="0" dirty="0">
+                <a:ln>
+                  <a:noFill/>
+                </a:ln>
+                <a:solidFill>
+                  <a:srgbClr val="A9B7C6"/>
+                </a:solidFill>
+                <a:effectLst/>
+                <a:latin typeface="JetBrains Mono"/>
+              </a:rPr>
+              <a:t>.</a:t>
+            </a:r>
+            <a:r>
+              <a:rPr kumimoji="0" lang="en-US" altLang="en-US" sz="2000" b="0" i="0" u="none" strike="noStrike" cap="none" normalizeH="0" baseline="0" dirty="0">
+                <a:ln>
+                  <a:noFill/>
+                </a:ln>
+                <a:solidFill>
+                  <a:srgbClr val="9876AA"/>
+                </a:solidFill>
+                <a:effectLst/>
+                <a:latin typeface="JetBrains Mono"/>
+              </a:rPr>
+              <a:t>cat </a:t>
+            </a:r>
+            <a:r>
+              <a:rPr kumimoji="0" lang="en-US" altLang="en-US" sz="2000" b="0" i="0" u="none" strike="noStrike" cap="none" normalizeH="0" baseline="0" dirty="0">
+                <a:ln>
+                  <a:noFill/>
+                </a:ln>
+                <a:solidFill>
+                  <a:srgbClr val="A9B7C6"/>
+                </a:solidFill>
+                <a:effectLst/>
+                <a:latin typeface="JetBrains Mono"/>
+              </a:rPr>
+              <a:t>= cat</a:t>
+            </a:r>
+            <a:r>
+              <a:rPr kumimoji="0" lang="en-US" altLang="en-US" sz="2000" b="0" i="0" u="none" strike="noStrike" cap="none" normalizeH="0" baseline="0" dirty="0">
+                <a:ln>
+                  <a:noFill/>
+                </a:ln>
+                <a:solidFill>
+                  <a:srgbClr val="CC7832"/>
+                </a:solidFill>
+                <a:effectLst/>
+                <a:latin typeface="JetBrains Mono"/>
+              </a:rPr>
+              <a:t>;</a:t>
+            </a:r>
+            <a:br>
+              <a:rPr kumimoji="0" lang="en-US" altLang="en-US" sz="2000" b="0" i="0" u="none" strike="noStrike" cap="none" normalizeH="0" baseline="0" dirty="0">
+                <a:ln>
+                  <a:noFill/>
+                </a:ln>
+                <a:solidFill>
+                  <a:srgbClr val="CC7832"/>
+                </a:solidFill>
+                <a:effectLst/>
+                <a:latin typeface="JetBrains Mono"/>
+              </a:rPr>
+            </a:br>
+            <a:r>
+              <a:rPr kumimoji="0" lang="en-US" altLang="en-US" sz="2000" b="0" i="0" u="none" strike="noStrike" cap="none" normalizeH="0" baseline="0" dirty="0">
+                <a:ln>
+                  <a:noFill/>
+                </a:ln>
+                <a:solidFill>
+                  <a:srgbClr val="CC7832"/>
+                </a:solidFill>
+                <a:effectLst/>
+                <a:latin typeface="JetBrains Mono"/>
+              </a:rPr>
+              <a:t>    </a:t>
+            </a:r>
+            <a:r>
+              <a:rPr kumimoji="0" lang="en-US" altLang="en-US" sz="2000" b="0" i="0" u="none" strike="noStrike" cap="none" normalizeH="0" baseline="0" dirty="0">
+                <a:ln>
+                  <a:noFill/>
+                </a:ln>
+                <a:solidFill>
+                  <a:srgbClr val="A9B7C6"/>
+                </a:solidFill>
+                <a:effectLst/>
+                <a:latin typeface="JetBrains Mono"/>
+              </a:rPr>
+              <a:t>}</a:t>
+            </a:r>
+            <a:endParaRPr kumimoji="0" lang="ru-RU" altLang="en-US" sz="2000" b="0" i="0" u="none" strike="noStrike" cap="none" normalizeH="0" baseline="0" dirty="0">
               <a:ln>
                 <a:noFill/>
               </a:ln>
               <a:solidFill>
-                <a:schemeClr val="tx1"/>
+                <a:srgbClr val="A9B7C6"/>
               </a:solidFill>
               <a:effectLst/>
-              <a:latin typeface="Arial" panose="020B0604020202020204" pitchFamily="34" charset="0"/>
+              <a:latin typeface="JetBrains Mono"/>
             </a:endParaRPr>
           </a:p>
-        </p:txBody>
-      </p:sp>
-      <p:sp>
-        <p:nvSpPr>
-          <p:cNvPr id="5" name="Rectangle 2"/>
-          <p:cNvSpPr>
-            <a:spLocks noChangeArrowheads="1"/>
-          </p:cNvSpPr>
-          <p:nvPr/>
-        </p:nvSpPr>
-        <p:spPr bwMode="auto">
-          <a:xfrm>
-            <a:off x="4524375" y="1284357"/>
-            <a:ext cx="5762625" cy="1323439"/>
-          </a:xfrm>
-          <a:prstGeom prst="rect">
-            <a:avLst/>
-          </a:prstGeom>
-          <a:solidFill>
-            <a:srgbClr val="2B2B2B"/>
-          </a:solidFill>
-          <a:ln>
-            <a:noFill/>
-          </a:ln>
-          <a:effectLst/>
-          <a:extLst>
-            <a:ext uri="{91240B29-F687-4F45-9708-019B960494DF}">
-              <a14:hiddenLine xmlns:a14="http://schemas.microsoft.com/office/drawing/2010/main" w="9525">
-                <a:solidFill>
-                  <a:schemeClr val="tx1"/>
-                </a:solidFill>
-                <a:miter lim="800000"/>
-                <a:headEnd/>
-                <a:tailEnd/>
-              </a14:hiddenLine>
-            </a:ext>
-            <a:ext uri="{AF507438-7753-43E0-B8FC-AC1667EBCBE1}">
-              <a14:hiddenEffects xmlns:a14="http://schemas.microsoft.com/office/drawing/2010/main">
-                <a:effectLst>
-                  <a:outerShdw dist="35921" dir="2700000" algn="ctr" rotWithShape="0">
-                    <a:schemeClr val="bg2"/>
-                  </a:outerShdw>
-                </a:effectLst>
-              </a14:hiddenEffects>
-            </a:ext>
-          </a:extLst>
-        </p:spPr>
-        <p:txBody>
-          <a:bodyPr vert="horz" wrap="square" lIns="91440" tIns="45720" rIns="91440" bIns="45720" numCol="1" anchor="ctr" anchorCtr="0" compatLnSpc="1">
-            <a:prstTxWarp prst="textNoShape">
-              <a:avLst/>
-            </a:prstTxWarp>
-            <a:spAutoFit/>
-          </a:bodyPr>
-          <a:lstStyle/>
           <a:p>
             <a:pPr marL="0" marR="0" lvl="0" indent="0" algn="l" defTabSz="914400" rtl="0" eaLnBrk="0" fontAlgn="base" latinLnBrk="0" hangingPunct="0">
               <a:lnSpc>
@@ -4723,212 +6047,15 @@
               <a:tabLst/>
             </a:pPr>
             <a:r>
-              <a:rPr kumimoji="0" lang="en-US" altLang="en-US" sz="2000" b="0" i="0" u="none" strike="noStrike" cap="none" normalizeH="0" baseline="0" dirty="0" smtClean="0">
-                <a:ln>
-                  <a:noFill/>
-                </a:ln>
-                <a:solidFill>
-                  <a:srgbClr val="E8BF6A"/>
-                </a:solidFill>
-                <a:effectLst/>
-                <a:latin typeface="JetBrains Mono"/>
-              </a:rPr>
-              <a:t>&lt;bean </a:t>
-            </a:r>
-            <a:r>
-              <a:rPr kumimoji="0" lang="en-US" altLang="en-US" sz="2000" b="0" i="0" u="none" strike="noStrike" cap="none" normalizeH="0" baseline="0" dirty="0" smtClean="0">
-                <a:ln>
-                  <a:noFill/>
-                </a:ln>
-                <a:solidFill>
-                  <a:srgbClr val="BABABA"/>
-                </a:solidFill>
-                <a:effectLst/>
-                <a:latin typeface="JetBrains Mono"/>
-              </a:rPr>
-              <a:t>id</a:t>
-            </a:r>
-            <a:r>
-              <a:rPr kumimoji="0" lang="en-US" altLang="en-US" sz="2000" b="0" i="0" u="none" strike="noStrike" cap="none" normalizeH="0" baseline="0" dirty="0" smtClean="0">
-                <a:ln>
-                  <a:noFill/>
-                </a:ln>
-                <a:solidFill>
-                  <a:srgbClr val="6A8759"/>
-                </a:solidFill>
-                <a:effectLst/>
-                <a:latin typeface="JetBrains Mono"/>
-              </a:rPr>
-              <a:t>="</a:t>
-            </a:r>
-            <a:r>
-              <a:rPr kumimoji="0" lang="en-US" altLang="en-US" sz="2000" b="0" i="0" u="none" strike="noStrike" cap="none" normalizeH="0" baseline="0" dirty="0" err="1" smtClean="0">
-                <a:ln>
-                  <a:noFill/>
-                </a:ln>
-                <a:solidFill>
-                  <a:srgbClr val="6A8759"/>
-                </a:solidFill>
-                <a:effectLst/>
-                <a:latin typeface="JetBrains Mono"/>
-              </a:rPr>
-              <a:t>petPerson</a:t>
-            </a:r>
-            <a:r>
-              <a:rPr kumimoji="0" lang="en-US" altLang="en-US" sz="2000" b="0" i="0" u="none" strike="noStrike" cap="none" normalizeH="0" baseline="0" dirty="0" smtClean="0">
-                <a:ln>
-                  <a:noFill/>
-                </a:ln>
-                <a:solidFill>
-                  <a:srgbClr val="6A8759"/>
-                </a:solidFill>
-                <a:effectLst/>
-                <a:latin typeface="JetBrains Mono"/>
-              </a:rPr>
-              <a:t>" </a:t>
-            </a:r>
-            <a:r>
-              <a:rPr kumimoji="0" lang="en-US" altLang="en-US" sz="2000" b="0" i="0" u="none" strike="noStrike" cap="none" normalizeH="0" baseline="0" dirty="0" smtClean="0">
-                <a:ln>
-                  <a:noFill/>
-                </a:ln>
-                <a:solidFill>
-                  <a:srgbClr val="BABABA"/>
-                </a:solidFill>
-                <a:effectLst/>
-                <a:latin typeface="JetBrains Mono"/>
-              </a:rPr>
-              <a:t>class</a:t>
-            </a:r>
-            <a:r>
-              <a:rPr kumimoji="0" lang="en-US" altLang="en-US" sz="2000" b="0" i="0" u="none" strike="noStrike" cap="none" normalizeH="0" baseline="0" dirty="0" smtClean="0">
-                <a:ln>
-                  <a:noFill/>
-                </a:ln>
-                <a:solidFill>
-                  <a:srgbClr val="6A8759"/>
-                </a:solidFill>
-                <a:effectLst/>
-                <a:latin typeface="JetBrains Mono"/>
-              </a:rPr>
-              <a:t>="com.volkov.IoC.example13.PetPerson"</a:t>
-            </a:r>
-            <a:br>
-              <a:rPr kumimoji="0" lang="en-US" altLang="en-US" sz="2000" b="0" i="0" u="none" strike="noStrike" cap="none" normalizeH="0" baseline="0" dirty="0" smtClean="0">
-                <a:ln>
-                  <a:noFill/>
-                </a:ln>
-                <a:solidFill>
-                  <a:srgbClr val="6A8759"/>
-                </a:solidFill>
-                <a:effectLst/>
-                <a:latin typeface="JetBrains Mono"/>
-              </a:rPr>
-            </a:br>
-            <a:r>
-              <a:rPr kumimoji="0" lang="en-US" altLang="en-US" sz="2000" b="0" i="0" u="none" strike="noStrike" cap="none" normalizeH="0" baseline="0" dirty="0" smtClean="0">
-                <a:ln>
-                  <a:noFill/>
-                </a:ln>
-                <a:solidFill>
-                  <a:srgbClr val="6A8759"/>
-                </a:solidFill>
-                <a:effectLst/>
-                <a:latin typeface="JetBrains Mono"/>
-              </a:rPr>
-              <a:t>    </a:t>
-            </a:r>
-            <a:r>
-              <a:rPr kumimoji="0" lang="en-US" altLang="en-US" sz="2000" b="0" i="0" u="none" strike="noStrike" cap="none" normalizeH="0" baseline="0" dirty="0" err="1" smtClean="0">
-                <a:ln>
-                  <a:noFill/>
-                </a:ln>
-                <a:solidFill>
-                  <a:srgbClr val="BABABA"/>
-                </a:solidFill>
-                <a:effectLst/>
-                <a:latin typeface="JetBrains Mono"/>
-              </a:rPr>
-              <a:t>autowire</a:t>
-            </a:r>
-            <a:r>
-              <a:rPr kumimoji="0" lang="en-US" altLang="en-US" sz="2000" b="0" i="0" u="none" strike="noStrike" cap="none" normalizeH="0" baseline="0" dirty="0" smtClean="0">
-                <a:ln>
-                  <a:noFill/>
-                </a:ln>
-                <a:solidFill>
-                  <a:srgbClr val="6A8759"/>
-                </a:solidFill>
-                <a:effectLst/>
-                <a:latin typeface="JetBrains Mono"/>
-              </a:rPr>
-              <a:t>="</a:t>
-            </a:r>
-            <a:r>
-              <a:rPr kumimoji="0" lang="en-US" altLang="en-US" sz="2000" b="0" i="0" u="none" strike="noStrike" cap="none" normalizeH="0" baseline="0" dirty="0" err="1" smtClean="0">
-                <a:ln>
-                  <a:noFill/>
-                </a:ln>
-                <a:solidFill>
-                  <a:srgbClr val="6A8759"/>
-                </a:solidFill>
-                <a:effectLst/>
-                <a:latin typeface="JetBrains Mono"/>
-              </a:rPr>
-              <a:t>byName</a:t>
-            </a:r>
-            <a:r>
-              <a:rPr kumimoji="0" lang="en-US" altLang="en-US" sz="2000" b="0" i="0" u="none" strike="noStrike" cap="none" normalizeH="0" baseline="0" dirty="0" smtClean="0">
-                <a:ln>
-                  <a:noFill/>
-                </a:ln>
-                <a:solidFill>
-                  <a:srgbClr val="6A8759"/>
-                </a:solidFill>
-                <a:effectLst/>
-                <a:latin typeface="JetBrains Mono"/>
-              </a:rPr>
-              <a:t>"</a:t>
-            </a:r>
-            <a:r>
-              <a:rPr kumimoji="0" lang="en-US" altLang="en-US" sz="2000" b="0" i="0" u="none" strike="noStrike" cap="none" normalizeH="0" baseline="0" dirty="0" smtClean="0">
-                <a:ln>
-                  <a:noFill/>
-                </a:ln>
-                <a:solidFill>
-                  <a:srgbClr val="E8BF6A"/>
-                </a:solidFill>
-                <a:effectLst/>
-                <a:latin typeface="JetBrains Mono"/>
-              </a:rPr>
-              <a:t>&gt;</a:t>
-            </a:r>
-            <a:br>
-              <a:rPr kumimoji="0" lang="en-US" altLang="en-US" sz="2000" b="0" i="0" u="none" strike="noStrike" cap="none" normalizeH="0" baseline="0" dirty="0" smtClean="0">
-                <a:ln>
-                  <a:noFill/>
-                </a:ln>
-                <a:solidFill>
-                  <a:srgbClr val="E8BF6A"/>
-                </a:solidFill>
-                <a:effectLst/>
-                <a:latin typeface="JetBrains Mono"/>
-              </a:rPr>
-            </a:br>
-            <a:r>
-              <a:rPr kumimoji="0" lang="en-US" altLang="en-US" sz="2000" b="0" i="0" u="none" strike="noStrike" cap="none" normalizeH="0" baseline="0" dirty="0" smtClean="0">
-                <a:ln>
-                  <a:noFill/>
-                </a:ln>
-                <a:solidFill>
-                  <a:srgbClr val="E8BF6A"/>
-                </a:solidFill>
-                <a:effectLst/>
-                <a:latin typeface="JetBrains Mono"/>
-              </a:rPr>
-              <a:t>&lt;/bean&gt;</a:t>
-            </a:r>
-            <a:endParaRPr kumimoji="0" lang="en-US" altLang="en-US" sz="2000" b="0" i="0" u="none" strike="noStrike" cap="none" normalizeH="0" baseline="0" dirty="0" smtClean="0">
+              <a:rPr lang="en-US" altLang="en-US" sz="2000" dirty="0">
+                <a:solidFill>
+                  <a:srgbClr val="A9B7C6"/>
+                </a:solidFill>
+                <a:latin typeface="JetBrains Mono"/>
+              </a:rPr>
+              <a:t>}</a:t>
+            </a:r>
+            <a:endParaRPr kumimoji="0" lang="en-US" altLang="en-US" sz="2000" b="0" i="0" u="none" strike="noStrike" cap="none" normalizeH="0" baseline="0" dirty="0">
               <a:ln>
                 <a:noFill/>
               </a:ln>
@@ -4944,7 +6071,7 @@
     </p:spTree>
     <p:extLst>
       <p:ext uri="{BB962C8B-B14F-4D97-AF65-F5344CB8AC3E}">
-        <p14:creationId xmlns:p14="http://schemas.microsoft.com/office/powerpoint/2010/main" val="3025374423"/>
+        <p14:creationId xmlns:p14="http://schemas.microsoft.com/office/powerpoint/2010/main" val="335479687"/>
       </p:ext>
     </p:extLst>
   </p:cSld>
